--- a/architecture.pptx
+++ b/architecture.pptx
@@ -1,11 +1,14 @@
 
 <file path=ppt/presentation.xml><?xml version="1.0" encoding="utf-8"?>
-<p:presentation xmlns:a="http://schemas.openxmlformats.org/drawingml/2006/main" xmlns:r="http://schemas.openxmlformats.org/officeDocument/2006/relationships" xmlns:p="http://schemas.openxmlformats.org/presentationml/2006/main" saveSubsetFonts="1" autoCompressPictures="0">
+<p:presentation xmlns:a="http://schemas.openxmlformats.org/drawingml/2006/main" xmlns:r="http://schemas.openxmlformats.org/officeDocument/2006/relationships" xmlns:p="http://schemas.openxmlformats.org/presentationml/2006/main" saveSubsetFonts="1">
   <p:sldMasterIdLst>
     <p:sldMasterId id="2147483648" r:id="rId1"/>
   </p:sldMasterIdLst>
   <p:sldIdLst>
-    <p:sldId id="809" r:id="rId2"/>
+    <p:sldId id="257" r:id="rId2"/>
+    <p:sldId id="258" r:id="rId3"/>
+    <p:sldId id="259" r:id="rId4"/>
+    <p:sldId id="260" r:id="rId5"/>
   </p:sldIdLst>
   <p:sldSz cx="12192000" cy="6858000"/>
   <p:notesSz cx="6858000" cy="9144000"/>
@@ -104,11 +107,6 @@
       </a:defRPr>
     </a:lvl9pPr>
   </p:defaultTextStyle>
-  <p:extLst>
-    <p:ext uri="{EFAFB233-063F-42B5-8137-9DF3F51BA10A}">
-      <p15:sldGuideLst xmlns:p15="http://schemas.microsoft.com/office/powerpoint/2012/main"/>
-    </p:ext>
-  </p:extLst>
 </p:presentation>
 </file>
 
@@ -134,7 +132,7 @@
           <p:cNvPr id="2" name="Title 1">
             <a:extLst>
               <a:ext uri="{FF2B5EF4-FFF2-40B4-BE49-F238E27FC236}">
-                <a16:creationId xmlns:a16="http://schemas.microsoft.com/office/drawing/2014/main" id="{4C81D440-534C-9348-96BF-9FF2FE4772DC}"/>
+                <a16:creationId xmlns:a16="http://schemas.microsoft.com/office/drawing/2014/main" id="{570A48D3-0499-4250-ACF6-34B315736D76}"/>
               </a:ext>
             </a:extLst>
           </p:cNvPr>
@@ -160,10 +158,9 @@
           </a:lstStyle>
           <a:p>
             <a:r>
-              <a:rPr lang="en-GB"/>
+              <a:rPr lang="en-US"/>
               <a:t>Click to edit Master title style</a:t>
             </a:r>
-            <a:endParaRPr lang="en-US"/>
           </a:p>
         </p:txBody>
       </p:sp>
@@ -172,7 +169,7 @@
           <p:cNvPr id="3" name="Subtitle 2">
             <a:extLst>
               <a:ext uri="{FF2B5EF4-FFF2-40B4-BE49-F238E27FC236}">
-                <a16:creationId xmlns:a16="http://schemas.microsoft.com/office/drawing/2014/main" id="{9CB815BF-CE8D-9A4A-8F1E-7335193FA7FE}"/>
+                <a16:creationId xmlns:a16="http://schemas.microsoft.com/office/drawing/2014/main" id="{28542FAA-C5EF-4FF8-85A1-4398291345F3}"/>
               </a:ext>
             </a:extLst>
           </p:cNvPr>
@@ -231,10 +228,9 @@
           </a:lstStyle>
           <a:p>
             <a:r>
-              <a:rPr lang="en-GB"/>
+              <a:rPr lang="en-US"/>
               <a:t>Click to edit Master subtitle style</a:t>
             </a:r>
-            <a:endParaRPr lang="en-US"/>
           </a:p>
         </p:txBody>
       </p:sp>
@@ -243,7 +239,7 @@
           <p:cNvPr id="4" name="Date Placeholder 3">
             <a:extLst>
               <a:ext uri="{FF2B5EF4-FFF2-40B4-BE49-F238E27FC236}">
-                <a16:creationId xmlns:a16="http://schemas.microsoft.com/office/drawing/2014/main" id="{40C633D2-EFA4-BE41-994E-82DA6B3F9AA8}"/>
+                <a16:creationId xmlns:a16="http://schemas.microsoft.com/office/drawing/2014/main" id="{7EFDFB59-6BFD-471A-8596-F2D7FC0718C7}"/>
               </a:ext>
             </a:extLst>
           </p:cNvPr>
@@ -259,9 +255,9 @@
           <a:bodyPr/>
           <a:lstStyle/>
           <a:p>
-            <a:fld id="{6AD5FAE2-2522-0B4B-B11A-4D3EF529492E}" type="datetimeFigureOut">
+            <a:fld id="{544822BA-98AD-42A3-B38D-20A11EB64FCE}" type="datetimeFigureOut">
               <a:rPr lang="en-US" smtClean="0"/>
-              <a:t>8/10/19</a:t>
+              <a:t>9/11/2019</a:t>
             </a:fld>
             <a:endParaRPr lang="en-US"/>
           </a:p>
@@ -272,7 +268,7 @@
           <p:cNvPr id="5" name="Footer Placeholder 4">
             <a:extLst>
               <a:ext uri="{FF2B5EF4-FFF2-40B4-BE49-F238E27FC236}">
-                <a16:creationId xmlns:a16="http://schemas.microsoft.com/office/drawing/2014/main" id="{484E5E15-BB7F-2241-98A3-84D92D2FFD90}"/>
+                <a16:creationId xmlns:a16="http://schemas.microsoft.com/office/drawing/2014/main" id="{6E3A159A-9FAE-4627-A95B-53EEB5FDC954}"/>
               </a:ext>
             </a:extLst>
           </p:cNvPr>
@@ -297,7 +293,7 @@
           <p:cNvPr id="6" name="Slide Number Placeholder 5">
             <a:extLst>
               <a:ext uri="{FF2B5EF4-FFF2-40B4-BE49-F238E27FC236}">
-                <a16:creationId xmlns:a16="http://schemas.microsoft.com/office/drawing/2014/main" id="{A3D959D5-C29D-E647-9DE3-E92F13197945}"/>
+                <a16:creationId xmlns:a16="http://schemas.microsoft.com/office/drawing/2014/main" id="{AF7ADB88-B822-4BB7-8AE4-40DD70339027}"/>
               </a:ext>
             </a:extLst>
           </p:cNvPr>
@@ -313,7 +309,7 @@
           <a:bodyPr/>
           <a:lstStyle/>
           <a:p>
-            <a:fld id="{2C34AF32-F149-C04C-8EF3-F7F48314E5EB}" type="slidenum">
+            <a:fld id="{A3CFC20C-815E-4BD3-A2F0-4398FF13EF00}" type="slidenum">
               <a:rPr lang="en-US" smtClean="0"/>
               <a:t>‹#›</a:t>
             </a:fld>
@@ -324,7 +320,7 @@
     </p:spTree>
     <p:extLst>
       <p:ext uri="{BB962C8B-B14F-4D97-AF65-F5344CB8AC3E}">
-        <p14:creationId xmlns:p14="http://schemas.microsoft.com/office/powerpoint/2010/main" val="2328690345"/>
+        <p14:creationId xmlns:p14="http://schemas.microsoft.com/office/powerpoint/2010/main" val="1089533903"/>
       </p:ext>
     </p:extLst>
   </p:cSld>
@@ -356,7 +352,7 @@
           <p:cNvPr id="2" name="Title 1">
             <a:extLst>
               <a:ext uri="{FF2B5EF4-FFF2-40B4-BE49-F238E27FC236}">
-                <a16:creationId xmlns:a16="http://schemas.microsoft.com/office/drawing/2014/main" id="{A48F8762-2C72-AB41-B4F4-10F00231A3BE}"/>
+                <a16:creationId xmlns:a16="http://schemas.microsoft.com/office/drawing/2014/main" id="{99FF5DF9-68BC-4816-A090-EE52E8A6A8DB}"/>
               </a:ext>
             </a:extLst>
           </p:cNvPr>
@@ -373,10 +369,9 @@
           <a:lstStyle/>
           <a:p>
             <a:r>
-              <a:rPr lang="en-GB"/>
+              <a:rPr lang="en-US"/>
               <a:t>Click to edit Master title style</a:t>
             </a:r>
-            <a:endParaRPr lang="en-US"/>
           </a:p>
         </p:txBody>
       </p:sp>
@@ -385,7 +380,7 @@
           <p:cNvPr id="3" name="Vertical Text Placeholder 2">
             <a:extLst>
               <a:ext uri="{FF2B5EF4-FFF2-40B4-BE49-F238E27FC236}">
-                <a16:creationId xmlns:a16="http://schemas.microsoft.com/office/drawing/2014/main" id="{67848B1C-B056-1E43-8EEC-35DF75AD6005}"/>
+                <a16:creationId xmlns:a16="http://schemas.microsoft.com/office/drawing/2014/main" id="{CD78C58D-88A1-4407-ACD4-E71AC1D4FD84}"/>
               </a:ext>
             </a:extLst>
           </p:cNvPr>
@@ -403,38 +398,37 @@
           <a:p>
             <a:pPr lvl="0"/>
             <a:r>
-              <a:rPr lang="en-GB"/>
+              <a:rPr lang="en-US"/>
               <a:t>Click to edit Master text styles</a:t>
             </a:r>
           </a:p>
           <a:p>
             <a:pPr lvl="1"/>
             <a:r>
-              <a:rPr lang="en-GB"/>
+              <a:rPr lang="en-US"/>
               <a:t>Second level</a:t>
             </a:r>
           </a:p>
           <a:p>
             <a:pPr lvl="2"/>
             <a:r>
-              <a:rPr lang="en-GB"/>
+              <a:rPr lang="en-US"/>
               <a:t>Third level</a:t>
             </a:r>
           </a:p>
           <a:p>
             <a:pPr lvl="3"/>
             <a:r>
-              <a:rPr lang="en-GB"/>
+              <a:rPr lang="en-US"/>
               <a:t>Fourth level</a:t>
             </a:r>
           </a:p>
           <a:p>
             <a:pPr lvl="4"/>
             <a:r>
-              <a:rPr lang="en-GB"/>
+              <a:rPr lang="en-US"/>
               <a:t>Fifth level</a:t>
             </a:r>
-            <a:endParaRPr lang="en-US"/>
           </a:p>
         </p:txBody>
       </p:sp>
@@ -443,7 +437,7 @@
           <p:cNvPr id="4" name="Date Placeholder 3">
             <a:extLst>
               <a:ext uri="{FF2B5EF4-FFF2-40B4-BE49-F238E27FC236}">
-                <a16:creationId xmlns:a16="http://schemas.microsoft.com/office/drawing/2014/main" id="{701A67E9-64F9-2E40-A5C9-6F3E6631CF81}"/>
+                <a16:creationId xmlns:a16="http://schemas.microsoft.com/office/drawing/2014/main" id="{505E3FA7-88C0-41F1-9CD7-A0C471E7735A}"/>
               </a:ext>
             </a:extLst>
           </p:cNvPr>
@@ -459,9 +453,9 @@
           <a:bodyPr/>
           <a:lstStyle/>
           <a:p>
-            <a:fld id="{6AD5FAE2-2522-0B4B-B11A-4D3EF529492E}" type="datetimeFigureOut">
+            <a:fld id="{544822BA-98AD-42A3-B38D-20A11EB64FCE}" type="datetimeFigureOut">
               <a:rPr lang="en-US" smtClean="0"/>
-              <a:t>8/10/19</a:t>
+              <a:t>9/11/2019</a:t>
             </a:fld>
             <a:endParaRPr lang="en-US"/>
           </a:p>
@@ -472,7 +466,7 @@
           <p:cNvPr id="5" name="Footer Placeholder 4">
             <a:extLst>
               <a:ext uri="{FF2B5EF4-FFF2-40B4-BE49-F238E27FC236}">
-                <a16:creationId xmlns:a16="http://schemas.microsoft.com/office/drawing/2014/main" id="{0CD4AADE-F3BF-914F-A6C8-B47EC1602F43}"/>
+                <a16:creationId xmlns:a16="http://schemas.microsoft.com/office/drawing/2014/main" id="{296AB933-90BF-4E2B-87B1-2714BC1DC15C}"/>
               </a:ext>
             </a:extLst>
           </p:cNvPr>
@@ -497,7 +491,7 @@
           <p:cNvPr id="6" name="Slide Number Placeholder 5">
             <a:extLst>
               <a:ext uri="{FF2B5EF4-FFF2-40B4-BE49-F238E27FC236}">
-                <a16:creationId xmlns:a16="http://schemas.microsoft.com/office/drawing/2014/main" id="{9D4FD269-F66B-454E-ACAD-0E8D8F97E342}"/>
+                <a16:creationId xmlns:a16="http://schemas.microsoft.com/office/drawing/2014/main" id="{82928369-B4F1-4B2F-A378-C4A768135233}"/>
               </a:ext>
             </a:extLst>
           </p:cNvPr>
@@ -513,7 +507,7 @@
           <a:bodyPr/>
           <a:lstStyle/>
           <a:p>
-            <a:fld id="{2C34AF32-F149-C04C-8EF3-F7F48314E5EB}" type="slidenum">
+            <a:fld id="{A3CFC20C-815E-4BD3-A2F0-4398FF13EF00}" type="slidenum">
               <a:rPr lang="en-US" smtClean="0"/>
               <a:t>‹#›</a:t>
             </a:fld>
@@ -524,7 +518,7 @@
     </p:spTree>
     <p:extLst>
       <p:ext uri="{BB962C8B-B14F-4D97-AF65-F5344CB8AC3E}">
-        <p14:creationId xmlns:p14="http://schemas.microsoft.com/office/powerpoint/2010/main" val="3419047915"/>
+        <p14:creationId xmlns:p14="http://schemas.microsoft.com/office/powerpoint/2010/main" val="2793254854"/>
       </p:ext>
     </p:extLst>
   </p:cSld>
@@ -556,7 +550,7 @@
           <p:cNvPr id="2" name="Vertical Title 1">
             <a:extLst>
               <a:ext uri="{FF2B5EF4-FFF2-40B4-BE49-F238E27FC236}">
-                <a16:creationId xmlns:a16="http://schemas.microsoft.com/office/drawing/2014/main" id="{7A3A5C68-2F08-C441-9C25-AF6DAF4B11A7}"/>
+                <a16:creationId xmlns:a16="http://schemas.microsoft.com/office/drawing/2014/main" id="{C3D05FED-17D5-4B7A-87DB-E654ADCF2B45}"/>
               </a:ext>
             </a:extLst>
           </p:cNvPr>
@@ -578,10 +572,9 @@
           <a:lstStyle/>
           <a:p>
             <a:r>
-              <a:rPr lang="en-GB"/>
+              <a:rPr lang="en-US"/>
               <a:t>Click to edit Master title style</a:t>
             </a:r>
-            <a:endParaRPr lang="en-US"/>
           </a:p>
         </p:txBody>
       </p:sp>
@@ -590,7 +583,7 @@
           <p:cNvPr id="3" name="Vertical Text Placeholder 2">
             <a:extLst>
               <a:ext uri="{FF2B5EF4-FFF2-40B4-BE49-F238E27FC236}">
-                <a16:creationId xmlns:a16="http://schemas.microsoft.com/office/drawing/2014/main" id="{0F2C6F20-3E11-074A-9F49-DCFE2D42170A}"/>
+                <a16:creationId xmlns:a16="http://schemas.microsoft.com/office/drawing/2014/main" id="{2C98DCD5-AB43-4354-9D62-5E9D450C3987}"/>
               </a:ext>
             </a:extLst>
           </p:cNvPr>
@@ -613,38 +606,37 @@
           <a:p>
             <a:pPr lvl="0"/>
             <a:r>
-              <a:rPr lang="en-GB"/>
+              <a:rPr lang="en-US"/>
               <a:t>Click to edit Master text styles</a:t>
             </a:r>
           </a:p>
           <a:p>
             <a:pPr lvl="1"/>
             <a:r>
-              <a:rPr lang="en-GB"/>
+              <a:rPr lang="en-US"/>
               <a:t>Second level</a:t>
             </a:r>
           </a:p>
           <a:p>
             <a:pPr lvl="2"/>
             <a:r>
-              <a:rPr lang="en-GB"/>
+              <a:rPr lang="en-US"/>
               <a:t>Third level</a:t>
             </a:r>
           </a:p>
           <a:p>
             <a:pPr lvl="3"/>
             <a:r>
-              <a:rPr lang="en-GB"/>
+              <a:rPr lang="en-US"/>
               <a:t>Fourth level</a:t>
             </a:r>
           </a:p>
           <a:p>
             <a:pPr lvl="4"/>
             <a:r>
-              <a:rPr lang="en-GB"/>
+              <a:rPr lang="en-US"/>
               <a:t>Fifth level</a:t>
             </a:r>
-            <a:endParaRPr lang="en-US"/>
           </a:p>
         </p:txBody>
       </p:sp>
@@ -653,7 +645,7 @@
           <p:cNvPr id="4" name="Date Placeholder 3">
             <a:extLst>
               <a:ext uri="{FF2B5EF4-FFF2-40B4-BE49-F238E27FC236}">
-                <a16:creationId xmlns:a16="http://schemas.microsoft.com/office/drawing/2014/main" id="{302CC128-877C-0C45-BEE6-9FE85473537E}"/>
+                <a16:creationId xmlns:a16="http://schemas.microsoft.com/office/drawing/2014/main" id="{37B364B0-1E47-4031-AD9D-9CDDA8D307B1}"/>
               </a:ext>
             </a:extLst>
           </p:cNvPr>
@@ -669,9 +661,9 @@
           <a:bodyPr/>
           <a:lstStyle/>
           <a:p>
-            <a:fld id="{6AD5FAE2-2522-0B4B-B11A-4D3EF529492E}" type="datetimeFigureOut">
+            <a:fld id="{544822BA-98AD-42A3-B38D-20A11EB64FCE}" type="datetimeFigureOut">
               <a:rPr lang="en-US" smtClean="0"/>
-              <a:t>8/10/19</a:t>
+              <a:t>9/11/2019</a:t>
             </a:fld>
             <a:endParaRPr lang="en-US"/>
           </a:p>
@@ -682,7 +674,7 @@
           <p:cNvPr id="5" name="Footer Placeholder 4">
             <a:extLst>
               <a:ext uri="{FF2B5EF4-FFF2-40B4-BE49-F238E27FC236}">
-                <a16:creationId xmlns:a16="http://schemas.microsoft.com/office/drawing/2014/main" id="{3991201A-D0F3-4043-B169-0907F0B24848}"/>
+                <a16:creationId xmlns:a16="http://schemas.microsoft.com/office/drawing/2014/main" id="{F4FFA023-3D64-42B3-A26D-3FED53AAAB33}"/>
               </a:ext>
             </a:extLst>
           </p:cNvPr>
@@ -707,7 +699,7 @@
           <p:cNvPr id="6" name="Slide Number Placeholder 5">
             <a:extLst>
               <a:ext uri="{FF2B5EF4-FFF2-40B4-BE49-F238E27FC236}">
-                <a16:creationId xmlns:a16="http://schemas.microsoft.com/office/drawing/2014/main" id="{B443EE60-30D9-7046-9450-A4F446EB523C}"/>
+                <a16:creationId xmlns:a16="http://schemas.microsoft.com/office/drawing/2014/main" id="{DCBB8C2C-EF87-4918-BFA2-0AC64F6BA4E3}"/>
               </a:ext>
             </a:extLst>
           </p:cNvPr>
@@ -723,7 +715,7 @@
           <a:bodyPr/>
           <a:lstStyle/>
           <a:p>
-            <a:fld id="{2C34AF32-F149-C04C-8EF3-F7F48314E5EB}" type="slidenum">
+            <a:fld id="{A3CFC20C-815E-4BD3-A2F0-4398FF13EF00}" type="slidenum">
               <a:rPr lang="en-US" smtClean="0"/>
               <a:t>‹#›</a:t>
             </a:fld>
@@ -734,7 +726,7 @@
     </p:spTree>
     <p:extLst>
       <p:ext uri="{BB962C8B-B14F-4D97-AF65-F5344CB8AC3E}">
-        <p14:creationId xmlns:p14="http://schemas.microsoft.com/office/powerpoint/2010/main" val="1907681756"/>
+        <p14:creationId xmlns:p14="http://schemas.microsoft.com/office/powerpoint/2010/main" val="397357176"/>
       </p:ext>
     </p:extLst>
   </p:cSld>
@@ -766,7 +758,7 @@
           <p:cNvPr id="2" name="Title 1">
             <a:extLst>
               <a:ext uri="{FF2B5EF4-FFF2-40B4-BE49-F238E27FC236}">
-                <a16:creationId xmlns:a16="http://schemas.microsoft.com/office/drawing/2014/main" id="{DE0A45ED-6CD2-CA45-B359-4741A5107F02}"/>
+                <a16:creationId xmlns:a16="http://schemas.microsoft.com/office/drawing/2014/main" id="{8A7EEB20-4E9C-483F-858F-2F57BC1FFE5F}"/>
               </a:ext>
             </a:extLst>
           </p:cNvPr>
@@ -783,10 +775,9 @@
           <a:lstStyle/>
           <a:p>
             <a:r>
-              <a:rPr lang="en-GB"/>
+              <a:rPr lang="en-US"/>
               <a:t>Click to edit Master title style</a:t>
             </a:r>
-            <a:endParaRPr lang="en-US"/>
           </a:p>
         </p:txBody>
       </p:sp>
@@ -795,7 +786,7 @@
           <p:cNvPr id="3" name="Content Placeholder 2">
             <a:extLst>
               <a:ext uri="{FF2B5EF4-FFF2-40B4-BE49-F238E27FC236}">
-                <a16:creationId xmlns:a16="http://schemas.microsoft.com/office/drawing/2014/main" id="{7789E1C8-81E6-A24C-9EB3-E06A479B81B6}"/>
+                <a16:creationId xmlns:a16="http://schemas.microsoft.com/office/drawing/2014/main" id="{20CC2566-1FD8-486C-B2A0-C6125992A403}"/>
               </a:ext>
             </a:extLst>
           </p:cNvPr>
@@ -813,38 +804,37 @@
           <a:p>
             <a:pPr lvl="0"/>
             <a:r>
-              <a:rPr lang="en-GB"/>
+              <a:rPr lang="en-US"/>
               <a:t>Click to edit Master text styles</a:t>
             </a:r>
           </a:p>
           <a:p>
             <a:pPr lvl="1"/>
             <a:r>
-              <a:rPr lang="en-GB"/>
+              <a:rPr lang="en-US"/>
               <a:t>Second level</a:t>
             </a:r>
           </a:p>
           <a:p>
             <a:pPr lvl="2"/>
             <a:r>
-              <a:rPr lang="en-GB"/>
+              <a:rPr lang="en-US"/>
               <a:t>Third level</a:t>
             </a:r>
           </a:p>
           <a:p>
             <a:pPr lvl="3"/>
             <a:r>
-              <a:rPr lang="en-GB"/>
+              <a:rPr lang="en-US"/>
               <a:t>Fourth level</a:t>
             </a:r>
           </a:p>
           <a:p>
             <a:pPr lvl="4"/>
             <a:r>
-              <a:rPr lang="en-GB"/>
+              <a:rPr lang="en-US"/>
               <a:t>Fifth level</a:t>
             </a:r>
-            <a:endParaRPr lang="en-US"/>
           </a:p>
         </p:txBody>
       </p:sp>
@@ -853,7 +843,7 @@
           <p:cNvPr id="4" name="Date Placeholder 3">
             <a:extLst>
               <a:ext uri="{FF2B5EF4-FFF2-40B4-BE49-F238E27FC236}">
-                <a16:creationId xmlns:a16="http://schemas.microsoft.com/office/drawing/2014/main" id="{164C8156-E300-FF46-8C5E-0930A7333336}"/>
+                <a16:creationId xmlns:a16="http://schemas.microsoft.com/office/drawing/2014/main" id="{BE8127A4-5191-4748-9A1E-77B09C639E4F}"/>
               </a:ext>
             </a:extLst>
           </p:cNvPr>
@@ -869,9 +859,9 @@
           <a:bodyPr/>
           <a:lstStyle/>
           <a:p>
-            <a:fld id="{6AD5FAE2-2522-0B4B-B11A-4D3EF529492E}" type="datetimeFigureOut">
+            <a:fld id="{544822BA-98AD-42A3-B38D-20A11EB64FCE}" type="datetimeFigureOut">
               <a:rPr lang="en-US" smtClean="0"/>
-              <a:t>8/10/19</a:t>
+              <a:t>9/11/2019</a:t>
             </a:fld>
             <a:endParaRPr lang="en-US"/>
           </a:p>
@@ -882,7 +872,7 @@
           <p:cNvPr id="5" name="Footer Placeholder 4">
             <a:extLst>
               <a:ext uri="{FF2B5EF4-FFF2-40B4-BE49-F238E27FC236}">
-                <a16:creationId xmlns:a16="http://schemas.microsoft.com/office/drawing/2014/main" id="{651C17F2-8BE6-0045-A2C3-C41A26BD0A46}"/>
+                <a16:creationId xmlns:a16="http://schemas.microsoft.com/office/drawing/2014/main" id="{151F1D5F-E349-4AD5-BD91-D8C09B100B22}"/>
               </a:ext>
             </a:extLst>
           </p:cNvPr>
@@ -907,7 +897,7 @@
           <p:cNvPr id="6" name="Slide Number Placeholder 5">
             <a:extLst>
               <a:ext uri="{FF2B5EF4-FFF2-40B4-BE49-F238E27FC236}">
-                <a16:creationId xmlns:a16="http://schemas.microsoft.com/office/drawing/2014/main" id="{D44E54A3-D1F2-7541-A044-D8EBFE03085E}"/>
+                <a16:creationId xmlns:a16="http://schemas.microsoft.com/office/drawing/2014/main" id="{99161B5A-243C-478F-BB20-2782EF80EF81}"/>
               </a:ext>
             </a:extLst>
           </p:cNvPr>
@@ -923,7 +913,7 @@
           <a:bodyPr/>
           <a:lstStyle/>
           <a:p>
-            <a:fld id="{2C34AF32-F149-C04C-8EF3-F7F48314E5EB}" type="slidenum">
+            <a:fld id="{A3CFC20C-815E-4BD3-A2F0-4398FF13EF00}" type="slidenum">
               <a:rPr lang="en-US" smtClean="0"/>
               <a:t>‹#›</a:t>
             </a:fld>
@@ -934,7 +924,7 @@
     </p:spTree>
     <p:extLst>
       <p:ext uri="{BB962C8B-B14F-4D97-AF65-F5344CB8AC3E}">
-        <p14:creationId xmlns:p14="http://schemas.microsoft.com/office/powerpoint/2010/main" val="1814520543"/>
+        <p14:creationId xmlns:p14="http://schemas.microsoft.com/office/powerpoint/2010/main" val="610591821"/>
       </p:ext>
     </p:extLst>
   </p:cSld>
@@ -966,7 +956,7 @@
           <p:cNvPr id="2" name="Title 1">
             <a:extLst>
               <a:ext uri="{FF2B5EF4-FFF2-40B4-BE49-F238E27FC236}">
-                <a16:creationId xmlns:a16="http://schemas.microsoft.com/office/drawing/2014/main" id="{4032A0B9-A388-1F41-B4DE-47A2D34CE687}"/>
+                <a16:creationId xmlns:a16="http://schemas.microsoft.com/office/drawing/2014/main" id="{E16D2C31-CA68-4905-90D8-69889C21F36E}"/>
               </a:ext>
             </a:extLst>
           </p:cNvPr>
@@ -992,10 +982,9 @@
           </a:lstStyle>
           <a:p>
             <a:r>
-              <a:rPr lang="en-GB"/>
+              <a:rPr lang="en-US"/>
               <a:t>Click to edit Master title style</a:t>
             </a:r>
-            <a:endParaRPr lang="en-US"/>
           </a:p>
         </p:txBody>
       </p:sp>
@@ -1004,7 +993,7 @@
           <p:cNvPr id="3" name="Text Placeholder 2">
             <a:extLst>
               <a:ext uri="{FF2B5EF4-FFF2-40B4-BE49-F238E27FC236}">
-                <a16:creationId xmlns:a16="http://schemas.microsoft.com/office/drawing/2014/main" id="{1E3C5261-88FA-4648-8904-C77245D58085}"/>
+                <a16:creationId xmlns:a16="http://schemas.microsoft.com/office/drawing/2014/main" id="{180D6B1D-86D6-4A79-82E3-267AD4A04816}"/>
               </a:ext>
             </a:extLst>
           </p:cNvPr>
@@ -1118,7 +1107,7 @@
           <a:p>
             <a:pPr lvl="0"/>
             <a:r>
-              <a:rPr lang="en-GB"/>
+              <a:rPr lang="en-US"/>
               <a:t>Click to edit Master text styles</a:t>
             </a:r>
           </a:p>
@@ -1129,7 +1118,7 @@
           <p:cNvPr id="4" name="Date Placeholder 3">
             <a:extLst>
               <a:ext uri="{FF2B5EF4-FFF2-40B4-BE49-F238E27FC236}">
-                <a16:creationId xmlns:a16="http://schemas.microsoft.com/office/drawing/2014/main" id="{49E4F247-EB83-4041-9153-48BD19FBECBC}"/>
+                <a16:creationId xmlns:a16="http://schemas.microsoft.com/office/drawing/2014/main" id="{F1F2CC1A-FC60-4426-B9BD-6034B7550425}"/>
               </a:ext>
             </a:extLst>
           </p:cNvPr>
@@ -1145,9 +1134,9 @@
           <a:bodyPr/>
           <a:lstStyle/>
           <a:p>
-            <a:fld id="{6AD5FAE2-2522-0B4B-B11A-4D3EF529492E}" type="datetimeFigureOut">
+            <a:fld id="{544822BA-98AD-42A3-B38D-20A11EB64FCE}" type="datetimeFigureOut">
               <a:rPr lang="en-US" smtClean="0"/>
-              <a:t>8/10/19</a:t>
+              <a:t>9/11/2019</a:t>
             </a:fld>
             <a:endParaRPr lang="en-US"/>
           </a:p>
@@ -1158,7 +1147,7 @@
           <p:cNvPr id="5" name="Footer Placeholder 4">
             <a:extLst>
               <a:ext uri="{FF2B5EF4-FFF2-40B4-BE49-F238E27FC236}">
-                <a16:creationId xmlns:a16="http://schemas.microsoft.com/office/drawing/2014/main" id="{B1A18990-BC5E-C64A-9D98-78EAD2F40059}"/>
+                <a16:creationId xmlns:a16="http://schemas.microsoft.com/office/drawing/2014/main" id="{4CB41F08-9A27-43B9-9EAB-BD58285C2CB6}"/>
               </a:ext>
             </a:extLst>
           </p:cNvPr>
@@ -1183,7 +1172,7 @@
           <p:cNvPr id="6" name="Slide Number Placeholder 5">
             <a:extLst>
               <a:ext uri="{FF2B5EF4-FFF2-40B4-BE49-F238E27FC236}">
-                <a16:creationId xmlns:a16="http://schemas.microsoft.com/office/drawing/2014/main" id="{764FF678-9D1F-E546-B6B6-251AFB77E74A}"/>
+                <a16:creationId xmlns:a16="http://schemas.microsoft.com/office/drawing/2014/main" id="{D630C0F1-C3C9-4D5C-881F-F953EA333418}"/>
               </a:ext>
             </a:extLst>
           </p:cNvPr>
@@ -1199,7 +1188,7 @@
           <a:bodyPr/>
           <a:lstStyle/>
           <a:p>
-            <a:fld id="{2C34AF32-F149-C04C-8EF3-F7F48314E5EB}" type="slidenum">
+            <a:fld id="{A3CFC20C-815E-4BD3-A2F0-4398FF13EF00}" type="slidenum">
               <a:rPr lang="en-US" smtClean="0"/>
               <a:t>‹#›</a:t>
             </a:fld>
@@ -1210,7 +1199,7 @@
     </p:spTree>
     <p:extLst>
       <p:ext uri="{BB962C8B-B14F-4D97-AF65-F5344CB8AC3E}">
-        <p14:creationId xmlns:p14="http://schemas.microsoft.com/office/powerpoint/2010/main" val="2371609433"/>
+        <p14:creationId xmlns:p14="http://schemas.microsoft.com/office/powerpoint/2010/main" val="1270580808"/>
       </p:ext>
     </p:extLst>
   </p:cSld>
@@ -1242,7 +1231,7 @@
           <p:cNvPr id="2" name="Title 1">
             <a:extLst>
               <a:ext uri="{FF2B5EF4-FFF2-40B4-BE49-F238E27FC236}">
-                <a16:creationId xmlns:a16="http://schemas.microsoft.com/office/drawing/2014/main" id="{16C26DA6-CD8E-1E4A-8E57-CBC3AE38F167}"/>
+                <a16:creationId xmlns:a16="http://schemas.microsoft.com/office/drawing/2014/main" id="{EC5197DF-45CE-4090-A93E-6A127953062D}"/>
               </a:ext>
             </a:extLst>
           </p:cNvPr>
@@ -1259,10 +1248,9 @@
           <a:lstStyle/>
           <a:p>
             <a:r>
-              <a:rPr lang="en-GB"/>
+              <a:rPr lang="en-US"/>
               <a:t>Click to edit Master title style</a:t>
             </a:r>
-            <a:endParaRPr lang="en-US"/>
           </a:p>
         </p:txBody>
       </p:sp>
@@ -1271,7 +1259,7 @@
           <p:cNvPr id="3" name="Content Placeholder 2">
             <a:extLst>
               <a:ext uri="{FF2B5EF4-FFF2-40B4-BE49-F238E27FC236}">
-                <a16:creationId xmlns:a16="http://schemas.microsoft.com/office/drawing/2014/main" id="{2A55B2CF-98EC-7C47-A8F5-76B365270676}"/>
+                <a16:creationId xmlns:a16="http://schemas.microsoft.com/office/drawing/2014/main" id="{338AF2E7-CD23-4D31-BA2D-50EE5D8F10A3}"/>
               </a:ext>
             </a:extLst>
           </p:cNvPr>
@@ -1294,38 +1282,37 @@
           <a:p>
             <a:pPr lvl="0"/>
             <a:r>
-              <a:rPr lang="en-GB"/>
+              <a:rPr lang="en-US"/>
               <a:t>Click to edit Master text styles</a:t>
             </a:r>
           </a:p>
           <a:p>
             <a:pPr lvl="1"/>
             <a:r>
-              <a:rPr lang="en-GB"/>
+              <a:rPr lang="en-US"/>
               <a:t>Second level</a:t>
             </a:r>
           </a:p>
           <a:p>
             <a:pPr lvl="2"/>
             <a:r>
-              <a:rPr lang="en-GB"/>
+              <a:rPr lang="en-US"/>
               <a:t>Third level</a:t>
             </a:r>
           </a:p>
           <a:p>
             <a:pPr lvl="3"/>
             <a:r>
-              <a:rPr lang="en-GB"/>
+              <a:rPr lang="en-US"/>
               <a:t>Fourth level</a:t>
             </a:r>
           </a:p>
           <a:p>
             <a:pPr lvl="4"/>
             <a:r>
-              <a:rPr lang="en-GB"/>
+              <a:rPr lang="en-US"/>
               <a:t>Fifth level</a:t>
             </a:r>
-            <a:endParaRPr lang="en-US"/>
           </a:p>
         </p:txBody>
       </p:sp>
@@ -1334,7 +1321,7 @@
           <p:cNvPr id="4" name="Content Placeholder 3">
             <a:extLst>
               <a:ext uri="{FF2B5EF4-FFF2-40B4-BE49-F238E27FC236}">
-                <a16:creationId xmlns:a16="http://schemas.microsoft.com/office/drawing/2014/main" id="{AD1B0FB1-4EC8-9445-B749-EAC3F04156AB}"/>
+                <a16:creationId xmlns:a16="http://schemas.microsoft.com/office/drawing/2014/main" id="{5B021676-0E98-488D-9B85-916A3799E7EB}"/>
               </a:ext>
             </a:extLst>
           </p:cNvPr>
@@ -1357,38 +1344,37 @@
           <a:p>
             <a:pPr lvl="0"/>
             <a:r>
-              <a:rPr lang="en-GB"/>
+              <a:rPr lang="en-US"/>
               <a:t>Click to edit Master text styles</a:t>
             </a:r>
           </a:p>
           <a:p>
             <a:pPr lvl="1"/>
             <a:r>
-              <a:rPr lang="en-GB"/>
+              <a:rPr lang="en-US"/>
               <a:t>Second level</a:t>
             </a:r>
           </a:p>
           <a:p>
             <a:pPr lvl="2"/>
             <a:r>
-              <a:rPr lang="en-GB"/>
+              <a:rPr lang="en-US"/>
               <a:t>Third level</a:t>
             </a:r>
           </a:p>
           <a:p>
             <a:pPr lvl="3"/>
             <a:r>
-              <a:rPr lang="en-GB"/>
+              <a:rPr lang="en-US"/>
               <a:t>Fourth level</a:t>
             </a:r>
           </a:p>
           <a:p>
             <a:pPr lvl="4"/>
             <a:r>
-              <a:rPr lang="en-GB"/>
+              <a:rPr lang="en-US"/>
               <a:t>Fifth level</a:t>
             </a:r>
-            <a:endParaRPr lang="en-US"/>
           </a:p>
         </p:txBody>
       </p:sp>
@@ -1397,7 +1383,7 @@
           <p:cNvPr id="5" name="Date Placeholder 4">
             <a:extLst>
               <a:ext uri="{FF2B5EF4-FFF2-40B4-BE49-F238E27FC236}">
-                <a16:creationId xmlns:a16="http://schemas.microsoft.com/office/drawing/2014/main" id="{0E354D3D-7784-D148-89FC-4333045A6998}"/>
+                <a16:creationId xmlns:a16="http://schemas.microsoft.com/office/drawing/2014/main" id="{27F51189-F7B7-46F4-8BF2-F33B79436DEB}"/>
               </a:ext>
             </a:extLst>
           </p:cNvPr>
@@ -1413,9 +1399,9 @@
           <a:bodyPr/>
           <a:lstStyle/>
           <a:p>
-            <a:fld id="{6AD5FAE2-2522-0B4B-B11A-4D3EF529492E}" type="datetimeFigureOut">
+            <a:fld id="{544822BA-98AD-42A3-B38D-20A11EB64FCE}" type="datetimeFigureOut">
               <a:rPr lang="en-US" smtClean="0"/>
-              <a:t>8/10/19</a:t>
+              <a:t>9/11/2019</a:t>
             </a:fld>
             <a:endParaRPr lang="en-US"/>
           </a:p>
@@ -1426,7 +1412,7 @@
           <p:cNvPr id="6" name="Footer Placeholder 5">
             <a:extLst>
               <a:ext uri="{FF2B5EF4-FFF2-40B4-BE49-F238E27FC236}">
-                <a16:creationId xmlns:a16="http://schemas.microsoft.com/office/drawing/2014/main" id="{2F1DD67B-3482-8E4A-9E23-502418B92DFD}"/>
+                <a16:creationId xmlns:a16="http://schemas.microsoft.com/office/drawing/2014/main" id="{47847E22-B2FB-41A6-BD2D-A9FA1BE0C150}"/>
               </a:ext>
             </a:extLst>
           </p:cNvPr>
@@ -1451,7 +1437,7 @@
           <p:cNvPr id="7" name="Slide Number Placeholder 6">
             <a:extLst>
               <a:ext uri="{FF2B5EF4-FFF2-40B4-BE49-F238E27FC236}">
-                <a16:creationId xmlns:a16="http://schemas.microsoft.com/office/drawing/2014/main" id="{3C6180A0-2454-B047-A6AA-4E1CA9D25302}"/>
+                <a16:creationId xmlns:a16="http://schemas.microsoft.com/office/drawing/2014/main" id="{CAE9B4AD-EDAB-4781-99D9-BE6E2F67C4C1}"/>
               </a:ext>
             </a:extLst>
           </p:cNvPr>
@@ -1467,7 +1453,7 @@
           <a:bodyPr/>
           <a:lstStyle/>
           <a:p>
-            <a:fld id="{2C34AF32-F149-C04C-8EF3-F7F48314E5EB}" type="slidenum">
+            <a:fld id="{A3CFC20C-815E-4BD3-A2F0-4398FF13EF00}" type="slidenum">
               <a:rPr lang="en-US" smtClean="0"/>
               <a:t>‹#›</a:t>
             </a:fld>
@@ -1478,7 +1464,7 @@
     </p:spTree>
     <p:extLst>
       <p:ext uri="{BB962C8B-B14F-4D97-AF65-F5344CB8AC3E}">
-        <p14:creationId xmlns:p14="http://schemas.microsoft.com/office/powerpoint/2010/main" val="2485031150"/>
+        <p14:creationId xmlns:p14="http://schemas.microsoft.com/office/powerpoint/2010/main" val="3674602453"/>
       </p:ext>
     </p:extLst>
   </p:cSld>
@@ -1510,7 +1496,7 @@
           <p:cNvPr id="2" name="Title 1">
             <a:extLst>
               <a:ext uri="{FF2B5EF4-FFF2-40B4-BE49-F238E27FC236}">
-                <a16:creationId xmlns:a16="http://schemas.microsoft.com/office/drawing/2014/main" id="{10E2EC05-FD7C-6841-85FC-3F27C0FC4F9F}"/>
+                <a16:creationId xmlns:a16="http://schemas.microsoft.com/office/drawing/2014/main" id="{C3F4412E-2EAB-4495-B6AF-D9FA7CD78DA1}"/>
               </a:ext>
             </a:extLst>
           </p:cNvPr>
@@ -1532,10 +1518,9 @@
           <a:lstStyle/>
           <a:p>
             <a:r>
-              <a:rPr lang="en-GB"/>
+              <a:rPr lang="en-US"/>
               <a:t>Click to edit Master title style</a:t>
             </a:r>
-            <a:endParaRPr lang="en-US"/>
           </a:p>
         </p:txBody>
       </p:sp>
@@ -1544,7 +1529,7 @@
           <p:cNvPr id="3" name="Text Placeholder 2">
             <a:extLst>
               <a:ext uri="{FF2B5EF4-FFF2-40B4-BE49-F238E27FC236}">
-                <a16:creationId xmlns:a16="http://schemas.microsoft.com/office/drawing/2014/main" id="{146247EB-0B64-E14D-ACFA-F0412E210DC4}"/>
+                <a16:creationId xmlns:a16="http://schemas.microsoft.com/office/drawing/2014/main" id="{2A08E78E-3E3B-4F37-A379-39CAB2FC40DA}"/>
               </a:ext>
             </a:extLst>
           </p:cNvPr>
@@ -1604,7 +1589,7 @@
           <a:p>
             <a:pPr lvl="0"/>
             <a:r>
-              <a:rPr lang="en-GB"/>
+              <a:rPr lang="en-US"/>
               <a:t>Click to edit Master text styles</a:t>
             </a:r>
           </a:p>
@@ -1615,7 +1600,7 @@
           <p:cNvPr id="4" name="Content Placeholder 3">
             <a:extLst>
               <a:ext uri="{FF2B5EF4-FFF2-40B4-BE49-F238E27FC236}">
-                <a16:creationId xmlns:a16="http://schemas.microsoft.com/office/drawing/2014/main" id="{4A428050-C88A-404A-9539-C9428C46E98E}"/>
+                <a16:creationId xmlns:a16="http://schemas.microsoft.com/office/drawing/2014/main" id="{A2CB14C5-CD24-4084-900B-AE7B05998252}"/>
               </a:ext>
             </a:extLst>
           </p:cNvPr>
@@ -1638,38 +1623,37 @@
           <a:p>
             <a:pPr lvl="0"/>
             <a:r>
-              <a:rPr lang="en-GB"/>
+              <a:rPr lang="en-US"/>
               <a:t>Click to edit Master text styles</a:t>
             </a:r>
           </a:p>
           <a:p>
             <a:pPr lvl="1"/>
             <a:r>
-              <a:rPr lang="en-GB"/>
+              <a:rPr lang="en-US"/>
               <a:t>Second level</a:t>
             </a:r>
           </a:p>
           <a:p>
             <a:pPr lvl="2"/>
             <a:r>
-              <a:rPr lang="en-GB"/>
+              <a:rPr lang="en-US"/>
               <a:t>Third level</a:t>
             </a:r>
           </a:p>
           <a:p>
             <a:pPr lvl="3"/>
             <a:r>
-              <a:rPr lang="en-GB"/>
+              <a:rPr lang="en-US"/>
               <a:t>Fourth level</a:t>
             </a:r>
           </a:p>
           <a:p>
             <a:pPr lvl="4"/>
             <a:r>
-              <a:rPr lang="en-GB"/>
+              <a:rPr lang="en-US"/>
               <a:t>Fifth level</a:t>
             </a:r>
-            <a:endParaRPr lang="en-US"/>
           </a:p>
         </p:txBody>
       </p:sp>
@@ -1678,7 +1662,7 @@
           <p:cNvPr id="5" name="Text Placeholder 4">
             <a:extLst>
               <a:ext uri="{FF2B5EF4-FFF2-40B4-BE49-F238E27FC236}">
-                <a16:creationId xmlns:a16="http://schemas.microsoft.com/office/drawing/2014/main" id="{3B2CE77C-2C1D-5345-BEF8-7B1F71A8AF46}"/>
+                <a16:creationId xmlns:a16="http://schemas.microsoft.com/office/drawing/2014/main" id="{09C5AD65-471C-43A4-92D5-A8EB764B610B}"/>
               </a:ext>
             </a:extLst>
           </p:cNvPr>
@@ -1738,7 +1722,7 @@
           <a:p>
             <a:pPr lvl="0"/>
             <a:r>
-              <a:rPr lang="en-GB"/>
+              <a:rPr lang="en-US"/>
               <a:t>Click to edit Master text styles</a:t>
             </a:r>
           </a:p>
@@ -1749,7 +1733,7 @@
           <p:cNvPr id="6" name="Content Placeholder 5">
             <a:extLst>
               <a:ext uri="{FF2B5EF4-FFF2-40B4-BE49-F238E27FC236}">
-                <a16:creationId xmlns:a16="http://schemas.microsoft.com/office/drawing/2014/main" id="{D5A90B9E-2FD0-8148-A4C5-33812464A190}"/>
+                <a16:creationId xmlns:a16="http://schemas.microsoft.com/office/drawing/2014/main" id="{4EE4FBCA-0B53-4775-8B3E-06E7B0EB943B}"/>
               </a:ext>
             </a:extLst>
           </p:cNvPr>
@@ -1772,38 +1756,37 @@
           <a:p>
             <a:pPr lvl="0"/>
             <a:r>
-              <a:rPr lang="en-GB"/>
+              <a:rPr lang="en-US"/>
               <a:t>Click to edit Master text styles</a:t>
             </a:r>
           </a:p>
           <a:p>
             <a:pPr lvl="1"/>
             <a:r>
-              <a:rPr lang="en-GB"/>
+              <a:rPr lang="en-US"/>
               <a:t>Second level</a:t>
             </a:r>
           </a:p>
           <a:p>
             <a:pPr lvl="2"/>
             <a:r>
-              <a:rPr lang="en-GB"/>
+              <a:rPr lang="en-US"/>
               <a:t>Third level</a:t>
             </a:r>
           </a:p>
           <a:p>
             <a:pPr lvl="3"/>
             <a:r>
-              <a:rPr lang="en-GB"/>
+              <a:rPr lang="en-US"/>
               <a:t>Fourth level</a:t>
             </a:r>
           </a:p>
           <a:p>
             <a:pPr lvl="4"/>
             <a:r>
-              <a:rPr lang="en-GB"/>
+              <a:rPr lang="en-US"/>
               <a:t>Fifth level</a:t>
             </a:r>
-            <a:endParaRPr lang="en-US"/>
           </a:p>
         </p:txBody>
       </p:sp>
@@ -1812,7 +1795,7 @@
           <p:cNvPr id="7" name="Date Placeholder 6">
             <a:extLst>
               <a:ext uri="{FF2B5EF4-FFF2-40B4-BE49-F238E27FC236}">
-                <a16:creationId xmlns:a16="http://schemas.microsoft.com/office/drawing/2014/main" id="{D240E969-918E-3F43-8DE2-8283C0B9729C}"/>
+                <a16:creationId xmlns:a16="http://schemas.microsoft.com/office/drawing/2014/main" id="{08AE6B8F-36B3-49BE-BC39-5DB911E3255A}"/>
               </a:ext>
             </a:extLst>
           </p:cNvPr>
@@ -1828,9 +1811,9 @@
           <a:bodyPr/>
           <a:lstStyle/>
           <a:p>
-            <a:fld id="{6AD5FAE2-2522-0B4B-B11A-4D3EF529492E}" type="datetimeFigureOut">
+            <a:fld id="{544822BA-98AD-42A3-B38D-20A11EB64FCE}" type="datetimeFigureOut">
               <a:rPr lang="en-US" smtClean="0"/>
-              <a:t>8/10/19</a:t>
+              <a:t>9/11/2019</a:t>
             </a:fld>
             <a:endParaRPr lang="en-US"/>
           </a:p>
@@ -1841,7 +1824,7 @@
           <p:cNvPr id="8" name="Footer Placeholder 7">
             <a:extLst>
               <a:ext uri="{FF2B5EF4-FFF2-40B4-BE49-F238E27FC236}">
-                <a16:creationId xmlns:a16="http://schemas.microsoft.com/office/drawing/2014/main" id="{44F81260-6C62-084E-9162-F1A59023B284}"/>
+                <a16:creationId xmlns:a16="http://schemas.microsoft.com/office/drawing/2014/main" id="{BC27B925-5FAC-498D-9B6E-C8AED471CB85}"/>
               </a:ext>
             </a:extLst>
           </p:cNvPr>
@@ -1866,7 +1849,7 @@
           <p:cNvPr id="9" name="Slide Number Placeholder 8">
             <a:extLst>
               <a:ext uri="{FF2B5EF4-FFF2-40B4-BE49-F238E27FC236}">
-                <a16:creationId xmlns:a16="http://schemas.microsoft.com/office/drawing/2014/main" id="{FB24B44A-ECFA-5F4C-91CD-CB7D2875C286}"/>
+                <a16:creationId xmlns:a16="http://schemas.microsoft.com/office/drawing/2014/main" id="{07B9BF09-2BA4-4FDE-AF1F-6E89385A1039}"/>
               </a:ext>
             </a:extLst>
           </p:cNvPr>
@@ -1882,7 +1865,7 @@
           <a:bodyPr/>
           <a:lstStyle/>
           <a:p>
-            <a:fld id="{2C34AF32-F149-C04C-8EF3-F7F48314E5EB}" type="slidenum">
+            <a:fld id="{A3CFC20C-815E-4BD3-A2F0-4398FF13EF00}" type="slidenum">
               <a:rPr lang="en-US" smtClean="0"/>
               <a:t>‹#›</a:t>
             </a:fld>
@@ -1893,7 +1876,7 @@
     </p:spTree>
     <p:extLst>
       <p:ext uri="{BB962C8B-B14F-4D97-AF65-F5344CB8AC3E}">
-        <p14:creationId xmlns:p14="http://schemas.microsoft.com/office/powerpoint/2010/main" val="2464318668"/>
+        <p14:creationId xmlns:p14="http://schemas.microsoft.com/office/powerpoint/2010/main" val="3242842331"/>
       </p:ext>
     </p:extLst>
   </p:cSld>
@@ -1925,7 +1908,7 @@
           <p:cNvPr id="2" name="Title 1">
             <a:extLst>
               <a:ext uri="{FF2B5EF4-FFF2-40B4-BE49-F238E27FC236}">
-                <a16:creationId xmlns:a16="http://schemas.microsoft.com/office/drawing/2014/main" id="{F81BD12D-0D15-0848-B4A5-044AD26CD1BA}"/>
+                <a16:creationId xmlns:a16="http://schemas.microsoft.com/office/drawing/2014/main" id="{B250214E-B001-426E-9BE6-DC17CC11288E}"/>
               </a:ext>
             </a:extLst>
           </p:cNvPr>
@@ -1942,10 +1925,9 @@
           <a:lstStyle/>
           <a:p>
             <a:r>
-              <a:rPr lang="en-GB"/>
+              <a:rPr lang="en-US"/>
               <a:t>Click to edit Master title style</a:t>
             </a:r>
-            <a:endParaRPr lang="en-US"/>
           </a:p>
         </p:txBody>
       </p:sp>
@@ -1954,7 +1936,7 @@
           <p:cNvPr id="3" name="Date Placeholder 2">
             <a:extLst>
               <a:ext uri="{FF2B5EF4-FFF2-40B4-BE49-F238E27FC236}">
-                <a16:creationId xmlns:a16="http://schemas.microsoft.com/office/drawing/2014/main" id="{58E01D18-B9FB-C84F-9AC4-258A78453B09}"/>
+                <a16:creationId xmlns:a16="http://schemas.microsoft.com/office/drawing/2014/main" id="{C04B8937-9ADB-49DD-AE7C-2C1895878656}"/>
               </a:ext>
             </a:extLst>
           </p:cNvPr>
@@ -1970,9 +1952,9 @@
           <a:bodyPr/>
           <a:lstStyle/>
           <a:p>
-            <a:fld id="{6AD5FAE2-2522-0B4B-B11A-4D3EF529492E}" type="datetimeFigureOut">
+            <a:fld id="{544822BA-98AD-42A3-B38D-20A11EB64FCE}" type="datetimeFigureOut">
               <a:rPr lang="en-US" smtClean="0"/>
-              <a:t>8/10/19</a:t>
+              <a:t>9/11/2019</a:t>
             </a:fld>
             <a:endParaRPr lang="en-US"/>
           </a:p>
@@ -1983,7 +1965,7 @@
           <p:cNvPr id="4" name="Footer Placeholder 3">
             <a:extLst>
               <a:ext uri="{FF2B5EF4-FFF2-40B4-BE49-F238E27FC236}">
-                <a16:creationId xmlns:a16="http://schemas.microsoft.com/office/drawing/2014/main" id="{47227019-87E3-F649-B631-E4E71906F079}"/>
+                <a16:creationId xmlns:a16="http://schemas.microsoft.com/office/drawing/2014/main" id="{F0184856-B5D7-43F6-AF4D-E408670E7C9F}"/>
               </a:ext>
             </a:extLst>
           </p:cNvPr>
@@ -2008,7 +1990,7 @@
           <p:cNvPr id="5" name="Slide Number Placeholder 4">
             <a:extLst>
               <a:ext uri="{FF2B5EF4-FFF2-40B4-BE49-F238E27FC236}">
-                <a16:creationId xmlns:a16="http://schemas.microsoft.com/office/drawing/2014/main" id="{FA9D8AD8-D57D-4D4A-8318-7CA77F9C6AEC}"/>
+                <a16:creationId xmlns:a16="http://schemas.microsoft.com/office/drawing/2014/main" id="{A392274E-3836-4919-9B0D-7616571BFFC0}"/>
               </a:ext>
             </a:extLst>
           </p:cNvPr>
@@ -2024,7 +2006,7 @@
           <a:bodyPr/>
           <a:lstStyle/>
           <a:p>
-            <a:fld id="{2C34AF32-F149-C04C-8EF3-F7F48314E5EB}" type="slidenum">
+            <a:fld id="{A3CFC20C-815E-4BD3-A2F0-4398FF13EF00}" type="slidenum">
               <a:rPr lang="en-US" smtClean="0"/>
               <a:t>‹#›</a:t>
             </a:fld>
@@ -2035,7 +2017,7 @@
     </p:spTree>
     <p:extLst>
       <p:ext uri="{BB962C8B-B14F-4D97-AF65-F5344CB8AC3E}">
-        <p14:creationId xmlns:p14="http://schemas.microsoft.com/office/powerpoint/2010/main" val="1443657042"/>
+        <p14:creationId xmlns:p14="http://schemas.microsoft.com/office/powerpoint/2010/main" val="2595727668"/>
       </p:ext>
     </p:extLst>
   </p:cSld>
@@ -2067,7 +2049,7 @@
           <p:cNvPr id="2" name="Date Placeholder 1">
             <a:extLst>
               <a:ext uri="{FF2B5EF4-FFF2-40B4-BE49-F238E27FC236}">
-                <a16:creationId xmlns:a16="http://schemas.microsoft.com/office/drawing/2014/main" id="{FF4060C2-5B7C-E240-8CEF-71D7F4ECC6F6}"/>
+                <a16:creationId xmlns:a16="http://schemas.microsoft.com/office/drawing/2014/main" id="{6CC91664-405D-4E3E-A9F1-5926BB109809}"/>
               </a:ext>
             </a:extLst>
           </p:cNvPr>
@@ -2083,9 +2065,9 @@
           <a:bodyPr/>
           <a:lstStyle/>
           <a:p>
-            <a:fld id="{6AD5FAE2-2522-0B4B-B11A-4D3EF529492E}" type="datetimeFigureOut">
+            <a:fld id="{544822BA-98AD-42A3-B38D-20A11EB64FCE}" type="datetimeFigureOut">
               <a:rPr lang="en-US" smtClean="0"/>
-              <a:t>8/10/19</a:t>
+              <a:t>9/11/2019</a:t>
             </a:fld>
             <a:endParaRPr lang="en-US"/>
           </a:p>
@@ -2096,7 +2078,7 @@
           <p:cNvPr id="3" name="Footer Placeholder 2">
             <a:extLst>
               <a:ext uri="{FF2B5EF4-FFF2-40B4-BE49-F238E27FC236}">
-                <a16:creationId xmlns:a16="http://schemas.microsoft.com/office/drawing/2014/main" id="{9365F1F6-A11F-0041-A363-6E3E9814D446}"/>
+                <a16:creationId xmlns:a16="http://schemas.microsoft.com/office/drawing/2014/main" id="{908BDC31-419E-47E3-8DA0-264A5763F6C7}"/>
               </a:ext>
             </a:extLst>
           </p:cNvPr>
@@ -2121,7 +2103,7 @@
           <p:cNvPr id="4" name="Slide Number Placeholder 3">
             <a:extLst>
               <a:ext uri="{FF2B5EF4-FFF2-40B4-BE49-F238E27FC236}">
-                <a16:creationId xmlns:a16="http://schemas.microsoft.com/office/drawing/2014/main" id="{8B49C18F-F8D8-044D-91EA-EA4736DF53D6}"/>
+                <a16:creationId xmlns:a16="http://schemas.microsoft.com/office/drawing/2014/main" id="{AC9F9D4B-3B7E-4A2D-AD68-5BB80D0838EB}"/>
               </a:ext>
             </a:extLst>
           </p:cNvPr>
@@ -2137,7 +2119,7 @@
           <a:bodyPr/>
           <a:lstStyle/>
           <a:p>
-            <a:fld id="{2C34AF32-F149-C04C-8EF3-F7F48314E5EB}" type="slidenum">
+            <a:fld id="{A3CFC20C-815E-4BD3-A2F0-4398FF13EF00}" type="slidenum">
               <a:rPr lang="en-US" smtClean="0"/>
               <a:t>‹#›</a:t>
             </a:fld>
@@ -2148,7 +2130,7 @@
     </p:spTree>
     <p:extLst>
       <p:ext uri="{BB962C8B-B14F-4D97-AF65-F5344CB8AC3E}">
-        <p14:creationId xmlns:p14="http://schemas.microsoft.com/office/powerpoint/2010/main" val="1932904203"/>
+        <p14:creationId xmlns:p14="http://schemas.microsoft.com/office/powerpoint/2010/main" val="3675468237"/>
       </p:ext>
     </p:extLst>
   </p:cSld>
@@ -2180,7 +2162,7 @@
           <p:cNvPr id="2" name="Title 1">
             <a:extLst>
               <a:ext uri="{FF2B5EF4-FFF2-40B4-BE49-F238E27FC236}">
-                <a16:creationId xmlns:a16="http://schemas.microsoft.com/office/drawing/2014/main" id="{F03FCA72-151B-9040-865D-9AC7F053C3E0}"/>
+                <a16:creationId xmlns:a16="http://schemas.microsoft.com/office/drawing/2014/main" id="{470E2D29-11D9-4916-9D87-EAE87AF55E87}"/>
               </a:ext>
             </a:extLst>
           </p:cNvPr>
@@ -2206,10 +2188,9 @@
           </a:lstStyle>
           <a:p>
             <a:r>
-              <a:rPr lang="en-GB"/>
+              <a:rPr lang="en-US"/>
               <a:t>Click to edit Master title style</a:t>
             </a:r>
-            <a:endParaRPr lang="en-US"/>
           </a:p>
         </p:txBody>
       </p:sp>
@@ -2218,7 +2199,7 @@
           <p:cNvPr id="3" name="Content Placeholder 2">
             <a:extLst>
               <a:ext uri="{FF2B5EF4-FFF2-40B4-BE49-F238E27FC236}">
-                <a16:creationId xmlns:a16="http://schemas.microsoft.com/office/drawing/2014/main" id="{42197608-01E9-9046-A637-BA07369D516A}"/>
+                <a16:creationId xmlns:a16="http://schemas.microsoft.com/office/drawing/2014/main" id="{B669B220-17F2-4FF6-A734-9A8D9CCC162E}"/>
               </a:ext>
             </a:extLst>
           </p:cNvPr>
@@ -2269,38 +2250,37 @@
           <a:p>
             <a:pPr lvl="0"/>
             <a:r>
-              <a:rPr lang="en-GB"/>
+              <a:rPr lang="en-US"/>
               <a:t>Click to edit Master text styles</a:t>
             </a:r>
           </a:p>
           <a:p>
             <a:pPr lvl="1"/>
             <a:r>
-              <a:rPr lang="en-GB"/>
+              <a:rPr lang="en-US"/>
               <a:t>Second level</a:t>
             </a:r>
           </a:p>
           <a:p>
             <a:pPr lvl="2"/>
             <a:r>
-              <a:rPr lang="en-GB"/>
+              <a:rPr lang="en-US"/>
               <a:t>Third level</a:t>
             </a:r>
           </a:p>
           <a:p>
             <a:pPr lvl="3"/>
             <a:r>
-              <a:rPr lang="en-GB"/>
+              <a:rPr lang="en-US"/>
               <a:t>Fourth level</a:t>
             </a:r>
           </a:p>
           <a:p>
             <a:pPr lvl="4"/>
             <a:r>
-              <a:rPr lang="en-GB"/>
+              <a:rPr lang="en-US"/>
               <a:t>Fifth level</a:t>
             </a:r>
-            <a:endParaRPr lang="en-US"/>
           </a:p>
         </p:txBody>
       </p:sp>
@@ -2309,7 +2289,7 @@
           <p:cNvPr id="4" name="Text Placeholder 3">
             <a:extLst>
               <a:ext uri="{FF2B5EF4-FFF2-40B4-BE49-F238E27FC236}">
-                <a16:creationId xmlns:a16="http://schemas.microsoft.com/office/drawing/2014/main" id="{5B31A17B-3B6F-6E47-92AC-AC407BCB0AA4}"/>
+                <a16:creationId xmlns:a16="http://schemas.microsoft.com/office/drawing/2014/main" id="{8336879F-8A1E-4F9B-AE52-3C3E5656E46D}"/>
               </a:ext>
             </a:extLst>
           </p:cNvPr>
@@ -2369,7 +2349,7 @@
           <a:p>
             <a:pPr lvl="0"/>
             <a:r>
-              <a:rPr lang="en-GB"/>
+              <a:rPr lang="en-US"/>
               <a:t>Click to edit Master text styles</a:t>
             </a:r>
           </a:p>
@@ -2380,7 +2360,7 @@
           <p:cNvPr id="5" name="Date Placeholder 4">
             <a:extLst>
               <a:ext uri="{FF2B5EF4-FFF2-40B4-BE49-F238E27FC236}">
-                <a16:creationId xmlns:a16="http://schemas.microsoft.com/office/drawing/2014/main" id="{9148A5E8-BCA2-7746-B6CC-129090F6EC41}"/>
+                <a16:creationId xmlns:a16="http://schemas.microsoft.com/office/drawing/2014/main" id="{4B83ED4E-D3B9-464E-821C-664A0407C3A4}"/>
               </a:ext>
             </a:extLst>
           </p:cNvPr>
@@ -2396,9 +2376,9 @@
           <a:bodyPr/>
           <a:lstStyle/>
           <a:p>
-            <a:fld id="{6AD5FAE2-2522-0B4B-B11A-4D3EF529492E}" type="datetimeFigureOut">
+            <a:fld id="{544822BA-98AD-42A3-B38D-20A11EB64FCE}" type="datetimeFigureOut">
               <a:rPr lang="en-US" smtClean="0"/>
-              <a:t>8/10/19</a:t>
+              <a:t>9/11/2019</a:t>
             </a:fld>
             <a:endParaRPr lang="en-US"/>
           </a:p>
@@ -2409,7 +2389,7 @@
           <p:cNvPr id="6" name="Footer Placeholder 5">
             <a:extLst>
               <a:ext uri="{FF2B5EF4-FFF2-40B4-BE49-F238E27FC236}">
-                <a16:creationId xmlns:a16="http://schemas.microsoft.com/office/drawing/2014/main" id="{C0CA5E1D-455B-AA47-B7B4-3D1A9C084358}"/>
+                <a16:creationId xmlns:a16="http://schemas.microsoft.com/office/drawing/2014/main" id="{85D32577-9FFA-4462-A5A2-6F393430D3DE}"/>
               </a:ext>
             </a:extLst>
           </p:cNvPr>
@@ -2434,7 +2414,7 @@
           <p:cNvPr id="7" name="Slide Number Placeholder 6">
             <a:extLst>
               <a:ext uri="{FF2B5EF4-FFF2-40B4-BE49-F238E27FC236}">
-                <a16:creationId xmlns:a16="http://schemas.microsoft.com/office/drawing/2014/main" id="{0FE8A342-7972-B74D-9DF3-1B432705B38A}"/>
+                <a16:creationId xmlns:a16="http://schemas.microsoft.com/office/drawing/2014/main" id="{A3C7F325-7160-492E-B019-C0E92AB6BB4F}"/>
               </a:ext>
             </a:extLst>
           </p:cNvPr>
@@ -2450,7 +2430,7 @@
           <a:bodyPr/>
           <a:lstStyle/>
           <a:p>
-            <a:fld id="{2C34AF32-F149-C04C-8EF3-F7F48314E5EB}" type="slidenum">
+            <a:fld id="{A3CFC20C-815E-4BD3-A2F0-4398FF13EF00}" type="slidenum">
               <a:rPr lang="en-US" smtClean="0"/>
               <a:t>‹#›</a:t>
             </a:fld>
@@ -2461,7 +2441,7 @@
     </p:spTree>
     <p:extLst>
       <p:ext uri="{BB962C8B-B14F-4D97-AF65-F5344CB8AC3E}">
-        <p14:creationId xmlns:p14="http://schemas.microsoft.com/office/powerpoint/2010/main" val="3720469237"/>
+        <p14:creationId xmlns:p14="http://schemas.microsoft.com/office/powerpoint/2010/main" val="3885122800"/>
       </p:ext>
     </p:extLst>
   </p:cSld>
@@ -2493,7 +2473,7 @@
           <p:cNvPr id="2" name="Title 1">
             <a:extLst>
               <a:ext uri="{FF2B5EF4-FFF2-40B4-BE49-F238E27FC236}">
-                <a16:creationId xmlns:a16="http://schemas.microsoft.com/office/drawing/2014/main" id="{6D9415A1-334C-394A-8FBA-E425751A9679}"/>
+                <a16:creationId xmlns:a16="http://schemas.microsoft.com/office/drawing/2014/main" id="{1B7BDC17-0ADD-43D1-9782-5FE7BA47E0C3}"/>
               </a:ext>
             </a:extLst>
           </p:cNvPr>
@@ -2519,10 +2499,9 @@
           </a:lstStyle>
           <a:p>
             <a:r>
-              <a:rPr lang="en-GB"/>
+              <a:rPr lang="en-US"/>
               <a:t>Click to edit Master title style</a:t>
             </a:r>
-            <a:endParaRPr lang="en-US"/>
           </a:p>
         </p:txBody>
       </p:sp>
@@ -2531,7 +2510,7 @@
           <p:cNvPr id="3" name="Picture Placeholder 2">
             <a:extLst>
               <a:ext uri="{FF2B5EF4-FFF2-40B4-BE49-F238E27FC236}">
-                <a16:creationId xmlns:a16="http://schemas.microsoft.com/office/drawing/2014/main" id="{ADCDBFC6-57E2-0544-8984-A03222648A6F}"/>
+                <a16:creationId xmlns:a16="http://schemas.microsoft.com/office/drawing/2014/main" id="{9914237B-26D2-41C7-B3FD-7D89E336E050}"/>
               </a:ext>
             </a:extLst>
           </p:cNvPr>
@@ -2598,7 +2577,7 @@
           <p:cNvPr id="4" name="Text Placeholder 3">
             <a:extLst>
               <a:ext uri="{FF2B5EF4-FFF2-40B4-BE49-F238E27FC236}">
-                <a16:creationId xmlns:a16="http://schemas.microsoft.com/office/drawing/2014/main" id="{93550F95-6CA7-2D4C-A90F-EC5C31DD6275}"/>
+                <a16:creationId xmlns:a16="http://schemas.microsoft.com/office/drawing/2014/main" id="{F9DB88D9-F76E-46BD-97C4-7FF2F74FA7E4}"/>
               </a:ext>
             </a:extLst>
           </p:cNvPr>
@@ -2658,7 +2637,7 @@
           <a:p>
             <a:pPr lvl="0"/>
             <a:r>
-              <a:rPr lang="en-GB"/>
+              <a:rPr lang="en-US"/>
               <a:t>Click to edit Master text styles</a:t>
             </a:r>
           </a:p>
@@ -2669,7 +2648,7 @@
           <p:cNvPr id="5" name="Date Placeholder 4">
             <a:extLst>
               <a:ext uri="{FF2B5EF4-FFF2-40B4-BE49-F238E27FC236}">
-                <a16:creationId xmlns:a16="http://schemas.microsoft.com/office/drawing/2014/main" id="{AF4ED513-AC17-A54F-A289-2CADC6E97120}"/>
+                <a16:creationId xmlns:a16="http://schemas.microsoft.com/office/drawing/2014/main" id="{8A1F5138-4894-4A30-BBD1-DC695174E8FA}"/>
               </a:ext>
             </a:extLst>
           </p:cNvPr>
@@ -2685,9 +2664,9 @@
           <a:bodyPr/>
           <a:lstStyle/>
           <a:p>
-            <a:fld id="{6AD5FAE2-2522-0B4B-B11A-4D3EF529492E}" type="datetimeFigureOut">
+            <a:fld id="{544822BA-98AD-42A3-B38D-20A11EB64FCE}" type="datetimeFigureOut">
               <a:rPr lang="en-US" smtClean="0"/>
-              <a:t>8/10/19</a:t>
+              <a:t>9/11/2019</a:t>
             </a:fld>
             <a:endParaRPr lang="en-US"/>
           </a:p>
@@ -2698,7 +2677,7 @@
           <p:cNvPr id="6" name="Footer Placeholder 5">
             <a:extLst>
               <a:ext uri="{FF2B5EF4-FFF2-40B4-BE49-F238E27FC236}">
-                <a16:creationId xmlns:a16="http://schemas.microsoft.com/office/drawing/2014/main" id="{3F353486-EBBA-1447-87EB-C981BB97F667}"/>
+                <a16:creationId xmlns:a16="http://schemas.microsoft.com/office/drawing/2014/main" id="{F4708AE9-AABC-4D32-9A18-5CDDCC9CC1CC}"/>
               </a:ext>
             </a:extLst>
           </p:cNvPr>
@@ -2723,7 +2702,7 @@
           <p:cNvPr id="7" name="Slide Number Placeholder 6">
             <a:extLst>
               <a:ext uri="{FF2B5EF4-FFF2-40B4-BE49-F238E27FC236}">
-                <a16:creationId xmlns:a16="http://schemas.microsoft.com/office/drawing/2014/main" id="{6E2ED36E-778F-5241-A3E5-D4C68F798697}"/>
+                <a16:creationId xmlns:a16="http://schemas.microsoft.com/office/drawing/2014/main" id="{4491AB06-E137-4DCA-8752-799662328167}"/>
               </a:ext>
             </a:extLst>
           </p:cNvPr>
@@ -2739,7 +2718,7 @@
           <a:bodyPr/>
           <a:lstStyle/>
           <a:p>
-            <a:fld id="{2C34AF32-F149-C04C-8EF3-F7F48314E5EB}" type="slidenum">
+            <a:fld id="{A3CFC20C-815E-4BD3-A2F0-4398FF13EF00}" type="slidenum">
               <a:rPr lang="en-US" smtClean="0"/>
               <a:t>‹#›</a:t>
             </a:fld>
@@ -2750,7 +2729,7 @@
     </p:spTree>
     <p:extLst>
       <p:ext uri="{BB962C8B-B14F-4D97-AF65-F5344CB8AC3E}">
-        <p14:creationId xmlns:p14="http://schemas.microsoft.com/office/powerpoint/2010/main" val="3481608329"/>
+        <p14:creationId xmlns:p14="http://schemas.microsoft.com/office/powerpoint/2010/main" val="225567708"/>
       </p:ext>
     </p:extLst>
   </p:cSld>
@@ -2787,7 +2766,7 @@
           <p:cNvPr id="2" name="Title Placeholder 1">
             <a:extLst>
               <a:ext uri="{FF2B5EF4-FFF2-40B4-BE49-F238E27FC236}">
-                <a16:creationId xmlns:a16="http://schemas.microsoft.com/office/drawing/2014/main" id="{1A2794F9-EF01-F040-A322-D8D6941FE9E2}"/>
+                <a16:creationId xmlns:a16="http://schemas.microsoft.com/office/drawing/2014/main" id="{2F4EE202-A34B-48F9-894C-271AF5E817E7}"/>
               </a:ext>
             </a:extLst>
           </p:cNvPr>
@@ -2814,10 +2793,9 @@
           <a:lstStyle/>
           <a:p>
             <a:r>
-              <a:rPr lang="en-GB"/>
+              <a:rPr lang="en-US"/>
               <a:t>Click to edit Master title style</a:t>
             </a:r>
-            <a:endParaRPr lang="en-US"/>
           </a:p>
         </p:txBody>
       </p:sp>
@@ -2826,7 +2804,7 @@
           <p:cNvPr id="3" name="Text Placeholder 2">
             <a:extLst>
               <a:ext uri="{FF2B5EF4-FFF2-40B4-BE49-F238E27FC236}">
-                <a16:creationId xmlns:a16="http://schemas.microsoft.com/office/drawing/2014/main" id="{2B7E7748-9E5E-644F-92E9-5938C7AC8119}"/>
+                <a16:creationId xmlns:a16="http://schemas.microsoft.com/office/drawing/2014/main" id="{CA2349C9-958D-48CE-86B0-03C19B2E944D}"/>
               </a:ext>
             </a:extLst>
           </p:cNvPr>
@@ -2854,38 +2832,37 @@
           <a:p>
             <a:pPr lvl="0"/>
             <a:r>
-              <a:rPr lang="en-GB"/>
+              <a:rPr lang="en-US"/>
               <a:t>Click to edit Master text styles</a:t>
             </a:r>
           </a:p>
           <a:p>
             <a:pPr lvl="1"/>
             <a:r>
-              <a:rPr lang="en-GB"/>
+              <a:rPr lang="en-US"/>
               <a:t>Second level</a:t>
             </a:r>
           </a:p>
           <a:p>
             <a:pPr lvl="2"/>
             <a:r>
-              <a:rPr lang="en-GB"/>
+              <a:rPr lang="en-US"/>
               <a:t>Third level</a:t>
             </a:r>
           </a:p>
           <a:p>
             <a:pPr lvl="3"/>
             <a:r>
-              <a:rPr lang="en-GB"/>
+              <a:rPr lang="en-US"/>
               <a:t>Fourth level</a:t>
             </a:r>
           </a:p>
           <a:p>
             <a:pPr lvl="4"/>
             <a:r>
-              <a:rPr lang="en-GB"/>
+              <a:rPr lang="en-US"/>
               <a:t>Fifth level</a:t>
             </a:r>
-            <a:endParaRPr lang="en-US"/>
           </a:p>
         </p:txBody>
       </p:sp>
@@ -2894,7 +2871,7 @@
           <p:cNvPr id="4" name="Date Placeholder 3">
             <a:extLst>
               <a:ext uri="{FF2B5EF4-FFF2-40B4-BE49-F238E27FC236}">
-                <a16:creationId xmlns:a16="http://schemas.microsoft.com/office/drawing/2014/main" id="{DA5F73A4-C829-514B-B114-8D1449137636}"/>
+                <a16:creationId xmlns:a16="http://schemas.microsoft.com/office/drawing/2014/main" id="{36CEE638-6ECE-44A2-BAB1-35B5FC689D10}"/>
               </a:ext>
             </a:extLst>
           </p:cNvPr>
@@ -2928,9 +2905,9 @@
             </a:lvl1pPr>
           </a:lstStyle>
           <a:p>
-            <a:fld id="{6AD5FAE2-2522-0B4B-B11A-4D3EF529492E}" type="datetimeFigureOut">
+            <a:fld id="{544822BA-98AD-42A3-B38D-20A11EB64FCE}" type="datetimeFigureOut">
               <a:rPr lang="en-US" smtClean="0"/>
-              <a:t>8/10/19</a:t>
+              <a:t>9/11/2019</a:t>
             </a:fld>
             <a:endParaRPr lang="en-US"/>
           </a:p>
@@ -2941,7 +2918,7 @@
           <p:cNvPr id="5" name="Footer Placeholder 4">
             <a:extLst>
               <a:ext uri="{FF2B5EF4-FFF2-40B4-BE49-F238E27FC236}">
-                <a16:creationId xmlns:a16="http://schemas.microsoft.com/office/drawing/2014/main" id="{5567061F-C8C2-8540-8DF0-A0059FCA2A3F}"/>
+                <a16:creationId xmlns:a16="http://schemas.microsoft.com/office/drawing/2014/main" id="{C59A5039-EBF6-4591-BE9F-4CA9E38E8FA3}"/>
               </a:ext>
             </a:extLst>
           </p:cNvPr>
@@ -2984,7 +2961,7 @@
           <p:cNvPr id="6" name="Slide Number Placeholder 5">
             <a:extLst>
               <a:ext uri="{FF2B5EF4-FFF2-40B4-BE49-F238E27FC236}">
-                <a16:creationId xmlns:a16="http://schemas.microsoft.com/office/drawing/2014/main" id="{DD80CD5D-75E7-6848-8E04-4A349803477D}"/>
+                <a16:creationId xmlns:a16="http://schemas.microsoft.com/office/drawing/2014/main" id="{9504D1FA-0AE4-4496-9F8F-9EFDA8761FA8}"/>
               </a:ext>
             </a:extLst>
           </p:cNvPr>
@@ -3018,7 +2995,7 @@
             </a:lvl1pPr>
           </a:lstStyle>
           <a:p>
-            <a:fld id="{2C34AF32-F149-C04C-8EF3-F7F48314E5EB}" type="slidenum">
+            <a:fld id="{A3CFC20C-815E-4BD3-A2F0-4398FF13EF00}" type="slidenum">
               <a:rPr lang="en-US" smtClean="0"/>
               <a:t>‹#›</a:t>
             </a:fld>
@@ -3029,7 +3006,7 @@
     </p:spTree>
     <p:extLst>
       <p:ext uri="{BB962C8B-B14F-4D97-AF65-F5344CB8AC3E}">
-        <p14:creationId xmlns:p14="http://schemas.microsoft.com/office/powerpoint/2010/main" val="1758036150"/>
+        <p14:creationId xmlns:p14="http://schemas.microsoft.com/office/powerpoint/2010/main" val="4002990849"/>
       </p:ext>
     </p:extLst>
   </p:cSld>
@@ -3333,6 +3310,14 @@
 <file path=ppt/slides/slide1.xml><?xml version="1.0" encoding="utf-8"?>
 <p:sld xmlns:a="http://schemas.openxmlformats.org/drawingml/2006/main" xmlns:r="http://schemas.openxmlformats.org/officeDocument/2006/relationships" xmlns:p="http://schemas.openxmlformats.org/presentationml/2006/main">
   <p:cSld>
+    <p:bg>
+      <p:bgPr>
+        <a:solidFill>
+          <a:schemeClr val="bg1"/>
+        </a:solidFill>
+        <a:effectLst/>
+      </p:bgPr>
+    </p:bg>
     <p:spTree>
       <p:nvGrpSpPr>
         <p:cNvPr id="1" name=""/>
@@ -3347,399 +3332,259 @@
           <a:chExt cx="0" cy="0"/>
         </a:xfrm>
       </p:grpSpPr>
-      <p:sp>
-        <p:nvSpPr>
-          <p:cNvPr id="100" name="Right Arrow 99">
-            <a:extLst>
-              <a:ext uri="{FF2B5EF4-FFF2-40B4-BE49-F238E27FC236}">
-                <a16:creationId xmlns:a16="http://schemas.microsoft.com/office/drawing/2014/main" id="{B8A82DD6-6E73-FD40-B956-D49D9EC7EFBC}"/>
-              </a:ext>
-            </a:extLst>
-          </p:cNvPr>
-          <p:cNvSpPr/>
+      <p:pic>
+        <p:nvPicPr>
+          <p:cNvPr id="1026" name="Picture 2" descr="Image result for manufacturing">
+            <a:extLst>
+              <a:ext uri="{FF2B5EF4-FFF2-40B4-BE49-F238E27FC236}">
+                <a16:creationId xmlns:a16="http://schemas.microsoft.com/office/drawing/2014/main" id="{6E314A93-B408-4E1F-A045-E878D09BFBC1}"/>
+              </a:ext>
+            </a:extLst>
+          </p:cNvPr>
+          <p:cNvPicPr>
+            <a:picLocks noChangeAspect="1" noChangeArrowheads="1"/>
+          </p:cNvPicPr>
           <p:nvPr/>
-        </p:nvSpPr>
+        </p:nvPicPr>
+        <p:blipFill rotWithShape="1">
+          <a:blip r:embed="rId2">
+            <a:extLst>
+              <a:ext uri="{28A0092B-C50C-407E-A947-70E740481C1C}">
+                <a14:useLocalDpi xmlns:a14="http://schemas.microsoft.com/office/drawing/2010/main" val="0"/>
+              </a:ext>
+            </a:extLst>
+          </a:blip>
+          <a:srcRect l="1092" t="17176" r="993" b="1"/>
+          <a:stretch/>
+        </p:blipFill>
         <p:spPr bwMode="auto">
           <a:xfrm>
-            <a:off x="1008979" y="4285207"/>
-            <a:ext cx="5968807" cy="1018502"/>
-          </a:xfrm>
-          <a:prstGeom prst="rightArrow">
-            <a:avLst>
-              <a:gd name="adj1" fmla="val 100000"/>
-              <a:gd name="adj2" fmla="val 42308"/>
-            </a:avLst>
+            <a:off x="20" y="10"/>
+            <a:ext cx="12191980" cy="6857990"/>
+          </a:xfrm>
+          <a:prstGeom prst="rect">
+            <a:avLst/>
+          </a:prstGeom>
+          <a:noFill/>
+          <a:extLst>
+            <a:ext uri="{909E8E84-426E-40DD-AFC4-6F175D3DCCD1}">
+              <a14:hiddenFill xmlns:a14="http://schemas.microsoft.com/office/drawing/2010/main">
+                <a:solidFill>
+                  <a:srgbClr val="FFFFFF"/>
+                </a:solidFill>
+              </a14:hiddenFill>
+            </a:ext>
+          </a:extLst>
+        </p:spPr>
+      </p:pic>
+      <p:sp>
+        <p:nvSpPr>
+          <p:cNvPr id="135" name="Rectangle 134">
+            <a:extLst>
+              <a:ext uri="{FF2B5EF4-FFF2-40B4-BE49-F238E27FC236}">
+                <a16:creationId xmlns:a16="http://schemas.microsoft.com/office/drawing/2014/main" id="{ED49FE6D-E54D-4A15-9572-966ED42F812E}"/>
+              </a:ext>
+              <a:ext uri="{C183D7F6-B498-43B3-948B-1728B52AA6E4}">
+                <adec:decorative xmlns:adec="http://schemas.microsoft.com/office/drawing/2017/decorative" val="1"/>
+              </a:ext>
+            </a:extLst>
+          </p:cNvPr>
+          <p:cNvSpPr>
+            <a:spLocks noGrp="1" noRot="1" noChangeAspect="1" noMove="1" noResize="1" noEditPoints="1" noAdjustHandles="1" noChangeArrowheads="1" noChangeShapeType="1" noTextEdit="1"/>
+          </p:cNvSpPr>
+          <p:nvPr>
+            <p:extLst>
+              <p:ext uri="{386F3935-93C4-4BCD-93E2-E3B085C9AB24}">
+                <p16:designElem xmlns:p16="http://schemas.microsoft.com/office/powerpoint/2015/main" val="1"/>
+              </p:ext>
+            </p:extLst>
+          </p:nvPr>
+        </p:nvSpPr>
+        <p:spPr>
+          <a:xfrm>
+            <a:off x="3176" y="4251489"/>
+            <a:ext cx="12188824" cy="2077327"/>
+          </a:xfrm>
+          <a:prstGeom prst="rect">
+            <a:avLst/>
           </a:prstGeom>
           <a:solidFill>
-            <a:schemeClr val="accent1">
-              <a:lumMod val="20000"/>
-              <a:lumOff val="80000"/>
+            <a:schemeClr val="bg2">
+              <a:alpha val="95000"/>
             </a:schemeClr>
           </a:solidFill>
           <a:ln>
             <a:noFill/>
-            <a:headEnd type="none" w="med" len="med"/>
-            <a:tailEnd type="none" w="med" len="med"/>
           </a:ln>
-          <a:effectLst/>
         </p:spPr>
         <p:style>
-          <a:lnRef idx="1">
-            <a:schemeClr val="accent2"/>
+          <a:lnRef idx="2">
+            <a:schemeClr val="accent1">
+              <a:shade val="50000"/>
+            </a:schemeClr>
           </a:lnRef>
-          <a:fillRef idx="3">
-            <a:schemeClr val="accent2"/>
+          <a:fillRef idx="1">
+            <a:schemeClr val="accent1"/>
           </a:fillRef>
-          <a:effectRef idx="2">
-            <a:schemeClr val="accent2"/>
+          <a:effectRef idx="0">
+            <a:schemeClr val="accent1"/>
           </a:effectRef>
           <a:fontRef idx="minor">
             <a:schemeClr val="lt1"/>
           </a:fontRef>
         </p:style>
         <p:txBody>
-          <a:bodyPr rot="0" spcFirstLastPara="0" vertOverflow="overflow" horzOverflow="overflow" vert="horz" wrap="square" lIns="182880" tIns="146304" rIns="182880" bIns="146304" numCol="1" spcCol="0" rtlCol="0" fromWordArt="0" anchor="t" anchorCtr="0" forceAA="0" compatLnSpc="1">
-            <a:prstTxWarp prst="textNoShape">
-              <a:avLst/>
-            </a:prstTxWarp>
-            <a:noAutofit/>
+          <a:bodyPr rtlCol="0" anchor="ctr"/>
+          <a:lstStyle/>
+          <a:p>
+            <a:pPr marL="0" marR="0" lvl="0" indent="0" algn="ctr" defTabSz="914400" rtl="0" eaLnBrk="1" fontAlgn="auto" latinLnBrk="0" hangingPunct="1">
+              <a:lnSpc>
+                <a:spcPct val="100000"/>
+              </a:lnSpc>
+              <a:spcBef>
+                <a:spcPts val="0"/>
+              </a:spcBef>
+              <a:spcAft>
+                <a:spcPts val="0"/>
+              </a:spcAft>
+              <a:buClrTx/>
+              <a:buSzTx/>
+              <a:buFontTx/>
+              <a:buNone/>
+              <a:tabLst/>
+              <a:defRPr/>
+            </a:pPr>
+            <a:endParaRPr kumimoji="0" lang="en-US" sz="1800" b="0" i="0" u="none" strike="noStrike" kern="1200" cap="none" spc="0" normalizeH="0" baseline="0" noProof="0">
+              <a:ln>
+                <a:noFill/>
+              </a:ln>
+              <a:solidFill>
+                <a:prstClr val="white"/>
+              </a:solidFill>
+              <a:effectLst/>
+              <a:uLnTx/>
+              <a:uFillTx/>
+              <a:latin typeface="Calibri" panose="020F0502020204030204"/>
+              <a:ea typeface="+mn-ea"/>
+              <a:cs typeface="+mn-cs"/>
+            </a:endParaRPr>
+          </a:p>
+        </p:txBody>
+      </p:sp>
+      <p:sp>
+        <p:nvSpPr>
+          <p:cNvPr id="2" name="Title 1">
+            <a:extLst>
+              <a:ext uri="{FF2B5EF4-FFF2-40B4-BE49-F238E27FC236}">
+                <a16:creationId xmlns:a16="http://schemas.microsoft.com/office/drawing/2014/main" id="{17D28697-745A-48B2-8629-5890CB0670DE}"/>
+              </a:ext>
+            </a:extLst>
+          </p:cNvPr>
+          <p:cNvSpPr>
+            <a:spLocks noGrp="1"/>
+          </p:cNvSpPr>
+          <p:nvPr>
+            <p:ph type="ctrTitle"/>
+          </p:nvPr>
+        </p:nvSpPr>
+        <p:spPr>
+          <a:xfrm>
+            <a:off x="630688" y="4337523"/>
+            <a:ext cx="10918056" cy="1327380"/>
+          </a:xfrm>
+        </p:spPr>
+        <p:txBody>
+          <a:bodyPr>
+            <a:normAutofit/>
           </a:bodyPr>
           <a:lstStyle/>
           <a:p>
-            <a:pPr algn="l" defTabSz="932472" fontAlgn="base">
-              <a:spcBef>
-                <a:spcPct val="0"/>
-              </a:spcBef>
-              <a:spcAft>
-                <a:spcPct val="0"/>
-              </a:spcAft>
-            </a:pPr>
-            <a:endParaRPr lang="en-US" sz="2000" dirty="0" err="1">
-              <a:gradFill>
-                <a:gsLst>
-                  <a:gs pos="0">
-                    <a:srgbClr val="FFFFFF"/>
-                  </a:gs>
-                  <a:gs pos="100000">
-                    <a:srgbClr val="FFFFFF"/>
-                  </a:gs>
-                </a:gsLst>
-                <a:lin ang="5400000" scaled="0"/>
-              </a:gradFill>
-              <a:ea typeface="Segoe UI" pitchFamily="34" charset="0"/>
-              <a:cs typeface="Segoe UI" pitchFamily="34" charset="0"/>
-            </a:endParaRPr>
-          </a:p>
-        </p:txBody>
-      </p:sp>
-      <p:pic>
-        <p:nvPicPr>
-          <p:cNvPr id="10" name="Picture 9" descr="Azure DevOps">
-            <a:extLst>
-              <a:ext uri="{FF2B5EF4-FFF2-40B4-BE49-F238E27FC236}">
-                <a16:creationId xmlns:a16="http://schemas.microsoft.com/office/drawing/2014/main" id="{CCA27A99-6039-AF4D-8C3B-6C1FD0B55C79}"/>
-              </a:ext>
-            </a:extLst>
-          </p:cNvPr>
-          <p:cNvPicPr>
-            <a:picLocks noChangeAspect="1"/>
-          </p:cNvPicPr>
-          <p:nvPr/>
-        </p:nvPicPr>
-        <p:blipFill>
-          <a:blip r:embed="rId2"/>
-          <a:stretch>
-            <a:fillRect/>
-          </a:stretch>
-        </p:blipFill>
-        <p:spPr>
-          <a:xfrm>
-            <a:off x="4737093" y="4528907"/>
-            <a:ext cx="477123" cy="477289"/>
-          </a:xfrm>
-          <a:prstGeom prst="rect">
+            <a:r>
+              <a:rPr lang="en-US" sz="5600" dirty="0"/>
+              <a:t>Machine Learning for Product Quality</a:t>
+            </a:r>
+          </a:p>
+        </p:txBody>
+      </p:sp>
+      <p:sp>
+        <p:nvSpPr>
+          <p:cNvPr id="3" name="Subtitle 2">
+            <a:extLst>
+              <a:ext uri="{FF2B5EF4-FFF2-40B4-BE49-F238E27FC236}">
+                <a16:creationId xmlns:a16="http://schemas.microsoft.com/office/drawing/2014/main" id="{0F295E2F-0A48-480B-AAB5-A1BEADB88709}"/>
+              </a:ext>
+            </a:extLst>
+          </p:cNvPr>
+          <p:cNvSpPr>
+            <a:spLocks noGrp="1"/>
+          </p:cNvSpPr>
+          <p:nvPr>
+            <p:ph type="subTitle" idx="1"/>
+          </p:nvPr>
+        </p:nvSpPr>
+        <p:spPr>
+          <a:xfrm>
+            <a:off x="630688" y="5750937"/>
+            <a:ext cx="10918056" cy="468888"/>
+          </a:xfrm>
+        </p:spPr>
+        <p:txBody>
+          <a:bodyPr>
+            <a:normAutofit/>
+          </a:bodyPr>
+          <a:lstStyle/>
+          <a:p>
+            <a:r>
+              <a:rPr lang="en-US" dirty="0">
+                <a:solidFill>
+                  <a:schemeClr val="tx1">
+                    <a:lumMod val="65000"/>
+                    <a:lumOff val="35000"/>
+                  </a:schemeClr>
+                </a:solidFill>
+              </a:rPr>
+              <a:t>Module 2 - Design &amp; Architecture</a:t>
+            </a:r>
+          </a:p>
+        </p:txBody>
+      </p:sp>
+      <p:cxnSp>
+        <p:nvCxnSpPr>
+          <p:cNvPr id="137" name="Straight Connector 136">
+            <a:extLst>
+              <a:ext uri="{FF2B5EF4-FFF2-40B4-BE49-F238E27FC236}">
+                <a16:creationId xmlns:a16="http://schemas.microsoft.com/office/drawing/2014/main" id="{EAFC8083-BBFA-464C-A805-4E844F66B23B}"/>
+              </a:ext>
+              <a:ext uri="{C183D7F6-B498-43B3-948B-1728B52AA6E4}">
+                <adec:decorative xmlns:adec="http://schemas.microsoft.com/office/drawing/2017/decorative" val="1"/>
+              </a:ext>
+            </a:extLst>
+          </p:cNvPr>
+          <p:cNvCxnSpPr>
+            <a:cxnSpLocks noGrp="1" noRot="1" noChangeAspect="1" noMove="1" noResize="1" noEditPoints="1" noAdjustHandles="1" noChangeArrowheads="1" noChangeShapeType="1"/>
+          </p:cNvCxnSpPr>
+          <p:nvPr>
+            <p:extLst>
+              <p:ext uri="{386F3935-93C4-4BCD-93E2-E3B085C9AB24}">
+                <p16:designElem xmlns:p16="http://schemas.microsoft.com/office/powerpoint/2015/main" val="1"/>
+              </p:ext>
+            </p:extLst>
+          </p:nvPr>
+        </p:nvCxnSpPr>
+        <p:spPr bwMode="white">
+          <a:xfrm>
+            <a:off x="0" y="4126832"/>
+            <a:ext cx="12188824" cy="0"/>
+          </a:xfrm>
+          <a:prstGeom prst="line">
             <a:avLst/>
           </a:prstGeom>
-        </p:spPr>
-      </p:pic>
-      <p:pic>
-        <p:nvPicPr>
-          <p:cNvPr id="17" name="Graphic 16" descr="Virtual Machines">
-            <a:extLst>
-              <a:ext uri="{FF2B5EF4-FFF2-40B4-BE49-F238E27FC236}">
-                <a16:creationId xmlns:a16="http://schemas.microsoft.com/office/drawing/2014/main" id="{709EA8CA-FE16-7640-A59E-EF96C74B9F64}"/>
-              </a:ext>
-            </a:extLst>
-          </p:cNvPr>
-          <p:cNvPicPr>
-            <a:picLocks noChangeAspect="1"/>
-          </p:cNvPicPr>
-          <p:nvPr/>
-        </p:nvPicPr>
-        <p:blipFill>
-          <a:blip r:embed="rId3">
-            <a:extLst>
-              <a:ext uri="{28A0092B-C50C-407E-A947-70E740481C1C}">
-                <a14:useLocalDpi xmlns:a14="http://schemas.microsoft.com/office/drawing/2010/main" val="0"/>
-              </a:ext>
-              <a:ext uri="{96DAC541-7B7A-43D3-8B79-37D633B846F1}">
-                <asvg:svgBlip xmlns:asvg="http://schemas.microsoft.com/office/drawing/2016/SVG/main" r:embed="rId4"/>
-              </a:ext>
-            </a:extLst>
-          </a:blip>
-          <a:stretch>
-            <a:fillRect/>
-          </a:stretch>
-        </p:blipFill>
-        <p:spPr>
-          <a:xfrm>
-            <a:off x="2747877" y="3131374"/>
-            <a:ext cx="457550" cy="457550"/>
-          </a:xfrm>
-          <a:prstGeom prst="rect">
-            <a:avLst/>
-          </a:prstGeom>
-        </p:spPr>
-      </p:pic>
-      <p:pic>
-        <p:nvPicPr>
-          <p:cNvPr id="18" name="Graphic 17" descr="Machine Learning Studio">
-            <a:extLst>
-              <a:ext uri="{FF2B5EF4-FFF2-40B4-BE49-F238E27FC236}">
-                <a16:creationId xmlns:a16="http://schemas.microsoft.com/office/drawing/2014/main" id="{F0D4E441-B3F7-4A44-873E-7489D7C20D89}"/>
-              </a:ext>
-            </a:extLst>
-          </p:cNvPr>
-          <p:cNvPicPr>
-            <a:picLocks noChangeAspect="1"/>
-          </p:cNvPicPr>
-          <p:nvPr/>
-        </p:nvPicPr>
-        <p:blipFill>
-          <a:blip r:embed="rId5">
-            <a:extLst>
-              <a:ext uri="{28A0092B-C50C-407E-A947-70E740481C1C}">
-                <a14:useLocalDpi xmlns:a14="http://schemas.microsoft.com/office/drawing/2010/main" val="0"/>
-              </a:ext>
-              <a:ext uri="{96DAC541-7B7A-43D3-8B79-37D633B846F1}">
-                <asvg:svgBlip xmlns:asvg="http://schemas.microsoft.com/office/drawing/2016/SVG/main" r:embed="rId6"/>
-              </a:ext>
-            </a:extLst>
-          </a:blip>
-          <a:stretch>
-            <a:fillRect/>
-          </a:stretch>
-        </p:blipFill>
-        <p:spPr>
-          <a:xfrm>
-            <a:off x="4281401" y="3131374"/>
-            <a:ext cx="457550" cy="457550"/>
-          </a:xfrm>
-          <a:prstGeom prst="rect">
-            <a:avLst/>
-          </a:prstGeom>
-        </p:spPr>
-      </p:pic>
-      <p:pic>
-        <p:nvPicPr>
-          <p:cNvPr id="19" name="Picture 18" descr="Functions">
-            <a:extLst>
-              <a:ext uri="{FF2B5EF4-FFF2-40B4-BE49-F238E27FC236}">
-                <a16:creationId xmlns:a16="http://schemas.microsoft.com/office/drawing/2014/main" id="{47A9903A-5A75-4A41-BF8F-B8ACA91B9C4A}"/>
-              </a:ext>
-            </a:extLst>
-          </p:cNvPr>
-          <p:cNvPicPr>
-            <a:picLocks noChangeAspect="1"/>
-          </p:cNvPicPr>
-          <p:nvPr/>
-        </p:nvPicPr>
-        <p:blipFill>
-          <a:blip r:embed="rId7"/>
-          <a:stretch>
-            <a:fillRect/>
-          </a:stretch>
-        </p:blipFill>
-        <p:spPr>
-          <a:xfrm>
-            <a:off x="5866189" y="1306156"/>
-            <a:ext cx="459621" cy="418729"/>
-          </a:xfrm>
-          <a:prstGeom prst="rect">
-            <a:avLst/>
-          </a:prstGeom>
-        </p:spPr>
-      </p:pic>
-      <p:pic>
-        <p:nvPicPr>
-          <p:cNvPr id="20" name="Picture 19" descr="Event Hubs">
-            <a:extLst>
-              <a:ext uri="{FF2B5EF4-FFF2-40B4-BE49-F238E27FC236}">
-                <a16:creationId xmlns:a16="http://schemas.microsoft.com/office/drawing/2014/main" id="{4BD7ECB7-197A-B44D-93A0-939307777AEC}"/>
-              </a:ext>
-            </a:extLst>
-          </p:cNvPr>
-          <p:cNvPicPr>
-            <a:picLocks noChangeAspect="1"/>
-          </p:cNvPicPr>
-          <p:nvPr/>
-        </p:nvPicPr>
-        <p:blipFill>
-          <a:blip r:embed="rId8"/>
-          <a:stretch>
-            <a:fillRect/>
-          </a:stretch>
-        </p:blipFill>
-        <p:spPr>
-          <a:xfrm>
-            <a:off x="2742738" y="1269209"/>
-            <a:ext cx="467828" cy="492622"/>
-          </a:xfrm>
-          <a:prstGeom prst="rect">
-            <a:avLst/>
-          </a:prstGeom>
-        </p:spPr>
-      </p:pic>
-      <p:pic>
-        <p:nvPicPr>
-          <p:cNvPr id="41" name="Graphic 40" descr="Table Storage">
-            <a:extLst>
-              <a:ext uri="{FF2B5EF4-FFF2-40B4-BE49-F238E27FC236}">
-                <a16:creationId xmlns:a16="http://schemas.microsoft.com/office/drawing/2014/main" id="{32EF9432-1F43-A04B-9ADC-D43039F9E707}"/>
-              </a:ext>
-            </a:extLst>
-          </p:cNvPr>
-          <p:cNvPicPr>
-            <a:picLocks noChangeAspect="1"/>
-          </p:cNvPicPr>
-          <p:nvPr/>
-        </p:nvPicPr>
-        <p:blipFill>
-          <a:blip r:embed="rId9">
-            <a:extLst>
-              <a:ext uri="{28A0092B-C50C-407E-A947-70E740481C1C}">
-                <a14:useLocalDpi xmlns:a14="http://schemas.microsoft.com/office/drawing/2010/main" val="0"/>
-              </a:ext>
-              <a:ext uri="{96DAC541-7B7A-43D3-8B79-37D633B846F1}">
-                <asvg:svgBlip xmlns:asvg="http://schemas.microsoft.com/office/drawing/2016/SVG/main" r:embed="rId10"/>
-              </a:ext>
-            </a:extLst>
-          </a:blip>
-          <a:stretch>
-            <a:fillRect/>
-          </a:stretch>
-        </p:blipFill>
-        <p:spPr>
-          <a:xfrm>
-            <a:off x="7702416" y="1286745"/>
-            <a:ext cx="457550" cy="457550"/>
-          </a:xfrm>
-          <a:prstGeom prst="rect">
-            <a:avLst/>
-          </a:prstGeom>
-        </p:spPr>
-      </p:pic>
-      <p:pic>
-        <p:nvPicPr>
-          <p:cNvPr id="42" name="Picture 41" descr="Container Services">
-            <a:extLst>
-              <a:ext uri="{FF2B5EF4-FFF2-40B4-BE49-F238E27FC236}">
-                <a16:creationId xmlns:a16="http://schemas.microsoft.com/office/drawing/2014/main" id="{0C2E2E1B-60F4-4248-AE32-A4FF5F77B97D}"/>
-              </a:ext>
-            </a:extLst>
-          </p:cNvPr>
-          <p:cNvPicPr>
-            <a:picLocks noChangeAspect="1"/>
-          </p:cNvPicPr>
-          <p:nvPr/>
-        </p:nvPicPr>
-        <p:blipFill>
-          <a:blip r:embed="rId11"/>
-          <a:stretch>
-            <a:fillRect/>
-          </a:stretch>
-        </p:blipFill>
-        <p:spPr>
-          <a:xfrm>
-            <a:off x="1008979" y="1338997"/>
-            <a:ext cx="492451" cy="353046"/>
-          </a:xfrm>
-          <a:prstGeom prst="rect">
-            <a:avLst/>
-          </a:prstGeom>
-        </p:spPr>
-      </p:pic>
-      <p:pic>
-        <p:nvPicPr>
-          <p:cNvPr id="43" name="Graphic 42" descr="Premium Storage ALT">
-            <a:extLst>
-              <a:ext uri="{FF2B5EF4-FFF2-40B4-BE49-F238E27FC236}">
-                <a16:creationId xmlns:a16="http://schemas.microsoft.com/office/drawing/2014/main" id="{D8CA01D7-E074-0745-A326-9AFB250E4967}"/>
-              </a:ext>
-            </a:extLst>
-          </p:cNvPr>
-          <p:cNvPicPr>
-            <a:picLocks noChangeAspect="1"/>
-          </p:cNvPicPr>
-          <p:nvPr/>
-        </p:nvPicPr>
-        <p:blipFill>
-          <a:blip r:embed="rId12">
-            <a:extLst>
-              <a:ext uri="{28A0092B-C50C-407E-A947-70E740481C1C}">
-                <a14:useLocalDpi xmlns:a14="http://schemas.microsoft.com/office/drawing/2010/main" val="0"/>
-              </a:ext>
-              <a:ext uri="{96DAC541-7B7A-43D3-8B79-37D633B846F1}">
-                <asvg:svgBlip xmlns:asvg="http://schemas.microsoft.com/office/drawing/2016/SVG/main" r:embed="rId13"/>
-              </a:ext>
-            </a:extLst>
-          </a:blip>
-          <a:stretch>
-            <a:fillRect/>
-          </a:stretch>
-        </p:blipFill>
-        <p:spPr>
-          <a:xfrm>
-            <a:off x="2747877" y="2350638"/>
-            <a:ext cx="457550" cy="457550"/>
-          </a:xfrm>
-          <a:prstGeom prst="rect">
-            <a:avLst/>
-          </a:prstGeom>
-        </p:spPr>
-      </p:pic>
-      <p:cxnSp>
-        <p:nvCxnSpPr>
-          <p:cNvPr id="45" name="Elbow Connector 44">
-            <a:extLst>
-              <a:ext uri="{FF2B5EF4-FFF2-40B4-BE49-F238E27FC236}">
-                <a16:creationId xmlns:a16="http://schemas.microsoft.com/office/drawing/2014/main" id="{329378D0-6D3F-A240-8029-F55723613536}"/>
-              </a:ext>
-            </a:extLst>
-          </p:cNvPr>
-          <p:cNvCxnSpPr>
-            <a:cxnSpLocks/>
-            <a:stCxn id="20" idx="2"/>
-            <a:endCxn id="43" idx="0"/>
-          </p:cNvCxnSpPr>
-          <p:nvPr/>
-        </p:nvCxnSpPr>
-        <p:spPr>
-          <a:xfrm rot="5400000">
-            <a:off x="2688599" y="2062584"/>
-            <a:ext cx="588807" cy="0"/>
-          </a:xfrm>
-          <a:prstGeom prst="bentConnector3">
-            <a:avLst>
-              <a:gd name="adj1" fmla="val 50000"/>
-            </a:avLst>
-          </a:prstGeom>
-          <a:ln>
+          <a:ln w="50800">
             <a:solidFill>
-              <a:schemeClr val="tx1"/>
+              <a:schemeClr val="bg2">
+                <a:alpha val="90000"/>
+              </a:schemeClr>
             </a:solidFill>
-            <a:headEnd type="none" w="lg" len="med"/>
-            <a:tailEnd type="triangle"/>
           </a:ln>
         </p:spPr>
         <p:style>
@@ -3759,33 +3604,1155 @@
       </p:cxnSp>
       <p:cxnSp>
         <p:nvCxnSpPr>
-          <p:cNvPr id="46" name="Elbow Connector 45">
-            <a:extLst>
-              <a:ext uri="{FF2B5EF4-FFF2-40B4-BE49-F238E27FC236}">
-                <a16:creationId xmlns:a16="http://schemas.microsoft.com/office/drawing/2014/main" id="{83C0070A-2365-2A49-B394-2B4258AB0AEC}"/>
+          <p:cNvPr id="139" name="Straight Connector 138">
+            <a:extLst>
+              <a:ext uri="{FF2B5EF4-FFF2-40B4-BE49-F238E27FC236}">
+                <a16:creationId xmlns:a16="http://schemas.microsoft.com/office/drawing/2014/main" id="{CC752BC6-CDD2-4020-8DCF-B5E813CD3A55}"/>
+              </a:ext>
+              <a:ext uri="{C183D7F6-B498-43B3-948B-1728B52AA6E4}">
+                <adec:decorative xmlns:adec="http://schemas.microsoft.com/office/drawing/2017/decorative" val="1"/>
+              </a:ext>
+            </a:extLst>
+          </p:cNvPr>
+          <p:cNvCxnSpPr>
+            <a:cxnSpLocks noGrp="1" noRot="1" noChangeAspect="1" noMove="1" noResize="1" noEditPoints="1" noAdjustHandles="1" noChangeArrowheads="1" noChangeShapeType="1"/>
+          </p:cNvCxnSpPr>
+          <p:nvPr>
+            <p:extLst>
+              <p:ext uri="{386F3935-93C4-4BCD-93E2-E3B085C9AB24}">
+                <p16:designElem xmlns:p16="http://schemas.microsoft.com/office/powerpoint/2015/main" val="1"/>
+              </p:ext>
+            </p:extLst>
+          </p:nvPr>
+        </p:nvCxnSpPr>
+        <p:spPr bwMode="white">
+          <a:xfrm>
+            <a:off x="0" y="6448927"/>
+            <a:ext cx="12188824" cy="0"/>
+          </a:xfrm>
+          <a:prstGeom prst="line">
+            <a:avLst/>
+          </a:prstGeom>
+          <a:ln w="50800">
+            <a:solidFill>
+              <a:schemeClr val="bg2">
+                <a:alpha val="90000"/>
+              </a:schemeClr>
+            </a:solidFill>
+          </a:ln>
+        </p:spPr>
+        <p:style>
+          <a:lnRef idx="1">
+            <a:schemeClr val="accent1"/>
+          </a:lnRef>
+          <a:fillRef idx="0">
+            <a:schemeClr val="accent1"/>
+          </a:fillRef>
+          <a:effectRef idx="0">
+            <a:schemeClr val="accent1"/>
+          </a:effectRef>
+          <a:fontRef idx="minor">
+            <a:schemeClr val="tx1"/>
+          </a:fontRef>
+        </p:style>
+      </p:cxnSp>
+    </p:spTree>
+    <p:extLst>
+      <p:ext uri="{BB962C8B-B14F-4D97-AF65-F5344CB8AC3E}">
+        <p14:creationId xmlns:p14="http://schemas.microsoft.com/office/powerpoint/2010/main" val="2701927409"/>
+      </p:ext>
+    </p:extLst>
+  </p:cSld>
+  <p:clrMapOvr>
+    <a:masterClrMapping/>
+  </p:clrMapOvr>
+</p:sld>
+</file>
+
+<file path=ppt/slides/slide2.xml><?xml version="1.0" encoding="utf-8"?>
+<p:sld xmlns:a="http://schemas.openxmlformats.org/drawingml/2006/main" xmlns:r="http://schemas.openxmlformats.org/officeDocument/2006/relationships" xmlns:p="http://schemas.openxmlformats.org/presentationml/2006/main">
+  <p:cSld>
+    <p:spTree>
+      <p:nvGrpSpPr>
+        <p:cNvPr id="1" name=""/>
+        <p:cNvGrpSpPr/>
+        <p:nvPr/>
+      </p:nvGrpSpPr>
+      <p:grpSpPr>
+        <a:xfrm>
+          <a:off x="0" y="0"/>
+          <a:ext cx="0" cy="0"/>
+          <a:chOff x="0" y="0"/>
+          <a:chExt cx="0" cy="0"/>
+        </a:xfrm>
+      </p:grpSpPr>
+      <p:sp>
+        <p:nvSpPr>
+          <p:cNvPr id="2" name="Title 1">
+            <a:extLst>
+              <a:ext uri="{FF2B5EF4-FFF2-40B4-BE49-F238E27FC236}">
+                <a16:creationId xmlns:a16="http://schemas.microsoft.com/office/drawing/2014/main" id="{AFC63901-C8F1-4A95-9E4C-D91DF215DCE9}"/>
+              </a:ext>
+            </a:extLst>
+          </p:cNvPr>
+          <p:cNvSpPr>
+            <a:spLocks noGrp="1"/>
+          </p:cNvSpPr>
+          <p:nvPr>
+            <p:ph type="title"/>
+          </p:nvPr>
+        </p:nvSpPr>
+        <p:spPr/>
+        <p:txBody>
+          <a:bodyPr/>
+          <a:lstStyle/>
+          <a:p>
+            <a:r>
+              <a:rPr lang="en-US" dirty="0"/>
+              <a:t>Key Design Considerations</a:t>
+            </a:r>
+          </a:p>
+        </p:txBody>
+      </p:sp>
+      <p:sp>
+        <p:nvSpPr>
+          <p:cNvPr id="3" name="Content Placeholder 2">
+            <a:extLst>
+              <a:ext uri="{FF2B5EF4-FFF2-40B4-BE49-F238E27FC236}">
+                <a16:creationId xmlns:a16="http://schemas.microsoft.com/office/drawing/2014/main" id="{A622E0FA-FCA7-4BCE-AA57-A88CD76A7A16}"/>
+              </a:ext>
+            </a:extLst>
+          </p:cNvPr>
+          <p:cNvSpPr>
+            <a:spLocks noGrp="1"/>
+          </p:cNvSpPr>
+          <p:nvPr>
+            <p:ph idx="1"/>
+          </p:nvPr>
+        </p:nvSpPr>
+        <p:spPr>
+          <a:xfrm>
+            <a:off x="544586" y="1808847"/>
+            <a:ext cx="5168317" cy="4351338"/>
+          </a:xfrm>
+        </p:spPr>
+        <p:txBody>
+          <a:bodyPr>
+            <a:normAutofit lnSpcReduction="10000"/>
+          </a:bodyPr>
+          <a:lstStyle/>
+          <a:p>
+            <a:r>
+              <a:rPr lang="en-US" dirty="0"/>
+              <a:t>Cost</a:t>
+            </a:r>
+          </a:p>
+          <a:p>
+            <a:pPr lvl="1"/>
+            <a:r>
+              <a:rPr lang="en-US" dirty="0"/>
+              <a:t>Auto-Off</a:t>
+            </a:r>
+          </a:p>
+          <a:p>
+            <a:pPr lvl="1"/>
+            <a:r>
+              <a:rPr lang="en-US" dirty="0"/>
+              <a:t>“Elastic Charge”</a:t>
+            </a:r>
+          </a:p>
+          <a:p>
+            <a:pPr lvl="1"/>
+            <a:r>
+              <a:rPr lang="en-US" dirty="0"/>
+              <a:t>Automation</a:t>
+            </a:r>
+          </a:p>
+          <a:p>
+            <a:r>
+              <a:rPr lang="en-US" dirty="0"/>
+              <a:t>Skills Required</a:t>
+            </a:r>
+          </a:p>
+          <a:p>
+            <a:pPr lvl="1"/>
+            <a:r>
+              <a:rPr lang="en-US" dirty="0"/>
+              <a:t>Python &amp; Java Script Only</a:t>
+            </a:r>
+          </a:p>
+          <a:p>
+            <a:r>
+              <a:rPr lang="en-US" dirty="0"/>
+              <a:t>Scalability</a:t>
+            </a:r>
+          </a:p>
+          <a:p>
+            <a:pPr lvl="1"/>
+            <a:r>
+              <a:rPr lang="en-US" dirty="0"/>
+              <a:t>Everything dynamically scales</a:t>
+            </a:r>
+          </a:p>
+          <a:p>
+            <a:r>
+              <a:rPr lang="en-US" dirty="0"/>
+              <a:t>Security</a:t>
+            </a:r>
+          </a:p>
+          <a:p>
+            <a:pPr lvl="1"/>
+            <a:r>
+              <a:rPr lang="en-US" dirty="0"/>
+              <a:t>Key Vault, Env Vars &amp; RBAC</a:t>
+            </a:r>
+          </a:p>
+        </p:txBody>
+      </p:sp>
+    </p:spTree>
+    <p:extLst>
+      <p:ext uri="{BB962C8B-B14F-4D97-AF65-F5344CB8AC3E}">
+        <p14:creationId xmlns:p14="http://schemas.microsoft.com/office/powerpoint/2010/main" val="2567951625"/>
+      </p:ext>
+    </p:extLst>
+  </p:cSld>
+  <p:clrMapOvr>
+    <a:masterClrMapping/>
+  </p:clrMapOvr>
+</p:sld>
+</file>
+
+<file path=ppt/slides/slide3.xml><?xml version="1.0" encoding="utf-8"?>
+<p:sld xmlns:a="http://schemas.openxmlformats.org/drawingml/2006/main" xmlns:r="http://schemas.openxmlformats.org/officeDocument/2006/relationships" xmlns:p="http://schemas.openxmlformats.org/presentationml/2006/main">
+  <p:cSld>
+    <p:spTree>
+      <p:nvGrpSpPr>
+        <p:cNvPr id="1" name=""/>
+        <p:cNvGrpSpPr/>
+        <p:nvPr/>
+      </p:nvGrpSpPr>
+      <p:grpSpPr>
+        <a:xfrm>
+          <a:off x="0" y="0"/>
+          <a:ext cx="0" cy="0"/>
+          <a:chOff x="0" y="0"/>
+          <a:chExt cx="0" cy="0"/>
+        </a:xfrm>
+      </p:grpSpPr>
+      <p:pic>
+        <p:nvPicPr>
+          <p:cNvPr id="15" name="Graphic 14">
+            <a:extLst>
+              <a:ext uri="{FF2B5EF4-FFF2-40B4-BE49-F238E27FC236}">
+                <a16:creationId xmlns:a16="http://schemas.microsoft.com/office/drawing/2014/main" id="{C14F0369-60E1-431E-84FF-EB0DA8D5214A}"/>
+              </a:ext>
+            </a:extLst>
+          </p:cNvPr>
+          <p:cNvPicPr>
+            <a:picLocks noChangeAspect="1"/>
+          </p:cNvPicPr>
+          <p:nvPr/>
+        </p:nvPicPr>
+        <p:blipFill>
+          <a:blip r:embed="rId2">
+            <a:extLst>
+              <a:ext uri="{28A0092B-C50C-407E-A947-70E740481C1C}">
+                <a14:useLocalDpi xmlns:a14="http://schemas.microsoft.com/office/drawing/2010/main" val="0"/>
+              </a:ext>
+              <a:ext uri="{96DAC541-7B7A-43D3-8B79-37D633B846F1}">
+                <asvg:svgBlip xmlns:asvg="http://schemas.microsoft.com/office/drawing/2016/SVG/main" r:embed="rId3"/>
+              </a:ext>
+            </a:extLst>
+          </a:blip>
+          <a:stretch>
+            <a:fillRect/>
+          </a:stretch>
+        </p:blipFill>
+        <p:spPr>
+          <a:xfrm>
+            <a:off x="5899843" y="1569990"/>
+            <a:ext cx="901959" cy="901959"/>
+          </a:xfrm>
+          <a:prstGeom prst="rect">
+            <a:avLst/>
+          </a:prstGeom>
+        </p:spPr>
+      </p:pic>
+      <p:sp>
+        <p:nvSpPr>
+          <p:cNvPr id="2" name="Title 1">
+            <a:extLst>
+              <a:ext uri="{FF2B5EF4-FFF2-40B4-BE49-F238E27FC236}">
+                <a16:creationId xmlns:a16="http://schemas.microsoft.com/office/drawing/2014/main" id="{7E77E8BC-AE80-48DA-A8A1-CA336E4A9708}"/>
+              </a:ext>
+            </a:extLst>
+          </p:cNvPr>
+          <p:cNvSpPr>
+            <a:spLocks noGrp="1"/>
+          </p:cNvSpPr>
+          <p:nvPr>
+            <p:ph type="title"/>
+          </p:nvPr>
+        </p:nvSpPr>
+        <p:spPr/>
+        <p:txBody>
+          <a:bodyPr/>
+          <a:lstStyle/>
+          <a:p>
+            <a:r>
+              <a:rPr lang="en-US" dirty="0"/>
+              <a:t>Current Architecture</a:t>
+            </a:r>
+          </a:p>
+        </p:txBody>
+      </p:sp>
+      <p:pic>
+        <p:nvPicPr>
+          <p:cNvPr id="11" name="Graphic 10">
+            <a:extLst>
+              <a:ext uri="{FF2B5EF4-FFF2-40B4-BE49-F238E27FC236}">
+                <a16:creationId xmlns:a16="http://schemas.microsoft.com/office/drawing/2014/main" id="{369DE269-49F4-4C5D-873C-85B05A7535D6}"/>
+              </a:ext>
+            </a:extLst>
+          </p:cNvPr>
+          <p:cNvPicPr>
+            <a:picLocks noChangeAspect="1"/>
+          </p:cNvPicPr>
+          <p:nvPr/>
+        </p:nvPicPr>
+        <p:blipFill>
+          <a:blip r:embed="rId4">
+            <a:extLst>
+              <a:ext uri="{28A0092B-C50C-407E-A947-70E740481C1C}">
+                <a14:useLocalDpi xmlns:a14="http://schemas.microsoft.com/office/drawing/2010/main" val="0"/>
+              </a:ext>
+              <a:ext uri="{96DAC541-7B7A-43D3-8B79-37D633B846F1}">
+                <asvg:svgBlip xmlns:asvg="http://schemas.microsoft.com/office/drawing/2016/SVG/main" r:embed="rId5"/>
+              </a:ext>
+            </a:extLst>
+          </a:blip>
+          <a:stretch>
+            <a:fillRect/>
+          </a:stretch>
+        </p:blipFill>
+        <p:spPr>
+          <a:xfrm>
+            <a:off x="8418797" y="1534573"/>
+            <a:ext cx="821748" cy="884827"/>
+          </a:xfrm>
+          <a:prstGeom prst="rect">
+            <a:avLst/>
+          </a:prstGeom>
+        </p:spPr>
+      </p:pic>
+      <p:pic>
+        <p:nvPicPr>
+          <p:cNvPr id="13" name="Graphic 12">
+            <a:extLst>
+              <a:ext uri="{FF2B5EF4-FFF2-40B4-BE49-F238E27FC236}">
+                <a16:creationId xmlns:a16="http://schemas.microsoft.com/office/drawing/2014/main" id="{1E45D26F-5AC2-4EA1-BCCF-61A673B1ABC0}"/>
+              </a:ext>
+            </a:extLst>
+          </p:cNvPr>
+          <p:cNvPicPr>
+            <a:picLocks noChangeAspect="1"/>
+          </p:cNvPicPr>
+          <p:nvPr/>
+        </p:nvPicPr>
+        <p:blipFill>
+          <a:blip r:embed="rId6">
+            <a:extLst>
+              <a:ext uri="{28A0092B-C50C-407E-A947-70E740481C1C}">
+                <a14:useLocalDpi xmlns:a14="http://schemas.microsoft.com/office/drawing/2010/main" val="0"/>
+              </a:ext>
+              <a:ext uri="{96DAC541-7B7A-43D3-8B79-37D633B846F1}">
+                <asvg:svgBlip xmlns:asvg="http://schemas.microsoft.com/office/drawing/2016/SVG/main" r:embed="rId7"/>
+              </a:ext>
+            </a:extLst>
+          </a:blip>
+          <a:stretch>
+            <a:fillRect/>
+          </a:stretch>
+        </p:blipFill>
+        <p:spPr>
+          <a:xfrm>
+            <a:off x="6523926" y="1677988"/>
+            <a:ext cx="780888" cy="813425"/>
+          </a:xfrm>
+          <a:prstGeom prst="rect">
+            <a:avLst/>
+          </a:prstGeom>
+        </p:spPr>
+      </p:pic>
+      <p:pic>
+        <p:nvPicPr>
+          <p:cNvPr id="17" name="Graphic 16">
+            <a:extLst>
+              <a:ext uri="{FF2B5EF4-FFF2-40B4-BE49-F238E27FC236}">
+                <a16:creationId xmlns:a16="http://schemas.microsoft.com/office/drawing/2014/main" id="{9E9F993D-08C0-46A8-9A38-7ABC78D89DE6}"/>
+              </a:ext>
+            </a:extLst>
+          </p:cNvPr>
+          <p:cNvPicPr>
+            <a:picLocks noChangeAspect="1"/>
+          </p:cNvPicPr>
+          <p:nvPr/>
+        </p:nvPicPr>
+        <p:blipFill>
+          <a:blip r:embed="rId8">
+            <a:extLst>
+              <a:ext uri="{28A0092B-C50C-407E-A947-70E740481C1C}">
+                <a14:useLocalDpi xmlns:a14="http://schemas.microsoft.com/office/drawing/2010/main" val="0"/>
+              </a:ext>
+              <a:ext uri="{96DAC541-7B7A-43D3-8B79-37D633B846F1}">
+                <asvg:svgBlip xmlns:asvg="http://schemas.microsoft.com/office/drawing/2016/SVG/main" r:embed="rId9"/>
+              </a:ext>
+            </a:extLst>
+          </a:blip>
+          <a:stretch>
+            <a:fillRect/>
+          </a:stretch>
+        </p:blipFill>
+        <p:spPr>
+          <a:xfrm>
+            <a:off x="3739994" y="1662441"/>
+            <a:ext cx="919514" cy="919514"/>
+          </a:xfrm>
+          <a:prstGeom prst="rect">
+            <a:avLst/>
+          </a:prstGeom>
+        </p:spPr>
+      </p:pic>
+      <p:pic>
+        <p:nvPicPr>
+          <p:cNvPr id="19" name="Graphic 18">
+            <a:extLst>
+              <a:ext uri="{FF2B5EF4-FFF2-40B4-BE49-F238E27FC236}">
+                <a16:creationId xmlns:a16="http://schemas.microsoft.com/office/drawing/2014/main" id="{481F909D-8501-4009-B11A-84255EE2496D}"/>
+              </a:ext>
+            </a:extLst>
+          </p:cNvPr>
+          <p:cNvPicPr>
+            <a:picLocks noChangeAspect="1"/>
+          </p:cNvPicPr>
+          <p:nvPr/>
+        </p:nvPicPr>
+        <p:blipFill>
+          <a:blip r:embed="rId10">
+            <a:extLst>
+              <a:ext uri="{28A0092B-C50C-407E-A947-70E740481C1C}">
+                <a14:useLocalDpi xmlns:a14="http://schemas.microsoft.com/office/drawing/2010/main" val="0"/>
+              </a:ext>
+              <a:ext uri="{96DAC541-7B7A-43D3-8B79-37D633B846F1}">
+                <asvg:svgBlip xmlns:asvg="http://schemas.microsoft.com/office/drawing/2016/SVG/main" r:embed="rId11"/>
+              </a:ext>
+            </a:extLst>
+          </a:blip>
+          <a:stretch>
+            <a:fillRect/>
+          </a:stretch>
+        </p:blipFill>
+        <p:spPr>
+          <a:xfrm>
+            <a:off x="2019192" y="2940697"/>
+            <a:ext cx="976604" cy="976604"/>
+          </a:xfrm>
+          <a:prstGeom prst="rect">
+            <a:avLst/>
+          </a:prstGeom>
+        </p:spPr>
+      </p:pic>
+      <p:pic>
+        <p:nvPicPr>
+          <p:cNvPr id="21" name="Graphic 20">
+            <a:extLst>
+              <a:ext uri="{FF2B5EF4-FFF2-40B4-BE49-F238E27FC236}">
+                <a16:creationId xmlns:a16="http://schemas.microsoft.com/office/drawing/2014/main" id="{4540547A-3348-4E80-9113-908ED5FD2E8B}"/>
+              </a:ext>
+            </a:extLst>
+          </p:cNvPr>
+          <p:cNvPicPr>
+            <a:picLocks noChangeAspect="1"/>
+          </p:cNvPicPr>
+          <p:nvPr/>
+        </p:nvPicPr>
+        <p:blipFill>
+          <a:blip r:embed="rId12">
+            <a:extLst>
+              <a:ext uri="{28A0092B-C50C-407E-A947-70E740481C1C}">
+                <a14:useLocalDpi xmlns:a14="http://schemas.microsoft.com/office/drawing/2010/main" val="0"/>
+              </a:ext>
+              <a:ext uri="{96DAC541-7B7A-43D3-8B79-37D633B846F1}">
+                <asvg:svgBlip xmlns:asvg="http://schemas.microsoft.com/office/drawing/2016/SVG/main" r:embed="rId13"/>
+              </a:ext>
+            </a:extLst>
+          </a:blip>
+          <a:stretch>
+            <a:fillRect/>
+          </a:stretch>
+        </p:blipFill>
+        <p:spPr>
+          <a:xfrm>
+            <a:off x="230582" y="3001633"/>
+            <a:ext cx="854733" cy="854733"/>
+          </a:xfrm>
+          <a:prstGeom prst="rect">
+            <a:avLst/>
+          </a:prstGeom>
+        </p:spPr>
+      </p:pic>
+      <p:pic>
+        <p:nvPicPr>
+          <p:cNvPr id="23" name="Graphic 22">
+            <a:extLst>
+              <a:ext uri="{FF2B5EF4-FFF2-40B4-BE49-F238E27FC236}">
+                <a16:creationId xmlns:a16="http://schemas.microsoft.com/office/drawing/2014/main" id="{4F5E2A77-96DF-4DAF-AC69-4A1AF1F5FD44}"/>
+              </a:ext>
+            </a:extLst>
+          </p:cNvPr>
+          <p:cNvPicPr>
+            <a:picLocks noChangeAspect="1"/>
+          </p:cNvPicPr>
+          <p:nvPr/>
+        </p:nvPicPr>
+        <p:blipFill>
+          <a:blip r:embed="rId14">
+            <a:extLst>
+              <a:ext uri="{28A0092B-C50C-407E-A947-70E740481C1C}">
+                <a14:useLocalDpi xmlns:a14="http://schemas.microsoft.com/office/drawing/2010/main" val="0"/>
+              </a:ext>
+              <a:ext uri="{96DAC541-7B7A-43D3-8B79-37D633B846F1}">
+                <asvg:svgBlip xmlns:asvg="http://schemas.microsoft.com/office/drawing/2016/SVG/main" r:embed="rId15"/>
+              </a:ext>
+            </a:extLst>
+          </a:blip>
+          <a:stretch>
+            <a:fillRect/>
+          </a:stretch>
+        </p:blipFill>
+        <p:spPr>
+          <a:xfrm>
+            <a:off x="7308640" y="5444341"/>
+            <a:ext cx="1186332" cy="1186332"/>
+          </a:xfrm>
+          <a:prstGeom prst="rect">
+            <a:avLst/>
+          </a:prstGeom>
+        </p:spPr>
+      </p:pic>
+      <p:pic>
+        <p:nvPicPr>
+          <p:cNvPr id="27" name="Graphic 26">
+            <a:extLst>
+              <a:ext uri="{FF2B5EF4-FFF2-40B4-BE49-F238E27FC236}">
+                <a16:creationId xmlns:a16="http://schemas.microsoft.com/office/drawing/2014/main" id="{654F34CF-108C-472F-9F69-58763713D9A1}"/>
+              </a:ext>
+            </a:extLst>
+          </p:cNvPr>
+          <p:cNvPicPr>
+            <a:picLocks noChangeAspect="1"/>
+          </p:cNvPicPr>
+          <p:nvPr/>
+        </p:nvPicPr>
+        <p:blipFill>
+          <a:blip r:embed="rId16">
+            <a:extLst>
+              <a:ext uri="{28A0092B-C50C-407E-A947-70E740481C1C}">
+                <a14:useLocalDpi xmlns:a14="http://schemas.microsoft.com/office/drawing/2010/main" val="0"/>
+              </a:ext>
+              <a:ext uri="{96DAC541-7B7A-43D3-8B79-37D633B846F1}">
+                <asvg:svgBlip xmlns:asvg="http://schemas.microsoft.com/office/drawing/2016/SVG/main" r:embed="rId17"/>
+              </a:ext>
+            </a:extLst>
+          </a:blip>
+          <a:stretch>
+            <a:fillRect/>
+          </a:stretch>
+        </p:blipFill>
+        <p:spPr>
+          <a:xfrm>
+            <a:off x="6634444" y="3698567"/>
+            <a:ext cx="821748" cy="821748"/>
+          </a:xfrm>
+          <a:prstGeom prst="rect">
+            <a:avLst/>
+          </a:prstGeom>
+        </p:spPr>
+      </p:pic>
+      <p:pic>
+        <p:nvPicPr>
+          <p:cNvPr id="29" name="Graphic 28">
+            <a:extLst>
+              <a:ext uri="{FF2B5EF4-FFF2-40B4-BE49-F238E27FC236}">
+                <a16:creationId xmlns:a16="http://schemas.microsoft.com/office/drawing/2014/main" id="{45B01710-2E47-4FCD-B64F-B6A8F9A6BBE6}"/>
+              </a:ext>
+            </a:extLst>
+          </p:cNvPr>
+          <p:cNvPicPr>
+            <a:picLocks noChangeAspect="1"/>
+          </p:cNvPicPr>
+          <p:nvPr/>
+        </p:nvPicPr>
+        <p:blipFill>
+          <a:blip r:embed="rId18">
+            <a:extLst>
+              <a:ext uri="{28A0092B-C50C-407E-A947-70E740481C1C}">
+                <a14:useLocalDpi xmlns:a14="http://schemas.microsoft.com/office/drawing/2010/main" val="0"/>
+              </a:ext>
+              <a:ext uri="{96DAC541-7B7A-43D3-8B79-37D633B846F1}">
+                <asvg:svgBlip xmlns:asvg="http://schemas.microsoft.com/office/drawing/2016/SVG/main" r:embed="rId19"/>
+              </a:ext>
+            </a:extLst>
+          </a:blip>
+          <a:stretch>
+            <a:fillRect/>
+          </a:stretch>
+        </p:blipFill>
+        <p:spPr>
+          <a:xfrm>
+            <a:off x="7221764" y="4043158"/>
+            <a:ext cx="754195" cy="754195"/>
+          </a:xfrm>
+          <a:prstGeom prst="rect">
+            <a:avLst/>
+          </a:prstGeom>
+        </p:spPr>
+      </p:pic>
+      <p:grpSp>
+        <p:nvGrpSpPr>
+          <p:cNvPr id="34" name="Group 33">
+            <a:extLst>
+              <a:ext uri="{FF2B5EF4-FFF2-40B4-BE49-F238E27FC236}">
+                <a16:creationId xmlns:a16="http://schemas.microsoft.com/office/drawing/2014/main" id="{B9EE0D78-A48F-4D6E-9779-7AD9C749F77D}"/>
+              </a:ext>
+            </a:extLst>
+          </p:cNvPr>
+          <p:cNvGrpSpPr/>
+          <p:nvPr/>
+        </p:nvGrpSpPr>
+        <p:grpSpPr>
+          <a:xfrm>
+            <a:off x="4481936" y="5495631"/>
+            <a:ext cx="976603" cy="976603"/>
+            <a:chOff x="3964732" y="5671668"/>
+            <a:chExt cx="976603" cy="976603"/>
+          </a:xfrm>
+        </p:grpSpPr>
+        <p:pic>
+          <p:nvPicPr>
+            <p:cNvPr id="31" name="Graphic 30">
+              <a:extLst>
+                <a:ext uri="{FF2B5EF4-FFF2-40B4-BE49-F238E27FC236}">
+                  <a16:creationId xmlns:a16="http://schemas.microsoft.com/office/drawing/2014/main" id="{26A0E677-5FB4-4ED0-8C5E-290D6616ABD4}"/>
+                </a:ext>
+              </a:extLst>
+            </p:cNvPr>
+            <p:cNvPicPr>
+              <a:picLocks noChangeAspect="1"/>
+            </p:cNvPicPr>
+            <p:nvPr/>
+          </p:nvPicPr>
+          <p:blipFill>
+            <a:blip r:embed="rId20">
+              <a:extLst>
+                <a:ext uri="{28A0092B-C50C-407E-A947-70E740481C1C}">
+                  <a14:useLocalDpi xmlns:a14="http://schemas.microsoft.com/office/drawing/2010/main" val="0"/>
+                </a:ext>
+                <a:ext uri="{96DAC541-7B7A-43D3-8B79-37D633B846F1}">
+                  <asvg:svgBlip xmlns:asvg="http://schemas.microsoft.com/office/drawing/2016/SVG/main" r:embed="rId21"/>
+                </a:ext>
+              </a:extLst>
+            </a:blip>
+            <a:stretch>
+              <a:fillRect/>
+            </a:stretch>
+          </p:blipFill>
+          <p:spPr>
+            <a:xfrm>
+              <a:off x="3964732" y="5671668"/>
+              <a:ext cx="976603" cy="976603"/>
+            </a:xfrm>
+            <a:prstGeom prst="rect">
+              <a:avLst/>
+            </a:prstGeom>
+          </p:spPr>
+        </p:pic>
+        <p:pic>
+          <p:nvPicPr>
+            <p:cNvPr id="33" name="Graphic 32">
+              <a:extLst>
+                <a:ext uri="{FF2B5EF4-FFF2-40B4-BE49-F238E27FC236}">
+                  <a16:creationId xmlns:a16="http://schemas.microsoft.com/office/drawing/2014/main" id="{90A32CE0-B45E-417D-B5B0-95140D6476C4}"/>
+                </a:ext>
+              </a:extLst>
+            </p:cNvPr>
+            <p:cNvPicPr>
+              <a:picLocks noChangeAspect="1"/>
+            </p:cNvPicPr>
+            <p:nvPr/>
+          </p:nvPicPr>
+          <p:blipFill>
+            <a:blip r:embed="rId22">
+              <a:extLst>
+                <a:ext uri="{28A0092B-C50C-407E-A947-70E740481C1C}">
+                  <a14:useLocalDpi xmlns:a14="http://schemas.microsoft.com/office/drawing/2010/main" val="0"/>
+                </a:ext>
+                <a:ext uri="{96DAC541-7B7A-43D3-8B79-37D633B846F1}">
+                  <asvg:svgBlip xmlns:asvg="http://schemas.microsoft.com/office/drawing/2016/SVG/main" r:embed="rId23"/>
+                </a:ext>
+              </a:extLst>
+            </a:blip>
+            <a:stretch>
+              <a:fillRect/>
+            </a:stretch>
+          </p:blipFill>
+          <p:spPr>
+            <a:xfrm>
+              <a:off x="4261602" y="5943599"/>
+              <a:ext cx="419879" cy="419879"/>
+            </a:xfrm>
+            <a:prstGeom prst="rect">
+              <a:avLst/>
+            </a:prstGeom>
+          </p:spPr>
+        </p:pic>
+      </p:grpSp>
+      <p:pic>
+        <p:nvPicPr>
+          <p:cNvPr id="36" name="Graphic 35">
+            <a:extLst>
+              <a:ext uri="{FF2B5EF4-FFF2-40B4-BE49-F238E27FC236}">
+                <a16:creationId xmlns:a16="http://schemas.microsoft.com/office/drawing/2014/main" id="{AC1FE8B3-D392-4B39-93A5-CEC63157DD7C}"/>
+              </a:ext>
+            </a:extLst>
+          </p:cNvPr>
+          <p:cNvPicPr>
+            <a:picLocks noChangeAspect="1"/>
+          </p:cNvPicPr>
+          <p:nvPr/>
+        </p:nvPicPr>
+        <p:blipFill>
+          <a:blip r:embed="rId24">
+            <a:extLst>
+              <a:ext uri="{28A0092B-C50C-407E-A947-70E740481C1C}">
+                <a14:useLocalDpi xmlns:a14="http://schemas.microsoft.com/office/drawing/2010/main" val="0"/>
+              </a:ext>
+              <a:ext uri="{96DAC541-7B7A-43D3-8B79-37D633B846F1}">
+                <asvg:svgBlip xmlns:asvg="http://schemas.microsoft.com/office/drawing/2016/SVG/main" r:embed="rId25"/>
+              </a:ext>
+            </a:extLst>
+          </a:blip>
+          <a:stretch>
+            <a:fillRect/>
+          </a:stretch>
+        </p:blipFill>
+        <p:spPr>
+          <a:xfrm>
+            <a:off x="3327994" y="5607412"/>
+            <a:ext cx="768271" cy="768271"/>
+          </a:xfrm>
+          <a:prstGeom prst="rect">
+            <a:avLst/>
+          </a:prstGeom>
+        </p:spPr>
+      </p:pic>
+      <p:pic>
+        <p:nvPicPr>
+          <p:cNvPr id="38" name="Graphic 37">
+            <a:extLst>
+              <a:ext uri="{FF2B5EF4-FFF2-40B4-BE49-F238E27FC236}">
+                <a16:creationId xmlns:a16="http://schemas.microsoft.com/office/drawing/2014/main" id="{C15E16EC-071C-42C0-8C0B-4E6C3EEF460B}"/>
+              </a:ext>
+            </a:extLst>
+          </p:cNvPr>
+          <p:cNvPicPr>
+            <a:picLocks noChangeAspect="1"/>
+          </p:cNvPicPr>
+          <p:nvPr/>
+        </p:nvPicPr>
+        <p:blipFill>
+          <a:blip r:embed="rId26">
+            <a:extLst>
+              <a:ext uri="{28A0092B-C50C-407E-A947-70E740481C1C}">
+                <a14:useLocalDpi xmlns:a14="http://schemas.microsoft.com/office/drawing/2010/main" val="0"/>
+              </a:ext>
+              <a:ext uri="{96DAC541-7B7A-43D3-8B79-37D633B846F1}">
+                <asvg:svgBlip xmlns:asvg="http://schemas.microsoft.com/office/drawing/2016/SVG/main" r:embed="rId27"/>
+              </a:ext>
+            </a:extLst>
+          </a:blip>
+          <a:stretch>
+            <a:fillRect/>
+          </a:stretch>
+        </p:blipFill>
+        <p:spPr>
+          <a:xfrm>
+            <a:off x="5961554" y="5629601"/>
+            <a:ext cx="742941" cy="742941"/>
+          </a:xfrm>
+          <a:prstGeom prst="rect">
+            <a:avLst/>
+          </a:prstGeom>
+        </p:spPr>
+      </p:pic>
+      <p:pic>
+        <p:nvPicPr>
+          <p:cNvPr id="1026" name="Picture 2" descr="Image result for azure functions icon">
+            <a:extLst>
+              <a:ext uri="{FF2B5EF4-FFF2-40B4-BE49-F238E27FC236}">
+                <a16:creationId xmlns:a16="http://schemas.microsoft.com/office/drawing/2014/main" id="{AB196A22-12F9-4B33-AF17-F53F5590F111}"/>
+              </a:ext>
+            </a:extLst>
+          </p:cNvPr>
+          <p:cNvPicPr>
+            <a:picLocks noChangeAspect="1" noChangeArrowheads="1"/>
+          </p:cNvPicPr>
+          <p:nvPr/>
+        </p:nvPicPr>
+        <p:blipFill>
+          <a:blip r:embed="rId28">
+            <a:extLst>
+              <a:ext uri="{28A0092B-C50C-407E-A947-70E740481C1C}">
+                <a14:useLocalDpi xmlns:a14="http://schemas.microsoft.com/office/drawing/2010/main" val="0"/>
+              </a:ext>
+            </a:extLst>
+          </a:blip>
+          <a:srcRect/>
+          <a:stretch>
+            <a:fillRect/>
+          </a:stretch>
+        </p:blipFill>
+        <p:spPr bwMode="auto">
+          <a:xfrm>
+            <a:off x="3725885" y="3827867"/>
+            <a:ext cx="1244353" cy="835624"/>
+          </a:xfrm>
+          <a:prstGeom prst="rect">
+            <a:avLst/>
+          </a:prstGeom>
+          <a:noFill/>
+          <a:extLst>
+            <a:ext uri="{909E8E84-426E-40DD-AFC4-6F175D3DCCD1}">
+              <a14:hiddenFill xmlns:a14="http://schemas.microsoft.com/office/drawing/2010/main">
+                <a:solidFill>
+                  <a:srgbClr val="FFFFFF"/>
+                </a:solidFill>
+              </a14:hiddenFill>
+            </a:ext>
+          </a:extLst>
+        </p:spPr>
+      </p:pic>
+      <p:cxnSp>
+        <p:nvCxnSpPr>
+          <p:cNvPr id="40" name="Straight Connector 39">
+            <a:extLst>
+              <a:ext uri="{FF2B5EF4-FFF2-40B4-BE49-F238E27FC236}">
+                <a16:creationId xmlns:a16="http://schemas.microsoft.com/office/drawing/2014/main" id="{972AD970-87A0-4801-8401-AA671C3D2AF3}"/>
               </a:ext>
             </a:extLst>
           </p:cNvPr>
           <p:cNvCxnSpPr>
             <a:cxnSpLocks/>
-            <a:stCxn id="42" idx="3"/>
-            <a:endCxn id="20" idx="1"/>
           </p:cNvCxnSpPr>
           <p:nvPr/>
         </p:nvCxnSpPr>
         <p:spPr>
           <a:xfrm>
-            <a:off x="1501430" y="1515520"/>
-            <a:ext cx="1241308" cy="0"/>
-          </a:xfrm>
-          <a:prstGeom prst="bentConnector3">
+            <a:off x="385894" y="5125673"/>
+            <a:ext cx="11216080" cy="41638"/>
+          </a:xfrm>
+          <a:prstGeom prst="line">
             <a:avLst/>
           </a:prstGeom>
-          <a:ln>
-            <a:solidFill>
-              <a:schemeClr val="tx1"/>
-            </a:solidFill>
-            <a:headEnd type="none" w="lg" len="med"/>
+          <a:ln w="28575">
+            <a:prstDash val="dash"/>
+          </a:ln>
+        </p:spPr>
+        <p:style>
+          <a:lnRef idx="3">
+            <a:schemeClr val="accent1"/>
+          </a:lnRef>
+          <a:fillRef idx="0">
+            <a:schemeClr val="accent1"/>
+          </a:fillRef>
+          <a:effectRef idx="2">
+            <a:schemeClr val="accent1"/>
+          </a:effectRef>
+          <a:fontRef idx="minor">
+            <a:schemeClr val="tx1"/>
+          </a:fontRef>
+        </p:style>
+      </p:cxnSp>
+      <p:sp>
+        <p:nvSpPr>
+          <p:cNvPr id="42" name="TextBox 41">
+            <a:extLst>
+              <a:ext uri="{FF2B5EF4-FFF2-40B4-BE49-F238E27FC236}">
+                <a16:creationId xmlns:a16="http://schemas.microsoft.com/office/drawing/2014/main" id="{C6DD8864-213F-4EB6-9FE8-21105890DAC8}"/>
+              </a:ext>
+            </a:extLst>
+          </p:cNvPr>
+          <p:cNvSpPr txBox="1"/>
+          <p:nvPr/>
+        </p:nvSpPr>
+        <p:spPr>
+          <a:xfrm>
+            <a:off x="94699" y="3827867"/>
+            <a:ext cx="1148391" cy="276999"/>
+          </a:xfrm>
+          <a:prstGeom prst="rect">
+            <a:avLst/>
+          </a:prstGeom>
+          <a:noFill/>
+        </p:spPr>
+        <p:txBody>
+          <a:bodyPr wrap="none" rtlCol="0">
+            <a:spAutoFit/>
+          </a:bodyPr>
+          <a:lstStyle/>
+          <a:p>
+            <a:r>
+              <a:rPr lang="en-US" sz="1200" dirty="0"/>
+              <a:t>Data Generator</a:t>
+            </a:r>
+          </a:p>
+        </p:txBody>
+      </p:sp>
+      <p:sp>
+        <p:nvSpPr>
+          <p:cNvPr id="44" name="TextBox 43">
+            <a:extLst>
+              <a:ext uri="{FF2B5EF4-FFF2-40B4-BE49-F238E27FC236}">
+                <a16:creationId xmlns:a16="http://schemas.microsoft.com/office/drawing/2014/main" id="{28937BE0-E49C-4C6D-9C77-382862520F94}"/>
+              </a:ext>
+            </a:extLst>
+          </p:cNvPr>
+          <p:cNvSpPr txBox="1"/>
+          <p:nvPr/>
+        </p:nvSpPr>
+        <p:spPr>
+          <a:xfrm>
+            <a:off x="2061679" y="3870574"/>
+            <a:ext cx="822597" cy="276999"/>
+          </a:xfrm>
+          <a:prstGeom prst="rect">
+            <a:avLst/>
+          </a:prstGeom>
+          <a:noFill/>
+        </p:spPr>
+        <p:txBody>
+          <a:bodyPr wrap="none" rtlCol="0">
+            <a:spAutoFit/>
+          </a:bodyPr>
+          <a:lstStyle/>
+          <a:p>
+            <a:r>
+              <a:rPr lang="en-US" sz="1200" dirty="0"/>
+              <a:t>Event Hub</a:t>
+            </a:r>
+          </a:p>
+        </p:txBody>
+      </p:sp>
+      <p:sp>
+        <p:nvSpPr>
+          <p:cNvPr id="45" name="TextBox 44">
+            <a:extLst>
+              <a:ext uri="{FF2B5EF4-FFF2-40B4-BE49-F238E27FC236}">
+                <a16:creationId xmlns:a16="http://schemas.microsoft.com/office/drawing/2014/main" id="{C2141D51-5609-48F6-8861-1626C3E377F9}"/>
+              </a:ext>
+            </a:extLst>
+          </p:cNvPr>
+          <p:cNvSpPr txBox="1"/>
+          <p:nvPr/>
+        </p:nvSpPr>
+        <p:spPr>
+          <a:xfrm>
+            <a:off x="3636653" y="2459083"/>
+            <a:ext cx="1297022" cy="276999"/>
+          </a:xfrm>
+          <a:prstGeom prst="rect">
+            <a:avLst/>
+          </a:prstGeom>
+          <a:noFill/>
+        </p:spPr>
+        <p:txBody>
+          <a:bodyPr wrap="none" rtlCol="0">
+            <a:spAutoFit/>
+          </a:bodyPr>
+          <a:lstStyle/>
+          <a:p>
+            <a:r>
+              <a:rPr lang="en-US" sz="1200" dirty="0"/>
+              <a:t>Stream Transform</a:t>
+            </a:r>
+          </a:p>
+        </p:txBody>
+      </p:sp>
+      <p:sp>
+        <p:nvSpPr>
+          <p:cNvPr id="46" name="TextBox 45">
+            <a:extLst>
+              <a:ext uri="{FF2B5EF4-FFF2-40B4-BE49-F238E27FC236}">
+                <a16:creationId xmlns:a16="http://schemas.microsoft.com/office/drawing/2014/main" id="{C2861B35-49A1-4834-A713-EE65CDCFCB88}"/>
+              </a:ext>
+            </a:extLst>
+          </p:cNvPr>
+          <p:cNvSpPr txBox="1"/>
+          <p:nvPr/>
+        </p:nvSpPr>
+        <p:spPr>
+          <a:xfrm>
+            <a:off x="5829424" y="2437979"/>
+            <a:ext cx="1588576" cy="276999"/>
+          </a:xfrm>
+          <a:prstGeom prst="rect">
+            <a:avLst/>
+          </a:prstGeom>
+          <a:noFill/>
+        </p:spPr>
+        <p:txBody>
+          <a:bodyPr wrap="none" rtlCol="0">
+            <a:spAutoFit/>
+          </a:bodyPr>
+          <a:lstStyle/>
+          <a:p>
+            <a:r>
+              <a:rPr lang="en-US" sz="1200" dirty="0"/>
+              <a:t>Big ML Explore &amp; Train</a:t>
+            </a:r>
+          </a:p>
+        </p:txBody>
+      </p:sp>
+      <p:sp>
+        <p:nvSpPr>
+          <p:cNvPr id="47" name="TextBox 46">
+            <a:extLst>
+              <a:ext uri="{FF2B5EF4-FFF2-40B4-BE49-F238E27FC236}">
+                <a16:creationId xmlns:a16="http://schemas.microsoft.com/office/drawing/2014/main" id="{677DA8FF-6778-4B72-BAAA-E133AE202001}"/>
+              </a:ext>
+            </a:extLst>
+          </p:cNvPr>
+          <p:cNvSpPr txBox="1"/>
+          <p:nvPr/>
+        </p:nvSpPr>
+        <p:spPr>
+          <a:xfrm>
+            <a:off x="8421644" y="2423287"/>
+            <a:ext cx="858953" cy="276999"/>
+          </a:xfrm>
+          <a:prstGeom prst="rect">
+            <a:avLst/>
+          </a:prstGeom>
+          <a:noFill/>
+        </p:spPr>
+        <p:txBody>
+          <a:bodyPr wrap="none" rtlCol="0">
+            <a:spAutoFit/>
+          </a:bodyPr>
+          <a:lstStyle/>
+          <a:p>
+            <a:r>
+              <a:rPr lang="en-US" sz="1200" dirty="0"/>
+              <a:t>Model Zoo</a:t>
+            </a:r>
+          </a:p>
+        </p:txBody>
+      </p:sp>
+      <p:sp>
+        <p:nvSpPr>
+          <p:cNvPr id="48" name="TextBox 47">
+            <a:extLst>
+              <a:ext uri="{FF2B5EF4-FFF2-40B4-BE49-F238E27FC236}">
+                <a16:creationId xmlns:a16="http://schemas.microsoft.com/office/drawing/2014/main" id="{B780E061-7CF3-4EC1-9746-5D79843F8F0F}"/>
+              </a:ext>
+            </a:extLst>
+          </p:cNvPr>
+          <p:cNvSpPr txBox="1"/>
+          <p:nvPr/>
+        </p:nvSpPr>
+        <p:spPr>
+          <a:xfrm>
+            <a:off x="3813982" y="4580634"/>
+            <a:ext cx="1053045" cy="276999"/>
+          </a:xfrm>
+          <a:prstGeom prst="rect">
+            <a:avLst/>
+          </a:prstGeom>
+          <a:noFill/>
+        </p:spPr>
+        <p:txBody>
+          <a:bodyPr wrap="none" rtlCol="0">
+            <a:spAutoFit/>
+          </a:bodyPr>
+          <a:lstStyle/>
+          <a:p>
+            <a:r>
+              <a:rPr lang="en-US" sz="1200" dirty="0"/>
+              <a:t>ML Prediction</a:t>
+            </a:r>
+          </a:p>
+        </p:txBody>
+      </p:sp>
+      <p:sp>
+        <p:nvSpPr>
+          <p:cNvPr id="49" name="TextBox 48">
+            <a:extLst>
+              <a:ext uri="{FF2B5EF4-FFF2-40B4-BE49-F238E27FC236}">
+                <a16:creationId xmlns:a16="http://schemas.microsoft.com/office/drawing/2014/main" id="{90B6C57C-55E6-49F1-828A-495FD5D7863F}"/>
+              </a:ext>
+            </a:extLst>
+          </p:cNvPr>
+          <p:cNvSpPr txBox="1"/>
+          <p:nvPr/>
+        </p:nvSpPr>
+        <p:spPr>
+          <a:xfrm>
+            <a:off x="6123444" y="4553630"/>
+            <a:ext cx="1213474" cy="276999"/>
+          </a:xfrm>
+          <a:prstGeom prst="rect">
+            <a:avLst/>
+          </a:prstGeom>
+          <a:noFill/>
+        </p:spPr>
+        <p:txBody>
+          <a:bodyPr wrap="none" rtlCol="0">
+            <a:spAutoFit/>
+          </a:bodyPr>
+          <a:lstStyle/>
+          <a:p>
+            <a:r>
+              <a:rPr lang="en-US" sz="1200" dirty="0"/>
+              <a:t>Web Application</a:t>
+            </a:r>
+          </a:p>
+        </p:txBody>
+      </p:sp>
+      <p:cxnSp>
+        <p:nvCxnSpPr>
+          <p:cNvPr id="50" name="Straight Arrow Connector 49">
+            <a:extLst>
+              <a:ext uri="{FF2B5EF4-FFF2-40B4-BE49-F238E27FC236}">
+                <a16:creationId xmlns:a16="http://schemas.microsoft.com/office/drawing/2014/main" id="{43D7D1B8-5AFB-447E-9CED-12FE08C7EB71}"/>
+              </a:ext>
+            </a:extLst>
+          </p:cNvPr>
+          <p:cNvCxnSpPr>
+            <a:cxnSpLocks/>
+            <a:stCxn id="21" idx="3"/>
+            <a:endCxn id="19" idx="1"/>
+          </p:cNvCxnSpPr>
+          <p:nvPr/>
+        </p:nvCxnSpPr>
+        <p:spPr>
+          <a:xfrm flipV="1">
+            <a:off x="1085315" y="3428999"/>
+            <a:ext cx="933877" cy="1"/>
+          </a:xfrm>
+          <a:prstGeom prst="straightConnector1">
+            <a:avLst/>
+          </a:prstGeom>
+          <a:ln w="38100">
             <a:tailEnd type="triangle"/>
           </a:ln>
         </p:spPr>
@@ -3806,35 +4773,27 @@
       </p:cxnSp>
       <p:cxnSp>
         <p:nvCxnSpPr>
-          <p:cNvPr id="49" name="Elbow Connector 48">
-            <a:extLst>
-              <a:ext uri="{FF2B5EF4-FFF2-40B4-BE49-F238E27FC236}">
-                <a16:creationId xmlns:a16="http://schemas.microsoft.com/office/drawing/2014/main" id="{8137812A-FE3E-7B49-A87A-BFF264872315}"/>
+          <p:cNvPr id="54" name="Straight Arrow Connector 53">
+            <a:extLst>
+              <a:ext uri="{FF2B5EF4-FFF2-40B4-BE49-F238E27FC236}">
+                <a16:creationId xmlns:a16="http://schemas.microsoft.com/office/drawing/2014/main" id="{F3320BC0-E1B0-42D7-8D94-DDC758D6E604}"/>
               </a:ext>
             </a:extLst>
           </p:cNvPr>
           <p:cNvCxnSpPr>
             <a:cxnSpLocks/>
-            <a:stCxn id="19" idx="1"/>
-            <a:endCxn id="20" idx="3"/>
           </p:cNvCxnSpPr>
           <p:nvPr/>
         </p:nvCxnSpPr>
         <p:spPr>
-          <a:xfrm rot="10800000">
-            <a:off x="3210567" y="1515521"/>
-            <a:ext cx="2655623" cy="1"/>
-          </a:xfrm>
-          <a:prstGeom prst="bentConnector3">
-            <a:avLst>
-              <a:gd name="adj1" fmla="val 50000"/>
-            </a:avLst>
+          <a:xfrm flipV="1">
+            <a:off x="2898034" y="2294873"/>
+            <a:ext cx="738619" cy="554894"/>
+          </a:xfrm>
+          <a:prstGeom prst="straightConnector1">
+            <a:avLst/>
           </a:prstGeom>
-          <a:ln>
-            <a:solidFill>
-              <a:schemeClr val="tx1"/>
-            </a:solidFill>
-            <a:headEnd type="none" w="lg" len="med"/>
+          <a:ln w="38100">
             <a:tailEnd type="triangle"/>
           </a:ln>
         </p:spPr>
@@ -3855,35 +4814,28 @@
       </p:cxnSp>
       <p:cxnSp>
         <p:nvCxnSpPr>
-          <p:cNvPr id="56" name="Elbow Connector 55">
-            <a:extLst>
-              <a:ext uri="{FF2B5EF4-FFF2-40B4-BE49-F238E27FC236}">
-                <a16:creationId xmlns:a16="http://schemas.microsoft.com/office/drawing/2014/main" id="{78779183-9F8F-344E-AAEB-97EA0DA3526C}"/>
+          <p:cNvPr id="57" name="Straight Arrow Connector 56">
+            <a:extLst>
+              <a:ext uri="{FF2B5EF4-FFF2-40B4-BE49-F238E27FC236}">
+                <a16:creationId xmlns:a16="http://schemas.microsoft.com/office/drawing/2014/main" id="{C46DA56C-C55C-4997-8A59-9D1D2F1C7F3A}"/>
               </a:ext>
             </a:extLst>
           </p:cNvPr>
           <p:cNvCxnSpPr>
             <a:cxnSpLocks/>
-            <a:stCxn id="17" idx="0"/>
-            <a:endCxn id="43" idx="2"/>
+            <a:endCxn id="1026" idx="1"/>
           </p:cNvCxnSpPr>
           <p:nvPr/>
         </p:nvCxnSpPr>
         <p:spPr>
-          <a:xfrm rot="5400000" flipH="1" flipV="1">
-            <a:off x="2821409" y="2976131"/>
-            <a:ext cx="323186" cy="0"/>
-          </a:xfrm>
-          <a:prstGeom prst="bentConnector3">
-            <a:avLst>
-              <a:gd name="adj1" fmla="val 50000"/>
-            </a:avLst>
+          <a:xfrm>
+            <a:off x="2995796" y="4000992"/>
+            <a:ext cx="730089" cy="244687"/>
+          </a:xfrm>
+          <a:prstGeom prst="straightConnector1">
+            <a:avLst/>
           </a:prstGeom>
-          <a:ln>
-            <a:solidFill>
-              <a:schemeClr val="tx1"/>
-            </a:solidFill>
-            <a:headEnd type="none" w="lg" len="med"/>
+          <a:ln w="38100">
             <a:tailEnd type="triangle"/>
           </a:ln>
         </p:spPr>
@@ -3904,241 +4856,27 @@
       </p:cxnSp>
       <p:cxnSp>
         <p:nvCxnSpPr>
-          <p:cNvPr id="62" name="Elbow Connector 61">
-            <a:extLst>
-              <a:ext uri="{FF2B5EF4-FFF2-40B4-BE49-F238E27FC236}">
-                <a16:creationId xmlns:a16="http://schemas.microsoft.com/office/drawing/2014/main" id="{182C5E5D-D55A-744D-92A6-D602652FD73A}"/>
+          <p:cNvPr id="61" name="Straight Arrow Connector 60">
+            <a:extLst>
+              <a:ext uri="{FF2B5EF4-FFF2-40B4-BE49-F238E27FC236}">
+                <a16:creationId xmlns:a16="http://schemas.microsoft.com/office/drawing/2014/main" id="{5BE7799C-C03E-471A-BC7D-5E7244D75261}"/>
               </a:ext>
             </a:extLst>
           </p:cNvPr>
           <p:cNvCxnSpPr>
             <a:cxnSpLocks/>
-            <a:stCxn id="122" idx="3"/>
-            <a:endCxn id="17" idx="1"/>
           </p:cNvCxnSpPr>
           <p:nvPr/>
         </p:nvCxnSpPr>
         <p:spPr>
           <a:xfrm>
-            <a:off x="1485179" y="3360149"/>
-            <a:ext cx="1262698" cy="0"/>
-          </a:xfrm>
-          <a:prstGeom prst="bentConnector3">
-            <a:avLst>
-              <a:gd name="adj1" fmla="val 50000"/>
-            </a:avLst>
-          </a:prstGeom>
-          <a:ln>
-            <a:solidFill>
-              <a:schemeClr val="tx1"/>
-            </a:solidFill>
-            <a:headEnd type="none" w="lg" len="med"/>
-            <a:tailEnd type="triangle"/>
-          </a:ln>
-        </p:spPr>
-        <p:style>
-          <a:lnRef idx="1">
-            <a:schemeClr val="accent1"/>
-          </a:lnRef>
-          <a:fillRef idx="0">
-            <a:schemeClr val="accent1"/>
-          </a:fillRef>
-          <a:effectRef idx="0">
-            <a:schemeClr val="accent1"/>
-          </a:effectRef>
-          <a:fontRef idx="minor">
-            <a:schemeClr val="tx1"/>
-          </a:fontRef>
-        </p:style>
-      </p:cxnSp>
-      <p:pic>
-        <p:nvPicPr>
-          <p:cNvPr id="68" name="Graphic 67" descr="Premium Storage ALT">
-            <a:extLst>
-              <a:ext uri="{FF2B5EF4-FFF2-40B4-BE49-F238E27FC236}">
-                <a16:creationId xmlns:a16="http://schemas.microsoft.com/office/drawing/2014/main" id="{704FEA3D-9D05-2C44-A657-D71039558333}"/>
-              </a:ext>
-            </a:extLst>
-          </p:cNvPr>
-          <p:cNvPicPr>
-            <a:picLocks noChangeAspect="1"/>
-          </p:cNvPicPr>
-          <p:nvPr/>
-        </p:nvPicPr>
-        <p:blipFill>
-          <a:blip r:embed="rId12">
-            <a:extLst>
-              <a:ext uri="{28A0092B-C50C-407E-A947-70E740481C1C}">
-                <a14:useLocalDpi xmlns:a14="http://schemas.microsoft.com/office/drawing/2010/main" val="0"/>
-              </a:ext>
-              <a:ext uri="{96DAC541-7B7A-43D3-8B79-37D633B846F1}">
-                <asvg:svgBlip xmlns:asvg="http://schemas.microsoft.com/office/drawing/2016/SVG/main" r:embed="rId13"/>
-              </a:ext>
-            </a:extLst>
-          </a:blip>
-          <a:stretch>
-            <a:fillRect/>
-          </a:stretch>
-        </p:blipFill>
-        <p:spPr>
-          <a:xfrm>
-            <a:off x="5868260" y="3131374"/>
-            <a:ext cx="457550" cy="457550"/>
-          </a:xfrm>
-          <a:prstGeom prst="rect">
+            <a:off x="4783893" y="2100731"/>
+            <a:ext cx="887065" cy="0"/>
+          </a:xfrm>
+          <a:prstGeom prst="straightConnector1">
             <a:avLst/>
           </a:prstGeom>
-        </p:spPr>
-      </p:pic>
-      <p:cxnSp>
-        <p:nvCxnSpPr>
-          <p:cNvPr id="69" name="Elbow Connector 68">
-            <a:extLst>
-              <a:ext uri="{FF2B5EF4-FFF2-40B4-BE49-F238E27FC236}">
-                <a16:creationId xmlns:a16="http://schemas.microsoft.com/office/drawing/2014/main" id="{9B55D8AC-6510-5C47-9F21-389A259EE3F0}"/>
-              </a:ext>
-            </a:extLst>
-          </p:cNvPr>
-          <p:cNvCxnSpPr>
-            <a:cxnSpLocks/>
-            <a:stCxn id="19" idx="3"/>
-            <a:endCxn id="41" idx="1"/>
-          </p:cNvCxnSpPr>
-          <p:nvPr/>
-        </p:nvCxnSpPr>
-        <p:spPr>
-          <a:xfrm flipV="1">
-            <a:off x="6325810" y="1515520"/>
-            <a:ext cx="1376606" cy="1"/>
-          </a:xfrm>
-          <a:prstGeom prst="bentConnector3">
-            <a:avLst>
-              <a:gd name="adj1" fmla="val 50000"/>
-            </a:avLst>
-          </a:prstGeom>
-          <a:ln>
-            <a:solidFill>
-              <a:schemeClr val="tx1"/>
-            </a:solidFill>
-            <a:headEnd type="none" w="lg" len="med"/>
-            <a:tailEnd type="triangle"/>
-          </a:ln>
-        </p:spPr>
-        <p:style>
-          <a:lnRef idx="1">
-            <a:schemeClr val="accent1"/>
-          </a:lnRef>
-          <a:fillRef idx="0">
-            <a:schemeClr val="accent1"/>
-          </a:fillRef>
-          <a:effectRef idx="0">
-            <a:schemeClr val="accent1"/>
-          </a:effectRef>
-          <a:fontRef idx="minor">
-            <a:schemeClr val="tx1"/>
-          </a:fontRef>
-        </p:style>
-      </p:cxnSp>
-      <p:pic>
-        <p:nvPicPr>
-          <p:cNvPr id="72" name="Picture 71" descr="Data Sources">
-            <a:extLst>
-              <a:ext uri="{FF2B5EF4-FFF2-40B4-BE49-F238E27FC236}">
-                <a16:creationId xmlns:a16="http://schemas.microsoft.com/office/drawing/2014/main" id="{81ADBCB0-A5B3-7C4E-B5CE-26A1B2BB91D4}"/>
-              </a:ext>
-            </a:extLst>
-          </p:cNvPr>
-          <p:cNvPicPr>
-            <a:picLocks noChangeAspect="1"/>
-          </p:cNvPicPr>
-          <p:nvPr/>
-        </p:nvPicPr>
-        <p:blipFill>
-          <a:blip r:embed="rId14"/>
-          <a:stretch>
-            <a:fillRect/>
-          </a:stretch>
-        </p:blipFill>
-        <p:spPr>
-          <a:xfrm>
-            <a:off x="7559746" y="582877"/>
-            <a:ext cx="352923" cy="467991"/>
-          </a:xfrm>
-          <a:prstGeom prst="rect">
-            <a:avLst/>
-          </a:prstGeom>
-        </p:spPr>
-      </p:pic>
-      <p:pic>
-        <p:nvPicPr>
-          <p:cNvPr id="73" name="Graphic 72" descr="Web Apps">
-            <a:extLst>
-              <a:ext uri="{FF2B5EF4-FFF2-40B4-BE49-F238E27FC236}">
-                <a16:creationId xmlns:a16="http://schemas.microsoft.com/office/drawing/2014/main" id="{8A9A0A59-F4CD-6342-9877-385B965038AF}"/>
-              </a:ext>
-            </a:extLst>
-          </p:cNvPr>
-          <p:cNvPicPr>
-            <a:picLocks noChangeAspect="1"/>
-          </p:cNvPicPr>
-          <p:nvPr/>
-        </p:nvPicPr>
-        <p:blipFill>
-          <a:blip r:embed="rId15">
-            <a:extLst>
-              <a:ext uri="{28A0092B-C50C-407E-A947-70E740481C1C}">
-                <a14:useLocalDpi xmlns:a14="http://schemas.microsoft.com/office/drawing/2010/main" val="0"/>
-              </a:ext>
-              <a:ext uri="{96DAC541-7B7A-43D3-8B79-37D633B846F1}">
-                <asvg:svgBlip xmlns:asvg="http://schemas.microsoft.com/office/drawing/2016/SVG/main" r:embed="rId16"/>
-              </a:ext>
-            </a:extLst>
-          </a:blip>
-          <a:stretch>
-            <a:fillRect/>
-          </a:stretch>
-        </p:blipFill>
-        <p:spPr>
-          <a:xfrm>
-            <a:off x="9787424" y="1286745"/>
-            <a:ext cx="457550" cy="457550"/>
-          </a:xfrm>
-          <a:prstGeom prst="rect">
-            <a:avLst/>
-          </a:prstGeom>
-        </p:spPr>
-      </p:pic>
-      <p:cxnSp>
-        <p:nvCxnSpPr>
-          <p:cNvPr id="74" name="Elbow Connector 73">
-            <a:extLst>
-              <a:ext uri="{FF2B5EF4-FFF2-40B4-BE49-F238E27FC236}">
-                <a16:creationId xmlns:a16="http://schemas.microsoft.com/office/drawing/2014/main" id="{7245BCDB-A9F6-5840-BAB8-993B54C5C3B1}"/>
-              </a:ext>
-            </a:extLst>
-          </p:cNvPr>
-          <p:cNvCxnSpPr>
-            <a:cxnSpLocks/>
-            <a:stCxn id="73" idx="1"/>
-            <a:endCxn id="41" idx="3"/>
-          </p:cNvCxnSpPr>
-          <p:nvPr/>
-        </p:nvCxnSpPr>
-        <p:spPr>
-          <a:xfrm rot="10800000">
-            <a:off x="8159966" y="1528220"/>
-            <a:ext cx="1627458" cy="0"/>
-          </a:xfrm>
-          <a:prstGeom prst="bentConnector3">
-            <a:avLst>
-              <a:gd name="adj1" fmla="val 50000"/>
-            </a:avLst>
-          </a:prstGeom>
-          <a:ln>
-            <a:solidFill>
-              <a:schemeClr val="tx1"/>
-            </a:solidFill>
-            <a:headEnd type="none" w="lg" len="med"/>
+          <a:ln w="38100">
             <a:tailEnd type="triangle"/>
           </a:ln>
         </p:spPr>
@@ -4159,33 +4897,28 @@
       </p:cxnSp>
       <p:cxnSp>
         <p:nvCxnSpPr>
-          <p:cNvPr id="77" name="Elbow Connector 76">
-            <a:extLst>
-              <a:ext uri="{FF2B5EF4-FFF2-40B4-BE49-F238E27FC236}">
-                <a16:creationId xmlns:a16="http://schemas.microsoft.com/office/drawing/2014/main" id="{739BFB45-4A96-5840-A2F4-E426147D2528}"/>
+          <p:cNvPr id="64" name="Straight Arrow Connector 63">
+            <a:extLst>
+              <a:ext uri="{FF2B5EF4-FFF2-40B4-BE49-F238E27FC236}">
+                <a16:creationId xmlns:a16="http://schemas.microsoft.com/office/drawing/2014/main" id="{AC9C59FA-48AB-4DD1-9107-522956FC5ADC}"/>
               </a:ext>
             </a:extLst>
           </p:cNvPr>
           <p:cNvCxnSpPr>
             <a:cxnSpLocks/>
-            <a:stCxn id="73" idx="0"/>
-            <a:endCxn id="72" idx="3"/>
+            <a:endCxn id="11" idx="1"/>
           </p:cNvCxnSpPr>
           <p:nvPr/>
         </p:nvCxnSpPr>
         <p:spPr>
-          <a:xfrm rot="16200000" flipV="1">
-            <a:off x="8729498" y="44"/>
-            <a:ext cx="469872" cy="2103530"/>
-          </a:xfrm>
-          <a:prstGeom prst="bentConnector2">
+          <a:xfrm flipV="1">
+            <a:off x="7496304" y="1976987"/>
+            <a:ext cx="922493" cy="12970"/>
+          </a:xfrm>
+          <a:prstGeom prst="straightConnector1">
             <a:avLst/>
           </a:prstGeom>
-          <a:ln>
-            <a:solidFill>
-              <a:schemeClr val="tx1"/>
-            </a:solidFill>
-            <a:headEnd type="none" w="lg" len="med"/>
+          <a:ln w="38100">
             <a:tailEnd type="triangle"/>
           </a:ln>
         </p:spPr>
@@ -4206,35 +4939,1487 @@
       </p:cxnSp>
       <p:cxnSp>
         <p:nvCxnSpPr>
-          <p:cNvPr id="81" name="Elbow Connector 80">
-            <a:extLst>
-              <a:ext uri="{FF2B5EF4-FFF2-40B4-BE49-F238E27FC236}">
-                <a16:creationId xmlns:a16="http://schemas.microsoft.com/office/drawing/2014/main" id="{173EC39B-8AEC-C043-A79A-67602F251168}"/>
+          <p:cNvPr id="69" name="Straight Arrow Connector 68">
+            <a:extLst>
+              <a:ext uri="{FF2B5EF4-FFF2-40B4-BE49-F238E27FC236}">
+                <a16:creationId xmlns:a16="http://schemas.microsoft.com/office/drawing/2014/main" id="{AA603932-7FC8-4130-BF6A-67E6092C9759}"/>
               </a:ext>
             </a:extLst>
           </p:cNvPr>
           <p:cNvCxnSpPr>
             <a:cxnSpLocks/>
-            <a:stCxn id="150" idx="2"/>
-            <a:endCxn id="149" idx="2"/>
           </p:cNvCxnSpPr>
           <p:nvPr/>
         </p:nvCxnSpPr>
         <p:spPr>
-          <a:xfrm rot="16200000" flipH="1">
-            <a:off x="8056484" y="-98080"/>
-            <a:ext cx="12700" cy="3919429"/>
-          </a:xfrm>
-          <a:prstGeom prst="bentConnector3">
-            <a:avLst>
-              <a:gd name="adj1" fmla="val 1800000"/>
-            </a:avLst>
+          <a:xfrm>
+            <a:off x="5058561" y="4143023"/>
+            <a:ext cx="1430525" cy="4550"/>
+          </a:xfrm>
+          <a:prstGeom prst="straightConnector1">
+            <a:avLst/>
           </a:prstGeom>
-          <a:ln>
-            <a:solidFill>
-              <a:schemeClr val="tx1"/>
-            </a:solidFill>
-            <a:headEnd type="none" w="lg" len="med"/>
+          <a:ln w="38100">
+            <a:tailEnd type="triangle"/>
+          </a:ln>
+        </p:spPr>
+        <p:style>
+          <a:lnRef idx="1">
+            <a:schemeClr val="accent1"/>
+          </a:lnRef>
+          <a:fillRef idx="0">
+            <a:schemeClr val="accent1"/>
+          </a:fillRef>
+          <a:effectRef idx="0">
+            <a:schemeClr val="accent1"/>
+          </a:effectRef>
+          <a:fontRef idx="minor">
+            <a:schemeClr val="tx1"/>
+          </a:fontRef>
+        </p:style>
+      </p:cxnSp>
+      <p:sp>
+        <p:nvSpPr>
+          <p:cNvPr id="84" name="TextBox 83">
+            <a:extLst>
+              <a:ext uri="{FF2B5EF4-FFF2-40B4-BE49-F238E27FC236}">
+                <a16:creationId xmlns:a16="http://schemas.microsoft.com/office/drawing/2014/main" id="{B146BB65-6832-4ED8-B819-F5E6AD5F9162}"/>
+              </a:ext>
+            </a:extLst>
+          </p:cNvPr>
+          <p:cNvSpPr txBox="1"/>
+          <p:nvPr/>
+        </p:nvSpPr>
+        <p:spPr>
+          <a:xfrm>
+            <a:off x="3177040" y="6415806"/>
+            <a:ext cx="919226" cy="276999"/>
+          </a:xfrm>
+          <a:prstGeom prst="rect">
+            <a:avLst/>
+          </a:prstGeom>
+          <a:noFill/>
+        </p:spPr>
+        <p:txBody>
+          <a:bodyPr wrap="none" rtlCol="0">
+            <a:spAutoFit/>
+          </a:bodyPr>
+          <a:lstStyle/>
+          <a:p>
+            <a:r>
+              <a:rPr lang="en-US" sz="1200" dirty="0"/>
+              <a:t>Private </a:t>
+            </a:r>
+            <a:r>
+              <a:rPr lang="en-US" sz="1200" dirty="0" err="1"/>
+              <a:t>PyPi</a:t>
+            </a:r>
+            <a:endParaRPr lang="en-US" sz="1200" dirty="0"/>
+          </a:p>
+        </p:txBody>
+      </p:sp>
+      <p:sp>
+        <p:nvSpPr>
+          <p:cNvPr id="85" name="TextBox 84">
+            <a:extLst>
+              <a:ext uri="{FF2B5EF4-FFF2-40B4-BE49-F238E27FC236}">
+                <a16:creationId xmlns:a16="http://schemas.microsoft.com/office/drawing/2014/main" id="{014B9ECC-789D-4AB7-8570-4D9CFD96B74D}"/>
+              </a:ext>
+            </a:extLst>
+          </p:cNvPr>
+          <p:cNvSpPr txBox="1"/>
+          <p:nvPr/>
+        </p:nvSpPr>
+        <p:spPr>
+          <a:xfrm>
+            <a:off x="4617353" y="6415806"/>
+            <a:ext cx="1095621" cy="276999"/>
+          </a:xfrm>
+          <a:prstGeom prst="rect">
+            <a:avLst/>
+          </a:prstGeom>
+          <a:noFill/>
+        </p:spPr>
+        <p:txBody>
+          <a:bodyPr wrap="none" rtlCol="0">
+            <a:spAutoFit/>
+          </a:bodyPr>
+          <a:lstStyle/>
+          <a:p>
+            <a:r>
+              <a:rPr lang="en-US" sz="1200" dirty="0"/>
+              <a:t>Azure Dev Ops</a:t>
+            </a:r>
+          </a:p>
+        </p:txBody>
+      </p:sp>
+      <p:sp>
+        <p:nvSpPr>
+          <p:cNvPr id="86" name="TextBox 85">
+            <a:extLst>
+              <a:ext uri="{FF2B5EF4-FFF2-40B4-BE49-F238E27FC236}">
+                <a16:creationId xmlns:a16="http://schemas.microsoft.com/office/drawing/2014/main" id="{3269465B-6AC1-424A-B937-40267424CBD5}"/>
+              </a:ext>
+            </a:extLst>
+          </p:cNvPr>
+          <p:cNvSpPr txBox="1"/>
+          <p:nvPr/>
+        </p:nvSpPr>
+        <p:spPr>
+          <a:xfrm>
+            <a:off x="5844209" y="6434460"/>
+            <a:ext cx="1153777" cy="276999"/>
+          </a:xfrm>
+          <a:prstGeom prst="rect">
+            <a:avLst/>
+          </a:prstGeom>
+          <a:noFill/>
+        </p:spPr>
+        <p:txBody>
+          <a:bodyPr wrap="none" rtlCol="0">
+            <a:spAutoFit/>
+          </a:bodyPr>
+          <a:lstStyle/>
+          <a:p>
+            <a:r>
+              <a:rPr lang="en-US" sz="1200" dirty="0"/>
+              <a:t>Azure Key Vault</a:t>
+            </a:r>
+          </a:p>
+        </p:txBody>
+      </p:sp>
+      <p:sp>
+        <p:nvSpPr>
+          <p:cNvPr id="87" name="TextBox 86">
+            <a:extLst>
+              <a:ext uri="{FF2B5EF4-FFF2-40B4-BE49-F238E27FC236}">
+                <a16:creationId xmlns:a16="http://schemas.microsoft.com/office/drawing/2014/main" id="{B63AEA31-6C4F-434C-BBDD-CCE32937A71C}"/>
+              </a:ext>
+            </a:extLst>
+          </p:cNvPr>
+          <p:cNvSpPr txBox="1"/>
+          <p:nvPr/>
+        </p:nvSpPr>
+        <p:spPr>
+          <a:xfrm>
+            <a:off x="7304814" y="6415806"/>
+            <a:ext cx="1328697" cy="276999"/>
+          </a:xfrm>
+          <a:prstGeom prst="rect">
+            <a:avLst/>
+          </a:prstGeom>
+          <a:noFill/>
+        </p:spPr>
+        <p:txBody>
+          <a:bodyPr wrap="none" rtlCol="0">
+            <a:spAutoFit/>
+          </a:bodyPr>
+          <a:lstStyle/>
+          <a:p>
+            <a:r>
+              <a:rPr lang="en-US" sz="1200" dirty="0"/>
+              <a:t>Container Registry</a:t>
+            </a:r>
+          </a:p>
+        </p:txBody>
+      </p:sp>
+    </p:spTree>
+    <p:extLst>
+      <p:ext uri="{BB962C8B-B14F-4D97-AF65-F5344CB8AC3E}">
+        <p14:creationId xmlns:p14="http://schemas.microsoft.com/office/powerpoint/2010/main" val="1037447070"/>
+      </p:ext>
+    </p:extLst>
+  </p:cSld>
+  <p:clrMapOvr>
+    <a:masterClrMapping/>
+  </p:clrMapOvr>
+</p:sld>
+</file>
+
+<file path=ppt/slides/slide4.xml><?xml version="1.0" encoding="utf-8"?>
+<p:sld xmlns:a="http://schemas.openxmlformats.org/drawingml/2006/main" xmlns:r="http://schemas.openxmlformats.org/officeDocument/2006/relationships" xmlns:p="http://schemas.openxmlformats.org/presentationml/2006/main">
+  <p:cSld>
+    <p:spTree>
+      <p:nvGrpSpPr>
+        <p:cNvPr id="1" name=""/>
+        <p:cNvGrpSpPr/>
+        <p:nvPr/>
+      </p:nvGrpSpPr>
+      <p:grpSpPr>
+        <a:xfrm>
+          <a:off x="0" y="0"/>
+          <a:ext cx="0" cy="0"/>
+          <a:chOff x="0" y="0"/>
+          <a:chExt cx="0" cy="0"/>
+        </a:xfrm>
+      </p:grpSpPr>
+      <p:pic>
+        <p:nvPicPr>
+          <p:cNvPr id="15" name="Graphic 14">
+            <a:extLst>
+              <a:ext uri="{FF2B5EF4-FFF2-40B4-BE49-F238E27FC236}">
+                <a16:creationId xmlns:a16="http://schemas.microsoft.com/office/drawing/2014/main" id="{C14F0369-60E1-431E-84FF-EB0DA8D5214A}"/>
+              </a:ext>
+            </a:extLst>
+          </p:cNvPr>
+          <p:cNvPicPr>
+            <a:picLocks noChangeAspect="1"/>
+          </p:cNvPicPr>
+          <p:nvPr/>
+        </p:nvPicPr>
+        <p:blipFill>
+          <a:blip r:embed="rId2">
+            <a:extLst>
+              <a:ext uri="{28A0092B-C50C-407E-A947-70E740481C1C}">
+                <a14:useLocalDpi xmlns:a14="http://schemas.microsoft.com/office/drawing/2010/main" val="0"/>
+              </a:ext>
+              <a:ext uri="{96DAC541-7B7A-43D3-8B79-37D633B846F1}">
+                <asvg:svgBlip xmlns:asvg="http://schemas.microsoft.com/office/drawing/2016/SVG/main" r:embed="rId3"/>
+              </a:ext>
+            </a:extLst>
+          </a:blip>
+          <a:stretch>
+            <a:fillRect/>
+          </a:stretch>
+        </p:blipFill>
+        <p:spPr>
+          <a:xfrm>
+            <a:off x="6369234" y="1963957"/>
+            <a:ext cx="901959" cy="901959"/>
+          </a:xfrm>
+          <a:prstGeom prst="rect">
+            <a:avLst/>
+          </a:prstGeom>
+        </p:spPr>
+      </p:pic>
+      <p:sp>
+        <p:nvSpPr>
+          <p:cNvPr id="2" name="Title 1">
+            <a:extLst>
+              <a:ext uri="{FF2B5EF4-FFF2-40B4-BE49-F238E27FC236}">
+                <a16:creationId xmlns:a16="http://schemas.microsoft.com/office/drawing/2014/main" id="{7E77E8BC-AE80-48DA-A8A1-CA336E4A9708}"/>
+              </a:ext>
+            </a:extLst>
+          </p:cNvPr>
+          <p:cNvSpPr>
+            <a:spLocks noGrp="1"/>
+          </p:cNvSpPr>
+          <p:nvPr>
+            <p:ph type="title"/>
+          </p:nvPr>
+        </p:nvSpPr>
+        <p:spPr/>
+        <p:txBody>
+          <a:bodyPr/>
+          <a:lstStyle/>
+          <a:p>
+            <a:r>
+              <a:rPr lang="en-US" dirty="0"/>
+              <a:t>Better Architecture</a:t>
+            </a:r>
+          </a:p>
+        </p:txBody>
+      </p:sp>
+      <p:pic>
+        <p:nvPicPr>
+          <p:cNvPr id="11" name="Graphic 10">
+            <a:extLst>
+              <a:ext uri="{FF2B5EF4-FFF2-40B4-BE49-F238E27FC236}">
+                <a16:creationId xmlns:a16="http://schemas.microsoft.com/office/drawing/2014/main" id="{369DE269-49F4-4C5D-873C-85B05A7535D6}"/>
+              </a:ext>
+            </a:extLst>
+          </p:cNvPr>
+          <p:cNvPicPr>
+            <a:picLocks noChangeAspect="1"/>
+          </p:cNvPicPr>
+          <p:nvPr/>
+        </p:nvPicPr>
+        <p:blipFill>
+          <a:blip r:embed="rId4">
+            <a:extLst>
+              <a:ext uri="{28A0092B-C50C-407E-A947-70E740481C1C}">
+                <a14:useLocalDpi xmlns:a14="http://schemas.microsoft.com/office/drawing/2010/main" val="0"/>
+              </a:ext>
+              <a:ext uri="{96DAC541-7B7A-43D3-8B79-37D633B846F1}">
+                <asvg:svgBlip xmlns:asvg="http://schemas.microsoft.com/office/drawing/2016/SVG/main" r:embed="rId5"/>
+              </a:ext>
+            </a:extLst>
+          </a:blip>
+          <a:stretch>
+            <a:fillRect/>
+          </a:stretch>
+        </p:blipFill>
+        <p:spPr>
+          <a:xfrm>
+            <a:off x="8888188" y="1928540"/>
+            <a:ext cx="821748" cy="884827"/>
+          </a:xfrm>
+          <a:prstGeom prst="rect">
+            <a:avLst/>
+          </a:prstGeom>
+        </p:spPr>
+      </p:pic>
+      <p:pic>
+        <p:nvPicPr>
+          <p:cNvPr id="13" name="Graphic 12">
+            <a:extLst>
+              <a:ext uri="{FF2B5EF4-FFF2-40B4-BE49-F238E27FC236}">
+                <a16:creationId xmlns:a16="http://schemas.microsoft.com/office/drawing/2014/main" id="{1E45D26F-5AC2-4EA1-BCCF-61A673B1ABC0}"/>
+              </a:ext>
+            </a:extLst>
+          </p:cNvPr>
+          <p:cNvPicPr>
+            <a:picLocks noChangeAspect="1"/>
+          </p:cNvPicPr>
+          <p:nvPr/>
+        </p:nvPicPr>
+        <p:blipFill>
+          <a:blip r:embed="rId6">
+            <a:extLst>
+              <a:ext uri="{28A0092B-C50C-407E-A947-70E740481C1C}">
+                <a14:useLocalDpi xmlns:a14="http://schemas.microsoft.com/office/drawing/2010/main" val="0"/>
+              </a:ext>
+              <a:ext uri="{96DAC541-7B7A-43D3-8B79-37D633B846F1}">
+                <asvg:svgBlip xmlns:asvg="http://schemas.microsoft.com/office/drawing/2016/SVG/main" r:embed="rId7"/>
+              </a:ext>
+            </a:extLst>
+          </a:blip>
+          <a:stretch>
+            <a:fillRect/>
+          </a:stretch>
+        </p:blipFill>
+        <p:spPr>
+          <a:xfrm>
+            <a:off x="6993317" y="2071955"/>
+            <a:ext cx="780888" cy="813425"/>
+          </a:xfrm>
+          <a:prstGeom prst="rect">
+            <a:avLst/>
+          </a:prstGeom>
+        </p:spPr>
+      </p:pic>
+      <p:pic>
+        <p:nvPicPr>
+          <p:cNvPr id="21" name="Graphic 20">
+            <a:extLst>
+              <a:ext uri="{FF2B5EF4-FFF2-40B4-BE49-F238E27FC236}">
+                <a16:creationId xmlns:a16="http://schemas.microsoft.com/office/drawing/2014/main" id="{4540547A-3348-4E80-9113-908ED5FD2E8B}"/>
+              </a:ext>
+            </a:extLst>
+          </p:cNvPr>
+          <p:cNvPicPr>
+            <a:picLocks noChangeAspect="1"/>
+          </p:cNvPicPr>
+          <p:nvPr/>
+        </p:nvPicPr>
+        <p:blipFill>
+          <a:blip r:embed="rId8">
+            <a:extLst>
+              <a:ext uri="{28A0092B-C50C-407E-A947-70E740481C1C}">
+                <a14:useLocalDpi xmlns:a14="http://schemas.microsoft.com/office/drawing/2010/main" val="0"/>
+              </a:ext>
+              <a:ext uri="{96DAC541-7B7A-43D3-8B79-37D633B846F1}">
+                <asvg:svgBlip xmlns:asvg="http://schemas.microsoft.com/office/drawing/2016/SVG/main" r:embed="rId9"/>
+              </a:ext>
+            </a:extLst>
+          </a:blip>
+          <a:stretch>
+            <a:fillRect/>
+          </a:stretch>
+        </p:blipFill>
+        <p:spPr>
+          <a:xfrm>
+            <a:off x="230582" y="3001633"/>
+            <a:ext cx="854733" cy="854733"/>
+          </a:xfrm>
+          <a:prstGeom prst="rect">
+            <a:avLst/>
+          </a:prstGeom>
+        </p:spPr>
+      </p:pic>
+      <p:pic>
+        <p:nvPicPr>
+          <p:cNvPr id="23" name="Graphic 22">
+            <a:extLst>
+              <a:ext uri="{FF2B5EF4-FFF2-40B4-BE49-F238E27FC236}">
+                <a16:creationId xmlns:a16="http://schemas.microsoft.com/office/drawing/2014/main" id="{4F5E2A77-96DF-4DAF-AC69-4A1AF1F5FD44}"/>
+              </a:ext>
+            </a:extLst>
+          </p:cNvPr>
+          <p:cNvPicPr>
+            <a:picLocks noChangeAspect="1"/>
+          </p:cNvPicPr>
+          <p:nvPr/>
+        </p:nvPicPr>
+        <p:blipFill>
+          <a:blip r:embed="rId10">
+            <a:extLst>
+              <a:ext uri="{28A0092B-C50C-407E-A947-70E740481C1C}">
+                <a14:useLocalDpi xmlns:a14="http://schemas.microsoft.com/office/drawing/2010/main" val="0"/>
+              </a:ext>
+              <a:ext uri="{96DAC541-7B7A-43D3-8B79-37D633B846F1}">
+                <asvg:svgBlip xmlns:asvg="http://schemas.microsoft.com/office/drawing/2016/SVG/main" r:embed="rId11"/>
+              </a:ext>
+            </a:extLst>
+          </a:blip>
+          <a:stretch>
+            <a:fillRect/>
+          </a:stretch>
+        </p:blipFill>
+        <p:spPr>
+          <a:xfrm>
+            <a:off x="7308640" y="5444341"/>
+            <a:ext cx="1186332" cy="1186332"/>
+          </a:xfrm>
+          <a:prstGeom prst="rect">
+            <a:avLst/>
+          </a:prstGeom>
+        </p:spPr>
+      </p:pic>
+      <p:grpSp>
+        <p:nvGrpSpPr>
+          <p:cNvPr id="34" name="Group 33">
+            <a:extLst>
+              <a:ext uri="{FF2B5EF4-FFF2-40B4-BE49-F238E27FC236}">
+                <a16:creationId xmlns:a16="http://schemas.microsoft.com/office/drawing/2014/main" id="{B9EE0D78-A48F-4D6E-9779-7AD9C749F77D}"/>
+              </a:ext>
+            </a:extLst>
+          </p:cNvPr>
+          <p:cNvGrpSpPr/>
+          <p:nvPr/>
+        </p:nvGrpSpPr>
+        <p:grpSpPr>
+          <a:xfrm>
+            <a:off x="4481936" y="5495631"/>
+            <a:ext cx="976603" cy="976603"/>
+            <a:chOff x="3964732" y="5671668"/>
+            <a:chExt cx="976603" cy="976603"/>
+          </a:xfrm>
+        </p:grpSpPr>
+        <p:pic>
+          <p:nvPicPr>
+            <p:cNvPr id="31" name="Graphic 30">
+              <a:extLst>
+                <a:ext uri="{FF2B5EF4-FFF2-40B4-BE49-F238E27FC236}">
+                  <a16:creationId xmlns:a16="http://schemas.microsoft.com/office/drawing/2014/main" id="{26A0E677-5FB4-4ED0-8C5E-290D6616ABD4}"/>
+                </a:ext>
+              </a:extLst>
+            </p:cNvPr>
+            <p:cNvPicPr>
+              <a:picLocks noChangeAspect="1"/>
+            </p:cNvPicPr>
+            <p:nvPr/>
+          </p:nvPicPr>
+          <p:blipFill>
+            <a:blip r:embed="rId12">
+              <a:extLst>
+                <a:ext uri="{28A0092B-C50C-407E-A947-70E740481C1C}">
+                  <a14:useLocalDpi xmlns:a14="http://schemas.microsoft.com/office/drawing/2010/main" val="0"/>
+                </a:ext>
+                <a:ext uri="{96DAC541-7B7A-43D3-8B79-37D633B846F1}">
+                  <asvg:svgBlip xmlns:asvg="http://schemas.microsoft.com/office/drawing/2016/SVG/main" r:embed="rId13"/>
+                </a:ext>
+              </a:extLst>
+            </a:blip>
+            <a:stretch>
+              <a:fillRect/>
+            </a:stretch>
+          </p:blipFill>
+          <p:spPr>
+            <a:xfrm>
+              <a:off x="3964732" y="5671668"/>
+              <a:ext cx="976603" cy="976603"/>
+            </a:xfrm>
+            <a:prstGeom prst="rect">
+              <a:avLst/>
+            </a:prstGeom>
+          </p:spPr>
+        </p:pic>
+        <p:pic>
+          <p:nvPicPr>
+            <p:cNvPr id="33" name="Graphic 32">
+              <a:extLst>
+                <a:ext uri="{FF2B5EF4-FFF2-40B4-BE49-F238E27FC236}">
+                  <a16:creationId xmlns:a16="http://schemas.microsoft.com/office/drawing/2014/main" id="{90A32CE0-B45E-417D-B5B0-95140D6476C4}"/>
+                </a:ext>
+              </a:extLst>
+            </p:cNvPr>
+            <p:cNvPicPr>
+              <a:picLocks noChangeAspect="1"/>
+            </p:cNvPicPr>
+            <p:nvPr/>
+          </p:nvPicPr>
+          <p:blipFill>
+            <a:blip r:embed="rId14">
+              <a:extLst>
+                <a:ext uri="{28A0092B-C50C-407E-A947-70E740481C1C}">
+                  <a14:useLocalDpi xmlns:a14="http://schemas.microsoft.com/office/drawing/2010/main" val="0"/>
+                </a:ext>
+                <a:ext uri="{96DAC541-7B7A-43D3-8B79-37D633B846F1}">
+                  <asvg:svgBlip xmlns:asvg="http://schemas.microsoft.com/office/drawing/2016/SVG/main" r:embed="rId15"/>
+                </a:ext>
+              </a:extLst>
+            </a:blip>
+            <a:stretch>
+              <a:fillRect/>
+            </a:stretch>
+          </p:blipFill>
+          <p:spPr>
+            <a:xfrm>
+              <a:off x="4261602" y="5943599"/>
+              <a:ext cx="419879" cy="419879"/>
+            </a:xfrm>
+            <a:prstGeom prst="rect">
+              <a:avLst/>
+            </a:prstGeom>
+          </p:spPr>
+        </p:pic>
+      </p:grpSp>
+      <p:pic>
+        <p:nvPicPr>
+          <p:cNvPr id="36" name="Graphic 35">
+            <a:extLst>
+              <a:ext uri="{FF2B5EF4-FFF2-40B4-BE49-F238E27FC236}">
+                <a16:creationId xmlns:a16="http://schemas.microsoft.com/office/drawing/2014/main" id="{AC1FE8B3-D392-4B39-93A5-CEC63157DD7C}"/>
+              </a:ext>
+            </a:extLst>
+          </p:cNvPr>
+          <p:cNvPicPr>
+            <a:picLocks noChangeAspect="1"/>
+          </p:cNvPicPr>
+          <p:nvPr/>
+        </p:nvPicPr>
+        <p:blipFill>
+          <a:blip r:embed="rId16">
+            <a:extLst>
+              <a:ext uri="{28A0092B-C50C-407E-A947-70E740481C1C}">
+                <a14:useLocalDpi xmlns:a14="http://schemas.microsoft.com/office/drawing/2010/main" val="0"/>
+              </a:ext>
+              <a:ext uri="{96DAC541-7B7A-43D3-8B79-37D633B846F1}">
+                <asvg:svgBlip xmlns:asvg="http://schemas.microsoft.com/office/drawing/2016/SVG/main" r:embed="rId17"/>
+              </a:ext>
+            </a:extLst>
+          </a:blip>
+          <a:stretch>
+            <a:fillRect/>
+          </a:stretch>
+        </p:blipFill>
+        <p:spPr>
+          <a:xfrm>
+            <a:off x="3327994" y="5607412"/>
+            <a:ext cx="768271" cy="768271"/>
+          </a:xfrm>
+          <a:prstGeom prst="rect">
+            <a:avLst/>
+          </a:prstGeom>
+        </p:spPr>
+      </p:pic>
+      <p:pic>
+        <p:nvPicPr>
+          <p:cNvPr id="38" name="Graphic 37">
+            <a:extLst>
+              <a:ext uri="{FF2B5EF4-FFF2-40B4-BE49-F238E27FC236}">
+                <a16:creationId xmlns:a16="http://schemas.microsoft.com/office/drawing/2014/main" id="{C15E16EC-071C-42C0-8C0B-4E6C3EEF460B}"/>
+              </a:ext>
+            </a:extLst>
+          </p:cNvPr>
+          <p:cNvPicPr>
+            <a:picLocks noChangeAspect="1"/>
+          </p:cNvPicPr>
+          <p:nvPr/>
+        </p:nvPicPr>
+        <p:blipFill>
+          <a:blip r:embed="rId18">
+            <a:extLst>
+              <a:ext uri="{28A0092B-C50C-407E-A947-70E740481C1C}">
+                <a14:useLocalDpi xmlns:a14="http://schemas.microsoft.com/office/drawing/2010/main" val="0"/>
+              </a:ext>
+              <a:ext uri="{96DAC541-7B7A-43D3-8B79-37D633B846F1}">
+                <asvg:svgBlip xmlns:asvg="http://schemas.microsoft.com/office/drawing/2016/SVG/main" r:embed="rId19"/>
+              </a:ext>
+            </a:extLst>
+          </a:blip>
+          <a:stretch>
+            <a:fillRect/>
+          </a:stretch>
+        </p:blipFill>
+        <p:spPr>
+          <a:xfrm>
+            <a:off x="5961554" y="5629601"/>
+            <a:ext cx="742941" cy="742941"/>
+          </a:xfrm>
+          <a:prstGeom prst="rect">
+            <a:avLst/>
+          </a:prstGeom>
+        </p:spPr>
+      </p:pic>
+      <p:cxnSp>
+        <p:nvCxnSpPr>
+          <p:cNvPr id="40" name="Straight Connector 39">
+            <a:extLst>
+              <a:ext uri="{FF2B5EF4-FFF2-40B4-BE49-F238E27FC236}">
+                <a16:creationId xmlns:a16="http://schemas.microsoft.com/office/drawing/2014/main" id="{972AD970-87A0-4801-8401-AA671C3D2AF3}"/>
+              </a:ext>
+            </a:extLst>
+          </p:cNvPr>
+          <p:cNvCxnSpPr>
+            <a:cxnSpLocks/>
+          </p:cNvCxnSpPr>
+          <p:nvPr/>
+        </p:nvCxnSpPr>
+        <p:spPr>
+          <a:xfrm>
+            <a:off x="385894" y="5125673"/>
+            <a:ext cx="11216080" cy="41638"/>
+          </a:xfrm>
+          <a:prstGeom prst="line">
+            <a:avLst/>
+          </a:prstGeom>
+          <a:ln w="28575">
+            <a:prstDash val="dash"/>
+          </a:ln>
+        </p:spPr>
+        <p:style>
+          <a:lnRef idx="3">
+            <a:schemeClr val="accent1"/>
+          </a:lnRef>
+          <a:fillRef idx="0">
+            <a:schemeClr val="accent1"/>
+          </a:fillRef>
+          <a:effectRef idx="2">
+            <a:schemeClr val="accent1"/>
+          </a:effectRef>
+          <a:fontRef idx="minor">
+            <a:schemeClr val="tx1"/>
+          </a:fontRef>
+        </p:style>
+      </p:cxnSp>
+      <p:sp>
+        <p:nvSpPr>
+          <p:cNvPr id="42" name="TextBox 41">
+            <a:extLst>
+              <a:ext uri="{FF2B5EF4-FFF2-40B4-BE49-F238E27FC236}">
+                <a16:creationId xmlns:a16="http://schemas.microsoft.com/office/drawing/2014/main" id="{C6DD8864-213F-4EB6-9FE8-21105890DAC8}"/>
+              </a:ext>
+            </a:extLst>
+          </p:cNvPr>
+          <p:cNvSpPr txBox="1"/>
+          <p:nvPr/>
+        </p:nvSpPr>
+        <p:spPr>
+          <a:xfrm>
+            <a:off x="94699" y="3827867"/>
+            <a:ext cx="1148391" cy="276999"/>
+          </a:xfrm>
+          <a:prstGeom prst="rect">
+            <a:avLst/>
+          </a:prstGeom>
+          <a:noFill/>
+        </p:spPr>
+        <p:txBody>
+          <a:bodyPr wrap="none" rtlCol="0">
+            <a:spAutoFit/>
+          </a:bodyPr>
+          <a:lstStyle/>
+          <a:p>
+            <a:pPr marL="0" marR="0" lvl="0" indent="0" algn="l" defTabSz="914400" rtl="0" eaLnBrk="1" fontAlgn="auto" latinLnBrk="0" hangingPunct="1">
+              <a:lnSpc>
+                <a:spcPct val="100000"/>
+              </a:lnSpc>
+              <a:spcBef>
+                <a:spcPts val="0"/>
+              </a:spcBef>
+              <a:spcAft>
+                <a:spcPts val="0"/>
+              </a:spcAft>
+              <a:buClrTx/>
+              <a:buSzTx/>
+              <a:buFontTx/>
+              <a:buNone/>
+              <a:tabLst/>
+              <a:defRPr/>
+            </a:pPr>
+            <a:r>
+              <a:rPr kumimoji="0" lang="en-US" sz="1200" b="0" i="0" u="none" strike="noStrike" kern="1200" cap="none" spc="0" normalizeH="0" baseline="0" noProof="0" dirty="0">
+                <a:ln>
+                  <a:noFill/>
+                </a:ln>
+                <a:solidFill>
+                  <a:prstClr val="black"/>
+                </a:solidFill>
+                <a:effectLst/>
+                <a:uLnTx/>
+                <a:uFillTx/>
+                <a:latin typeface="Calibri" panose="020F0502020204030204"/>
+                <a:ea typeface="+mn-ea"/>
+                <a:cs typeface="+mn-cs"/>
+              </a:rPr>
+              <a:t>Data Generator</a:t>
+            </a:r>
+          </a:p>
+        </p:txBody>
+      </p:sp>
+      <p:grpSp>
+        <p:nvGrpSpPr>
+          <p:cNvPr id="8" name="Group 7">
+            <a:extLst>
+              <a:ext uri="{FF2B5EF4-FFF2-40B4-BE49-F238E27FC236}">
+                <a16:creationId xmlns:a16="http://schemas.microsoft.com/office/drawing/2014/main" id="{F1A19B2B-18F4-4060-8082-AFA95FADEF84}"/>
+              </a:ext>
+            </a:extLst>
+          </p:cNvPr>
+          <p:cNvGrpSpPr/>
+          <p:nvPr/>
+        </p:nvGrpSpPr>
+        <p:grpSpPr>
+          <a:xfrm>
+            <a:off x="1592211" y="2954377"/>
+            <a:ext cx="976604" cy="1206876"/>
+            <a:chOff x="1751443" y="2940698"/>
+            <a:chExt cx="976604" cy="1206876"/>
+          </a:xfrm>
+        </p:grpSpPr>
+        <p:pic>
+          <p:nvPicPr>
+            <p:cNvPr id="19" name="Graphic 18">
+              <a:extLst>
+                <a:ext uri="{FF2B5EF4-FFF2-40B4-BE49-F238E27FC236}">
+                  <a16:creationId xmlns:a16="http://schemas.microsoft.com/office/drawing/2014/main" id="{481F909D-8501-4009-B11A-84255EE2496D}"/>
+                </a:ext>
+              </a:extLst>
+            </p:cNvPr>
+            <p:cNvPicPr>
+              <a:picLocks noChangeAspect="1"/>
+            </p:cNvPicPr>
+            <p:nvPr/>
+          </p:nvPicPr>
+          <p:blipFill>
+            <a:blip r:embed="rId20">
+              <a:extLst>
+                <a:ext uri="{28A0092B-C50C-407E-A947-70E740481C1C}">
+                  <a14:useLocalDpi xmlns:a14="http://schemas.microsoft.com/office/drawing/2010/main" val="0"/>
+                </a:ext>
+                <a:ext uri="{96DAC541-7B7A-43D3-8B79-37D633B846F1}">
+                  <asvg:svgBlip xmlns:asvg="http://schemas.microsoft.com/office/drawing/2016/SVG/main" r:embed="rId21"/>
+                </a:ext>
+              </a:extLst>
+            </a:blip>
+            <a:stretch>
+              <a:fillRect/>
+            </a:stretch>
+          </p:blipFill>
+          <p:spPr>
+            <a:xfrm>
+              <a:off x="1751443" y="2940698"/>
+              <a:ext cx="976604" cy="976604"/>
+            </a:xfrm>
+            <a:prstGeom prst="rect">
+              <a:avLst/>
+            </a:prstGeom>
+          </p:spPr>
+        </p:pic>
+        <p:sp>
+          <p:nvSpPr>
+            <p:cNvPr id="44" name="TextBox 43">
+              <a:extLst>
+                <a:ext uri="{FF2B5EF4-FFF2-40B4-BE49-F238E27FC236}">
+                  <a16:creationId xmlns:a16="http://schemas.microsoft.com/office/drawing/2014/main" id="{28937BE0-E49C-4C6D-9C77-382862520F94}"/>
+                </a:ext>
+              </a:extLst>
+            </p:cNvPr>
+            <p:cNvSpPr txBox="1"/>
+            <p:nvPr/>
+          </p:nvSpPr>
+          <p:spPr>
+            <a:xfrm>
+              <a:off x="1793930" y="3870575"/>
+              <a:ext cx="822597" cy="276999"/>
+            </a:xfrm>
+            <a:prstGeom prst="rect">
+              <a:avLst/>
+            </a:prstGeom>
+            <a:noFill/>
+          </p:spPr>
+          <p:txBody>
+            <a:bodyPr wrap="none" rtlCol="0">
+              <a:spAutoFit/>
+            </a:bodyPr>
+            <a:lstStyle/>
+            <a:p>
+              <a:pPr marL="0" marR="0" lvl="0" indent="0" algn="l" defTabSz="914400" rtl="0" eaLnBrk="1" fontAlgn="auto" latinLnBrk="0" hangingPunct="1">
+                <a:lnSpc>
+                  <a:spcPct val="100000"/>
+                </a:lnSpc>
+                <a:spcBef>
+                  <a:spcPts val="0"/>
+                </a:spcBef>
+                <a:spcAft>
+                  <a:spcPts val="0"/>
+                </a:spcAft>
+                <a:buClrTx/>
+                <a:buSzTx/>
+                <a:buFontTx/>
+                <a:buNone/>
+                <a:tabLst/>
+                <a:defRPr/>
+              </a:pPr>
+              <a:r>
+                <a:rPr kumimoji="0" lang="en-US" sz="1200" b="0" i="0" u="none" strike="noStrike" kern="1200" cap="none" spc="0" normalizeH="0" baseline="0" noProof="0" dirty="0">
+                  <a:ln>
+                    <a:noFill/>
+                  </a:ln>
+                  <a:solidFill>
+                    <a:prstClr val="black"/>
+                  </a:solidFill>
+                  <a:effectLst/>
+                  <a:uLnTx/>
+                  <a:uFillTx/>
+                  <a:latin typeface="Calibri" panose="020F0502020204030204"/>
+                  <a:ea typeface="+mn-ea"/>
+                  <a:cs typeface="+mn-cs"/>
+                </a:rPr>
+                <a:t>Event Hub</a:t>
+              </a:r>
+            </a:p>
+          </p:txBody>
+        </p:sp>
+      </p:grpSp>
+      <p:grpSp>
+        <p:nvGrpSpPr>
+          <p:cNvPr id="6" name="Group 5">
+            <a:extLst>
+              <a:ext uri="{FF2B5EF4-FFF2-40B4-BE49-F238E27FC236}">
+                <a16:creationId xmlns:a16="http://schemas.microsoft.com/office/drawing/2014/main" id="{FB5B183E-DAB3-4D38-9C6C-7D0BCBF8E6B3}"/>
+              </a:ext>
+            </a:extLst>
+          </p:cNvPr>
+          <p:cNvGrpSpPr/>
+          <p:nvPr/>
+        </p:nvGrpSpPr>
+        <p:grpSpPr>
+          <a:xfrm>
+            <a:off x="3334568" y="2626706"/>
+            <a:ext cx="1297022" cy="1073641"/>
+            <a:chOff x="3267240" y="2702507"/>
+            <a:chExt cx="1297022" cy="1073641"/>
+          </a:xfrm>
+        </p:grpSpPr>
+        <p:pic>
+          <p:nvPicPr>
+            <p:cNvPr id="17" name="Graphic 16">
+              <a:extLst>
+                <a:ext uri="{FF2B5EF4-FFF2-40B4-BE49-F238E27FC236}">
+                  <a16:creationId xmlns:a16="http://schemas.microsoft.com/office/drawing/2014/main" id="{9E9F993D-08C0-46A8-9A38-7ABC78D89DE6}"/>
+                </a:ext>
+              </a:extLst>
+            </p:cNvPr>
+            <p:cNvPicPr>
+              <a:picLocks noChangeAspect="1"/>
+            </p:cNvPicPr>
+            <p:nvPr/>
+          </p:nvPicPr>
+          <p:blipFill>
+            <a:blip r:embed="rId22">
+              <a:extLst>
+                <a:ext uri="{28A0092B-C50C-407E-A947-70E740481C1C}">
+                  <a14:useLocalDpi xmlns:a14="http://schemas.microsoft.com/office/drawing/2010/main" val="0"/>
+                </a:ext>
+                <a:ext uri="{96DAC541-7B7A-43D3-8B79-37D633B846F1}">
+                  <asvg:svgBlip xmlns:asvg="http://schemas.microsoft.com/office/drawing/2016/SVG/main" r:embed="rId23"/>
+                </a:ext>
+              </a:extLst>
+            </a:blip>
+            <a:stretch>
+              <a:fillRect/>
+            </a:stretch>
+          </p:blipFill>
+          <p:spPr>
+            <a:xfrm>
+              <a:off x="3370581" y="2702507"/>
+              <a:ext cx="919514" cy="919514"/>
+            </a:xfrm>
+            <a:prstGeom prst="rect">
+              <a:avLst/>
+            </a:prstGeom>
+          </p:spPr>
+        </p:pic>
+        <p:sp>
+          <p:nvSpPr>
+            <p:cNvPr id="45" name="TextBox 44">
+              <a:extLst>
+                <a:ext uri="{FF2B5EF4-FFF2-40B4-BE49-F238E27FC236}">
+                  <a16:creationId xmlns:a16="http://schemas.microsoft.com/office/drawing/2014/main" id="{C2141D51-5609-48F6-8861-1626C3E377F9}"/>
+                </a:ext>
+              </a:extLst>
+            </p:cNvPr>
+            <p:cNvSpPr txBox="1"/>
+            <p:nvPr/>
+          </p:nvSpPr>
+          <p:spPr>
+            <a:xfrm>
+              <a:off x="3267240" y="3499149"/>
+              <a:ext cx="1297022" cy="276999"/>
+            </a:xfrm>
+            <a:prstGeom prst="rect">
+              <a:avLst/>
+            </a:prstGeom>
+            <a:noFill/>
+          </p:spPr>
+          <p:txBody>
+            <a:bodyPr wrap="none" rtlCol="0">
+              <a:spAutoFit/>
+            </a:bodyPr>
+            <a:lstStyle/>
+            <a:p>
+              <a:pPr marL="0" marR="0" lvl="0" indent="0" algn="l" defTabSz="914400" rtl="0" eaLnBrk="1" fontAlgn="auto" latinLnBrk="0" hangingPunct="1">
+                <a:lnSpc>
+                  <a:spcPct val="100000"/>
+                </a:lnSpc>
+                <a:spcBef>
+                  <a:spcPts val="0"/>
+                </a:spcBef>
+                <a:spcAft>
+                  <a:spcPts val="0"/>
+                </a:spcAft>
+                <a:buClrTx/>
+                <a:buSzTx/>
+                <a:buFontTx/>
+                <a:buNone/>
+                <a:tabLst/>
+                <a:defRPr/>
+              </a:pPr>
+              <a:r>
+                <a:rPr kumimoji="0" lang="en-US" sz="1200" b="0" i="0" u="none" strike="noStrike" kern="1200" cap="none" spc="0" normalizeH="0" baseline="0" noProof="0" dirty="0">
+                  <a:ln>
+                    <a:noFill/>
+                  </a:ln>
+                  <a:solidFill>
+                    <a:prstClr val="black"/>
+                  </a:solidFill>
+                  <a:effectLst/>
+                  <a:uLnTx/>
+                  <a:uFillTx/>
+                  <a:latin typeface="Calibri" panose="020F0502020204030204"/>
+                  <a:ea typeface="+mn-ea"/>
+                  <a:cs typeface="+mn-cs"/>
+                </a:rPr>
+                <a:t>Stream Transform</a:t>
+              </a:r>
+            </a:p>
+          </p:txBody>
+        </p:sp>
+      </p:grpSp>
+      <p:sp>
+        <p:nvSpPr>
+          <p:cNvPr id="46" name="TextBox 45">
+            <a:extLst>
+              <a:ext uri="{FF2B5EF4-FFF2-40B4-BE49-F238E27FC236}">
+                <a16:creationId xmlns:a16="http://schemas.microsoft.com/office/drawing/2014/main" id="{C2861B35-49A1-4834-A713-EE65CDCFCB88}"/>
+              </a:ext>
+            </a:extLst>
+          </p:cNvPr>
+          <p:cNvSpPr txBox="1"/>
+          <p:nvPr/>
+        </p:nvSpPr>
+        <p:spPr>
+          <a:xfrm>
+            <a:off x="6298815" y="2831946"/>
+            <a:ext cx="1588576" cy="276999"/>
+          </a:xfrm>
+          <a:prstGeom prst="rect">
+            <a:avLst/>
+          </a:prstGeom>
+          <a:noFill/>
+        </p:spPr>
+        <p:txBody>
+          <a:bodyPr wrap="none" rtlCol="0">
+            <a:spAutoFit/>
+          </a:bodyPr>
+          <a:lstStyle/>
+          <a:p>
+            <a:pPr marL="0" marR="0" lvl="0" indent="0" algn="l" defTabSz="914400" rtl="0" eaLnBrk="1" fontAlgn="auto" latinLnBrk="0" hangingPunct="1">
+              <a:lnSpc>
+                <a:spcPct val="100000"/>
+              </a:lnSpc>
+              <a:spcBef>
+                <a:spcPts val="0"/>
+              </a:spcBef>
+              <a:spcAft>
+                <a:spcPts val="0"/>
+              </a:spcAft>
+              <a:buClrTx/>
+              <a:buSzTx/>
+              <a:buFontTx/>
+              <a:buNone/>
+              <a:tabLst/>
+              <a:defRPr/>
+            </a:pPr>
+            <a:r>
+              <a:rPr kumimoji="0" lang="en-US" sz="1200" b="0" i="0" u="none" strike="noStrike" kern="1200" cap="none" spc="0" normalizeH="0" baseline="0" noProof="0" dirty="0">
+                <a:ln>
+                  <a:noFill/>
+                </a:ln>
+                <a:solidFill>
+                  <a:prstClr val="black"/>
+                </a:solidFill>
+                <a:effectLst/>
+                <a:uLnTx/>
+                <a:uFillTx/>
+                <a:latin typeface="Calibri" panose="020F0502020204030204"/>
+                <a:ea typeface="+mn-ea"/>
+                <a:cs typeface="+mn-cs"/>
+              </a:rPr>
+              <a:t>Big ML Explore &amp; Train</a:t>
+            </a:r>
+          </a:p>
+        </p:txBody>
+      </p:sp>
+      <p:sp>
+        <p:nvSpPr>
+          <p:cNvPr id="47" name="TextBox 46">
+            <a:extLst>
+              <a:ext uri="{FF2B5EF4-FFF2-40B4-BE49-F238E27FC236}">
+                <a16:creationId xmlns:a16="http://schemas.microsoft.com/office/drawing/2014/main" id="{677DA8FF-6778-4B72-BAAA-E133AE202001}"/>
+              </a:ext>
+            </a:extLst>
+          </p:cNvPr>
+          <p:cNvSpPr txBox="1"/>
+          <p:nvPr/>
+        </p:nvSpPr>
+        <p:spPr>
+          <a:xfrm>
+            <a:off x="8891035" y="2817254"/>
+            <a:ext cx="858953" cy="276999"/>
+          </a:xfrm>
+          <a:prstGeom prst="rect">
+            <a:avLst/>
+          </a:prstGeom>
+          <a:noFill/>
+        </p:spPr>
+        <p:txBody>
+          <a:bodyPr wrap="none" rtlCol="0">
+            <a:spAutoFit/>
+          </a:bodyPr>
+          <a:lstStyle/>
+          <a:p>
+            <a:pPr marL="0" marR="0" lvl="0" indent="0" algn="l" defTabSz="914400" rtl="0" eaLnBrk="1" fontAlgn="auto" latinLnBrk="0" hangingPunct="1">
+              <a:lnSpc>
+                <a:spcPct val="100000"/>
+              </a:lnSpc>
+              <a:spcBef>
+                <a:spcPts val="0"/>
+              </a:spcBef>
+              <a:spcAft>
+                <a:spcPts val="0"/>
+              </a:spcAft>
+              <a:buClrTx/>
+              <a:buSzTx/>
+              <a:buFontTx/>
+              <a:buNone/>
+              <a:tabLst/>
+              <a:defRPr/>
+            </a:pPr>
+            <a:r>
+              <a:rPr kumimoji="0" lang="en-US" sz="1200" b="0" i="0" u="none" strike="noStrike" kern="1200" cap="none" spc="0" normalizeH="0" baseline="0" noProof="0" dirty="0">
+                <a:ln>
+                  <a:noFill/>
+                </a:ln>
+                <a:solidFill>
+                  <a:prstClr val="black"/>
+                </a:solidFill>
+                <a:effectLst/>
+                <a:uLnTx/>
+                <a:uFillTx/>
+                <a:latin typeface="Calibri" panose="020F0502020204030204"/>
+                <a:ea typeface="+mn-ea"/>
+                <a:cs typeface="+mn-cs"/>
+              </a:rPr>
+              <a:t>Model Zoo</a:t>
+            </a:r>
+          </a:p>
+        </p:txBody>
+      </p:sp>
+      <p:grpSp>
+        <p:nvGrpSpPr>
+          <p:cNvPr id="5" name="Group 4">
+            <a:extLst>
+              <a:ext uri="{FF2B5EF4-FFF2-40B4-BE49-F238E27FC236}">
+                <a16:creationId xmlns:a16="http://schemas.microsoft.com/office/drawing/2014/main" id="{578CA1D3-6914-4A0A-A473-04F385C76D74}"/>
+              </a:ext>
+            </a:extLst>
+          </p:cNvPr>
+          <p:cNvGrpSpPr/>
+          <p:nvPr/>
+        </p:nvGrpSpPr>
+        <p:grpSpPr>
+          <a:xfrm>
+            <a:off x="3430263" y="3782553"/>
+            <a:ext cx="1053045" cy="715789"/>
+            <a:chOff x="3813982" y="4141844"/>
+            <a:chExt cx="1053045" cy="715789"/>
+          </a:xfrm>
+        </p:grpSpPr>
+        <p:pic>
+          <p:nvPicPr>
+            <p:cNvPr id="1026" name="Picture 2" descr="Image result for azure functions icon">
+              <a:extLst>
+                <a:ext uri="{FF2B5EF4-FFF2-40B4-BE49-F238E27FC236}">
+                  <a16:creationId xmlns:a16="http://schemas.microsoft.com/office/drawing/2014/main" id="{AB196A22-12F9-4B33-AF17-F53F5590F111}"/>
+                </a:ext>
+              </a:extLst>
+            </p:cNvPr>
+            <p:cNvPicPr>
+              <a:picLocks noChangeAspect="1" noChangeArrowheads="1"/>
+            </p:cNvPicPr>
+            <p:nvPr/>
+          </p:nvPicPr>
+          <p:blipFill>
+            <a:blip r:embed="rId24">
+              <a:extLst>
+                <a:ext uri="{28A0092B-C50C-407E-A947-70E740481C1C}">
+                  <a14:useLocalDpi xmlns:a14="http://schemas.microsoft.com/office/drawing/2010/main" val="0"/>
+                </a:ext>
+              </a:extLst>
+            </a:blip>
+            <a:srcRect/>
+            <a:stretch>
+              <a:fillRect/>
+            </a:stretch>
+          </p:blipFill>
+          <p:spPr bwMode="auto">
+            <a:xfrm>
+              <a:off x="3937639" y="4141844"/>
+              <a:ext cx="754195" cy="506467"/>
+            </a:xfrm>
+            <a:prstGeom prst="rect">
+              <a:avLst/>
+            </a:prstGeom>
+            <a:noFill/>
+            <a:extLst>
+              <a:ext uri="{909E8E84-426E-40DD-AFC4-6F175D3DCCD1}">
+                <a14:hiddenFill xmlns:a14="http://schemas.microsoft.com/office/drawing/2010/main">
+                  <a:solidFill>
+                    <a:srgbClr val="FFFFFF"/>
+                  </a:solidFill>
+                </a14:hiddenFill>
+              </a:ext>
+            </a:extLst>
+          </p:spPr>
+        </p:pic>
+        <p:sp>
+          <p:nvSpPr>
+            <p:cNvPr id="48" name="TextBox 47">
+              <a:extLst>
+                <a:ext uri="{FF2B5EF4-FFF2-40B4-BE49-F238E27FC236}">
+                  <a16:creationId xmlns:a16="http://schemas.microsoft.com/office/drawing/2014/main" id="{B780E061-7CF3-4EC1-9746-5D79843F8F0F}"/>
+                </a:ext>
+              </a:extLst>
+            </p:cNvPr>
+            <p:cNvSpPr txBox="1"/>
+            <p:nvPr/>
+          </p:nvSpPr>
+          <p:spPr>
+            <a:xfrm>
+              <a:off x="3813982" y="4580634"/>
+              <a:ext cx="1053045" cy="276999"/>
+            </a:xfrm>
+            <a:prstGeom prst="rect">
+              <a:avLst/>
+            </a:prstGeom>
+            <a:noFill/>
+          </p:spPr>
+          <p:txBody>
+            <a:bodyPr wrap="none" rtlCol="0">
+              <a:spAutoFit/>
+            </a:bodyPr>
+            <a:lstStyle/>
+            <a:p>
+              <a:pPr marL="0" marR="0" lvl="0" indent="0" algn="l" defTabSz="914400" rtl="0" eaLnBrk="1" fontAlgn="auto" latinLnBrk="0" hangingPunct="1">
+                <a:lnSpc>
+                  <a:spcPct val="100000"/>
+                </a:lnSpc>
+                <a:spcBef>
+                  <a:spcPts val="0"/>
+                </a:spcBef>
+                <a:spcAft>
+                  <a:spcPts val="0"/>
+                </a:spcAft>
+                <a:buClrTx/>
+                <a:buSzTx/>
+                <a:buFontTx/>
+                <a:buNone/>
+                <a:tabLst/>
+                <a:defRPr/>
+              </a:pPr>
+              <a:r>
+                <a:rPr kumimoji="0" lang="en-US" sz="1200" b="0" i="0" u="none" strike="noStrike" kern="1200" cap="none" spc="0" normalizeH="0" baseline="0" noProof="0" dirty="0">
+                  <a:ln>
+                    <a:noFill/>
+                  </a:ln>
+                  <a:solidFill>
+                    <a:prstClr val="black"/>
+                  </a:solidFill>
+                  <a:effectLst/>
+                  <a:uLnTx/>
+                  <a:uFillTx/>
+                  <a:latin typeface="Calibri" panose="020F0502020204030204"/>
+                  <a:ea typeface="+mn-ea"/>
+                  <a:cs typeface="+mn-cs"/>
+                </a:rPr>
+                <a:t>ML Prediction</a:t>
+              </a:r>
+            </a:p>
+          </p:txBody>
+        </p:sp>
+      </p:grpSp>
+      <p:grpSp>
+        <p:nvGrpSpPr>
+          <p:cNvPr id="20" name="Group 19">
+            <a:extLst>
+              <a:ext uri="{FF2B5EF4-FFF2-40B4-BE49-F238E27FC236}">
+                <a16:creationId xmlns:a16="http://schemas.microsoft.com/office/drawing/2014/main" id="{C570057C-FA4A-44F0-93A1-F3F87F27472B}"/>
+              </a:ext>
+            </a:extLst>
+          </p:cNvPr>
+          <p:cNvGrpSpPr/>
+          <p:nvPr/>
+        </p:nvGrpSpPr>
+        <p:grpSpPr>
+          <a:xfrm>
+            <a:off x="6298815" y="3518270"/>
+            <a:ext cx="1783234" cy="1323304"/>
+            <a:chOff x="7291996" y="3647765"/>
+            <a:chExt cx="1783234" cy="1323304"/>
+          </a:xfrm>
+        </p:grpSpPr>
+        <p:pic>
+          <p:nvPicPr>
+            <p:cNvPr id="16" name="Graphic 15">
+              <a:extLst>
+                <a:ext uri="{FF2B5EF4-FFF2-40B4-BE49-F238E27FC236}">
+                  <a16:creationId xmlns:a16="http://schemas.microsoft.com/office/drawing/2014/main" id="{936E6939-37F9-4287-9E71-549A7A0593B4}"/>
+                </a:ext>
+              </a:extLst>
+            </p:cNvPr>
+            <p:cNvPicPr>
+              <a:picLocks noChangeAspect="1"/>
+            </p:cNvPicPr>
+            <p:nvPr/>
+          </p:nvPicPr>
+          <p:blipFill>
+            <a:blip r:embed="rId25">
+              <a:extLst>
+                <a:ext uri="{28A0092B-C50C-407E-A947-70E740481C1C}">
+                  <a14:useLocalDpi xmlns:a14="http://schemas.microsoft.com/office/drawing/2010/main" val="0"/>
+                </a:ext>
+                <a:ext uri="{96DAC541-7B7A-43D3-8B79-37D633B846F1}">
+                  <asvg:svgBlip xmlns:asvg="http://schemas.microsoft.com/office/drawing/2016/SVG/main" r:embed="rId26"/>
+                </a:ext>
+              </a:extLst>
+            </a:blip>
+            <a:stretch>
+              <a:fillRect/>
+            </a:stretch>
+          </p:blipFill>
+          <p:spPr>
+            <a:xfrm>
+              <a:off x="7304814" y="4307427"/>
+              <a:ext cx="611160" cy="611160"/>
+            </a:xfrm>
+            <a:prstGeom prst="rect">
+              <a:avLst/>
+            </a:prstGeom>
+          </p:spPr>
+        </p:pic>
+        <p:grpSp>
+          <p:nvGrpSpPr>
+            <p:cNvPr id="18" name="Group 17">
+              <a:extLst>
+                <a:ext uri="{FF2B5EF4-FFF2-40B4-BE49-F238E27FC236}">
+                  <a16:creationId xmlns:a16="http://schemas.microsoft.com/office/drawing/2014/main" id="{2B7BC9BA-FB4D-45B6-8464-B02900C9C615}"/>
+                </a:ext>
+              </a:extLst>
+            </p:cNvPr>
+            <p:cNvGrpSpPr/>
+            <p:nvPr/>
+          </p:nvGrpSpPr>
+          <p:grpSpPr>
+            <a:xfrm>
+              <a:off x="7291996" y="3647765"/>
+              <a:ext cx="1783234" cy="1323304"/>
+              <a:chOff x="7291996" y="3647765"/>
+              <a:chExt cx="1783234" cy="1323304"/>
+            </a:xfrm>
+          </p:grpSpPr>
+          <p:pic>
+            <p:nvPicPr>
+              <p:cNvPr id="27" name="Graphic 26">
+                <a:extLst>
+                  <a:ext uri="{FF2B5EF4-FFF2-40B4-BE49-F238E27FC236}">
+                    <a16:creationId xmlns:a16="http://schemas.microsoft.com/office/drawing/2014/main" id="{654F34CF-108C-472F-9F69-58763713D9A1}"/>
+                  </a:ext>
+                </a:extLst>
+              </p:cNvPr>
+              <p:cNvPicPr>
+                <a:picLocks noChangeAspect="1"/>
+              </p:cNvPicPr>
+              <p:nvPr/>
+            </p:nvPicPr>
+            <p:blipFill>
+              <a:blip r:embed="rId27">
+                <a:extLst>
+                  <a:ext uri="{28A0092B-C50C-407E-A947-70E740481C1C}">
+                    <a14:useLocalDpi xmlns:a14="http://schemas.microsoft.com/office/drawing/2010/main" val="0"/>
+                  </a:ext>
+                  <a:ext uri="{96DAC541-7B7A-43D3-8B79-37D633B846F1}">
+                    <asvg:svgBlip xmlns:asvg="http://schemas.microsoft.com/office/drawing/2016/SVG/main" r:embed="rId28"/>
+                  </a:ext>
+                </a:extLst>
+              </a:blip>
+              <a:stretch>
+                <a:fillRect/>
+              </a:stretch>
+            </p:blipFill>
+            <p:spPr>
+              <a:xfrm>
+                <a:off x="7291996" y="3647765"/>
+                <a:ext cx="821748" cy="821748"/>
+              </a:xfrm>
+              <a:prstGeom prst="rect">
+                <a:avLst/>
+              </a:prstGeom>
+            </p:spPr>
+          </p:pic>
+          <p:pic>
+            <p:nvPicPr>
+              <p:cNvPr id="29" name="Graphic 28">
+                <a:extLst>
+                  <a:ext uri="{FF2B5EF4-FFF2-40B4-BE49-F238E27FC236}">
+                    <a16:creationId xmlns:a16="http://schemas.microsoft.com/office/drawing/2014/main" id="{45B01710-2E47-4FCD-B64F-B6A8F9A6BBE6}"/>
+                  </a:ext>
+                </a:extLst>
+              </p:cNvPr>
+              <p:cNvPicPr>
+                <a:picLocks noChangeAspect="1"/>
+              </p:cNvPicPr>
+              <p:nvPr/>
+            </p:nvPicPr>
+            <p:blipFill>
+              <a:blip r:embed="rId29">
+                <a:extLst>
+                  <a:ext uri="{28A0092B-C50C-407E-A947-70E740481C1C}">
+                    <a14:useLocalDpi xmlns:a14="http://schemas.microsoft.com/office/drawing/2010/main" val="0"/>
+                  </a:ext>
+                  <a:ext uri="{96DAC541-7B7A-43D3-8B79-37D633B846F1}">
+                    <asvg:svgBlip xmlns:asvg="http://schemas.microsoft.com/office/drawing/2016/SVG/main" r:embed="rId30"/>
+                  </a:ext>
+                </a:extLst>
+              </a:blip>
+              <a:stretch>
+                <a:fillRect/>
+              </a:stretch>
+            </p:blipFill>
+            <p:spPr>
+              <a:xfrm>
+                <a:off x="7879316" y="3992356"/>
+                <a:ext cx="754195" cy="754195"/>
+              </a:xfrm>
+              <a:prstGeom prst="rect">
+                <a:avLst/>
+              </a:prstGeom>
+            </p:spPr>
+          </p:pic>
+          <p:sp>
+            <p:nvSpPr>
+              <p:cNvPr id="49" name="TextBox 48">
+                <a:extLst>
+                  <a:ext uri="{FF2B5EF4-FFF2-40B4-BE49-F238E27FC236}">
+                    <a16:creationId xmlns:a16="http://schemas.microsoft.com/office/drawing/2014/main" id="{90B6C57C-55E6-49F1-828A-495FD5D7863F}"/>
+                  </a:ext>
+                </a:extLst>
+              </p:cNvPr>
+              <p:cNvSpPr txBox="1"/>
+              <p:nvPr/>
+            </p:nvSpPr>
+            <p:spPr>
+              <a:xfrm>
+                <a:off x="7861756" y="4694070"/>
+                <a:ext cx="1213474" cy="276999"/>
+              </a:xfrm>
+              <a:prstGeom prst="rect">
+                <a:avLst/>
+              </a:prstGeom>
+              <a:noFill/>
+            </p:spPr>
+            <p:txBody>
+              <a:bodyPr wrap="none" rtlCol="0">
+                <a:spAutoFit/>
+              </a:bodyPr>
+              <a:lstStyle/>
+              <a:p>
+                <a:pPr marL="0" marR="0" lvl="0" indent="0" algn="l" defTabSz="914400" rtl="0" eaLnBrk="1" fontAlgn="auto" latinLnBrk="0" hangingPunct="1">
+                  <a:lnSpc>
+                    <a:spcPct val="100000"/>
+                  </a:lnSpc>
+                  <a:spcBef>
+                    <a:spcPts val="0"/>
+                  </a:spcBef>
+                  <a:spcAft>
+                    <a:spcPts val="0"/>
+                  </a:spcAft>
+                  <a:buClrTx/>
+                  <a:buSzTx/>
+                  <a:buFontTx/>
+                  <a:buNone/>
+                  <a:tabLst/>
+                  <a:defRPr/>
+                </a:pPr>
+                <a:r>
+                  <a:rPr kumimoji="0" lang="en-US" sz="1200" b="0" i="0" u="none" strike="noStrike" kern="1200" cap="none" spc="0" normalizeH="0" baseline="0" noProof="0" dirty="0">
+                    <a:ln>
+                      <a:noFill/>
+                    </a:ln>
+                    <a:solidFill>
+                      <a:prstClr val="black"/>
+                    </a:solidFill>
+                    <a:effectLst/>
+                    <a:uLnTx/>
+                    <a:uFillTx/>
+                    <a:latin typeface="Calibri" panose="020F0502020204030204"/>
+                    <a:ea typeface="+mn-ea"/>
+                    <a:cs typeface="+mn-cs"/>
+                  </a:rPr>
+                  <a:t>Web Application</a:t>
+                </a:r>
+              </a:p>
+            </p:txBody>
+          </p:sp>
+        </p:grpSp>
+      </p:grpSp>
+      <p:cxnSp>
+        <p:nvCxnSpPr>
+          <p:cNvPr id="50" name="Straight Arrow Connector 49">
+            <a:extLst>
+              <a:ext uri="{FF2B5EF4-FFF2-40B4-BE49-F238E27FC236}">
+                <a16:creationId xmlns:a16="http://schemas.microsoft.com/office/drawing/2014/main" id="{43D7D1B8-5AFB-447E-9CED-12FE08C7EB71}"/>
+              </a:ext>
+            </a:extLst>
+          </p:cNvPr>
+          <p:cNvCxnSpPr>
+            <a:cxnSpLocks/>
+            <a:stCxn id="21" idx="3"/>
+          </p:cNvCxnSpPr>
+          <p:nvPr/>
+        </p:nvCxnSpPr>
+        <p:spPr>
+          <a:xfrm>
+            <a:off x="1085315" y="3429000"/>
+            <a:ext cx="407925" cy="0"/>
+          </a:xfrm>
+          <a:prstGeom prst="straightConnector1">
+            <a:avLst/>
+          </a:prstGeom>
+          <a:ln w="38100">
             <a:tailEnd type="triangle"/>
           </a:ln>
         </p:spPr>
@@ -4255,149 +6440,28 @@
       </p:cxnSp>
       <p:cxnSp>
         <p:nvCxnSpPr>
-          <p:cNvPr id="85" name="Elbow Connector 84">
-            <a:extLst>
-              <a:ext uri="{FF2B5EF4-FFF2-40B4-BE49-F238E27FC236}">
-                <a16:creationId xmlns:a16="http://schemas.microsoft.com/office/drawing/2014/main" id="{417D0A81-FBDF-8E46-9980-117B12DB07C5}"/>
+          <p:cNvPr id="54" name="Straight Arrow Connector 53">
+            <a:extLst>
+              <a:ext uri="{FF2B5EF4-FFF2-40B4-BE49-F238E27FC236}">
+                <a16:creationId xmlns:a16="http://schemas.microsoft.com/office/drawing/2014/main" id="{F3320BC0-E1B0-42D7-8D94-DDC758D6E604}"/>
               </a:ext>
             </a:extLst>
           </p:cNvPr>
           <p:cNvCxnSpPr>
             <a:cxnSpLocks/>
-            <a:stCxn id="19" idx="0"/>
-            <a:endCxn id="72" idx="1"/>
+            <a:stCxn id="19" idx="3"/>
           </p:cNvCxnSpPr>
           <p:nvPr/>
         </p:nvCxnSpPr>
         <p:spPr>
-          <a:xfrm rot="5400000" flipH="1" flipV="1">
-            <a:off x="6583232" y="329642"/>
-            <a:ext cx="489283" cy="1463746"/>
-          </a:xfrm>
-          <a:prstGeom prst="bentConnector2">
+          <a:xfrm>
+            <a:off x="2568815" y="3442679"/>
+            <a:ext cx="493167" cy="0"/>
+          </a:xfrm>
+          <a:prstGeom prst="straightConnector1">
             <a:avLst/>
           </a:prstGeom>
-          <a:ln>
-            <a:solidFill>
-              <a:schemeClr val="tx1"/>
-            </a:solidFill>
-            <a:headEnd type="none" w="lg" len="med"/>
-            <a:tailEnd type="triangle"/>
-          </a:ln>
-        </p:spPr>
-        <p:style>
-          <a:lnRef idx="1">
-            <a:schemeClr val="accent1"/>
-          </a:lnRef>
-          <a:fillRef idx="0">
-            <a:schemeClr val="accent1"/>
-          </a:fillRef>
-          <a:effectRef idx="0">
-            <a:schemeClr val="accent1"/>
-          </a:effectRef>
-          <a:fontRef idx="minor">
-            <a:schemeClr val="tx1"/>
-          </a:fontRef>
-        </p:style>
-      </p:cxnSp>
-      <p:pic>
-        <p:nvPicPr>
-          <p:cNvPr id="88" name="Picture 87" descr="Event Hubs">
-            <a:extLst>
-              <a:ext uri="{FF2B5EF4-FFF2-40B4-BE49-F238E27FC236}">
-                <a16:creationId xmlns:a16="http://schemas.microsoft.com/office/drawing/2014/main" id="{EBD97AD0-D462-0B43-9A43-9AA0DC341ACE}"/>
-              </a:ext>
-            </a:extLst>
-          </p:cNvPr>
-          <p:cNvPicPr>
-            <a:picLocks noChangeAspect="1"/>
-          </p:cNvPicPr>
-          <p:nvPr/>
-        </p:nvPicPr>
-        <p:blipFill>
-          <a:blip r:embed="rId8"/>
-          <a:stretch>
-            <a:fillRect/>
-          </a:stretch>
-        </p:blipFill>
-        <p:spPr>
-          <a:xfrm>
-            <a:off x="7678755" y="2333102"/>
-            <a:ext cx="467828" cy="492622"/>
-          </a:xfrm>
-          <a:prstGeom prst="rect">
-            <a:avLst/>
-          </a:prstGeom>
-        </p:spPr>
-      </p:pic>
-      <p:pic>
-        <p:nvPicPr>
-          <p:cNvPr id="89" name="Graphic 88" descr="Premium Storage ALT">
-            <a:extLst>
-              <a:ext uri="{FF2B5EF4-FFF2-40B4-BE49-F238E27FC236}">
-                <a16:creationId xmlns:a16="http://schemas.microsoft.com/office/drawing/2014/main" id="{A761BFD6-5A42-BB43-90DE-43C62723C40B}"/>
-              </a:ext>
-            </a:extLst>
-          </p:cNvPr>
-          <p:cNvPicPr>
-            <a:picLocks noChangeAspect="1"/>
-          </p:cNvPicPr>
-          <p:nvPr/>
-        </p:nvPicPr>
-        <p:blipFill>
-          <a:blip r:embed="rId12">
-            <a:extLst>
-              <a:ext uri="{28A0092B-C50C-407E-A947-70E740481C1C}">
-                <a14:useLocalDpi xmlns:a14="http://schemas.microsoft.com/office/drawing/2010/main" val="0"/>
-              </a:ext>
-              <a:ext uri="{96DAC541-7B7A-43D3-8B79-37D633B846F1}">
-                <asvg:svgBlip xmlns:asvg="http://schemas.microsoft.com/office/drawing/2016/SVG/main" r:embed="rId13"/>
-              </a:ext>
-            </a:extLst>
-          </a:blip>
-          <a:stretch>
-            <a:fillRect/>
-          </a:stretch>
-        </p:blipFill>
-        <p:spPr>
-          <a:xfrm>
-            <a:off x="9762123" y="2350638"/>
-            <a:ext cx="457550" cy="457550"/>
-          </a:xfrm>
-          <a:prstGeom prst="rect">
-            <a:avLst/>
-          </a:prstGeom>
-        </p:spPr>
-      </p:pic>
-      <p:cxnSp>
-        <p:nvCxnSpPr>
-          <p:cNvPr id="90" name="Elbow Connector 89">
-            <a:extLst>
-              <a:ext uri="{FF2B5EF4-FFF2-40B4-BE49-F238E27FC236}">
-                <a16:creationId xmlns:a16="http://schemas.microsoft.com/office/drawing/2014/main" id="{E811CF35-64AF-9046-9D09-D93F6053041A}"/>
-              </a:ext>
-            </a:extLst>
-          </p:cNvPr>
-          <p:cNvCxnSpPr>
-            <a:cxnSpLocks/>
-            <a:stCxn id="150" idx="2"/>
-            <a:endCxn id="88" idx="1"/>
-          </p:cNvCxnSpPr>
-          <p:nvPr/>
-        </p:nvCxnSpPr>
-        <p:spPr>
-          <a:xfrm rot="16200000" flipH="1">
-            <a:off x="6528873" y="1429531"/>
-            <a:ext cx="717778" cy="1581985"/>
-          </a:xfrm>
-          <a:prstGeom prst="bentConnector2">
-            <a:avLst/>
-          </a:prstGeom>
-          <a:ln>
-            <a:solidFill>
-              <a:schemeClr val="tx1"/>
-            </a:solidFill>
-            <a:headEnd type="none" w="lg" len="med"/>
+          <a:ln w="38100">
             <a:tailEnd type="triangle"/>
           </a:ln>
         </p:spPr>
@@ -4418,35 +6482,27 @@
       </p:cxnSp>
       <p:cxnSp>
         <p:nvCxnSpPr>
-          <p:cNvPr id="93" name="Elbow Connector 92">
-            <a:extLst>
-              <a:ext uri="{FF2B5EF4-FFF2-40B4-BE49-F238E27FC236}">
-                <a16:creationId xmlns:a16="http://schemas.microsoft.com/office/drawing/2014/main" id="{656E1CBB-4E08-8847-A1B2-196733354E33}"/>
+          <p:cNvPr id="61" name="Straight Arrow Connector 60">
+            <a:extLst>
+              <a:ext uri="{FF2B5EF4-FFF2-40B4-BE49-F238E27FC236}">
+                <a16:creationId xmlns:a16="http://schemas.microsoft.com/office/drawing/2014/main" id="{5BE7799C-C03E-471A-BC7D-5E7244D75261}"/>
               </a:ext>
             </a:extLst>
           </p:cNvPr>
           <p:cNvCxnSpPr>
             <a:cxnSpLocks/>
-            <a:stCxn id="88" idx="3"/>
-            <a:endCxn id="89" idx="1"/>
           </p:cNvCxnSpPr>
           <p:nvPr/>
         </p:nvCxnSpPr>
         <p:spPr>
-          <a:xfrm>
-            <a:off x="8146583" y="2579413"/>
-            <a:ext cx="1615540" cy="0"/>
-          </a:xfrm>
-          <a:prstGeom prst="bentConnector3">
-            <a:avLst>
-              <a:gd name="adj1" fmla="val 50000"/>
-            </a:avLst>
+          <a:xfrm flipV="1">
+            <a:off x="4532646" y="2467245"/>
+            <a:ext cx="1619800" cy="328772"/>
+          </a:xfrm>
+          <a:prstGeom prst="straightConnector1">
+            <a:avLst/>
           </a:prstGeom>
-          <a:ln>
-            <a:solidFill>
-              <a:schemeClr val="tx1"/>
-            </a:solidFill>
-            <a:headEnd type="none" w="lg" len="med"/>
+          <a:ln w="38100">
             <a:tailEnd type="triangle"/>
           </a:ln>
         </p:spPr>
@@ -4467,35 +6523,28 @@
       </p:cxnSp>
       <p:cxnSp>
         <p:nvCxnSpPr>
-          <p:cNvPr id="97" name="Elbow Connector 96">
-            <a:extLst>
-              <a:ext uri="{FF2B5EF4-FFF2-40B4-BE49-F238E27FC236}">
-                <a16:creationId xmlns:a16="http://schemas.microsoft.com/office/drawing/2014/main" id="{09A73A75-3DC2-374F-B6A6-735F3F3CDF14}"/>
+          <p:cNvPr id="64" name="Straight Arrow Connector 63">
+            <a:extLst>
+              <a:ext uri="{FF2B5EF4-FFF2-40B4-BE49-F238E27FC236}">
+                <a16:creationId xmlns:a16="http://schemas.microsoft.com/office/drawing/2014/main" id="{AC9C59FA-48AB-4DD1-9107-522956FC5ADC}"/>
               </a:ext>
             </a:extLst>
           </p:cNvPr>
           <p:cNvCxnSpPr>
             <a:cxnSpLocks/>
-            <a:stCxn id="150" idx="2"/>
-            <a:endCxn id="68" idx="0"/>
+            <a:endCxn id="11" idx="1"/>
           </p:cNvCxnSpPr>
           <p:nvPr/>
         </p:nvCxnSpPr>
         <p:spPr>
-          <a:xfrm rot="16200000" flipH="1">
-            <a:off x="5462033" y="2496371"/>
-            <a:ext cx="1269739" cy="265"/>
-          </a:xfrm>
-          <a:prstGeom prst="bentConnector3">
-            <a:avLst>
-              <a:gd name="adj1" fmla="val 50000"/>
-            </a:avLst>
+          <a:xfrm flipV="1">
+            <a:off x="7965695" y="2370954"/>
+            <a:ext cx="922493" cy="12970"/>
+          </a:xfrm>
+          <a:prstGeom prst="straightConnector1">
+            <a:avLst/>
           </a:prstGeom>
-          <a:ln>
-            <a:solidFill>
-              <a:schemeClr val="tx1"/>
-            </a:solidFill>
-            <a:headEnd type="none" w="lg" len="med"/>
+          <a:ln w="38100">
             <a:tailEnd type="triangle"/>
           </a:ln>
         </p:spPr>
@@ -4516,35 +6565,359 @@
       </p:cxnSp>
       <p:cxnSp>
         <p:nvCxnSpPr>
-          <p:cNvPr id="101" name="Elbow Connector 100">
-            <a:extLst>
-              <a:ext uri="{FF2B5EF4-FFF2-40B4-BE49-F238E27FC236}">
-                <a16:creationId xmlns:a16="http://schemas.microsoft.com/office/drawing/2014/main" id="{E1AD361B-94FD-1243-BFE0-EFE221F82232}"/>
+          <p:cNvPr id="69" name="Straight Arrow Connector 68">
+            <a:extLst>
+              <a:ext uri="{FF2B5EF4-FFF2-40B4-BE49-F238E27FC236}">
+                <a16:creationId xmlns:a16="http://schemas.microsoft.com/office/drawing/2014/main" id="{AA603932-7FC8-4130-BF6A-67E6092C9759}"/>
               </a:ext>
             </a:extLst>
           </p:cNvPr>
           <p:cNvCxnSpPr>
             <a:cxnSpLocks/>
-            <a:stCxn id="10" idx="3"/>
-            <a:endCxn id="18" idx="3"/>
           </p:cNvCxnSpPr>
           <p:nvPr/>
         </p:nvCxnSpPr>
         <p:spPr>
-          <a:xfrm flipH="1" flipV="1">
-            <a:off x="4738951" y="3360149"/>
-            <a:ext cx="475265" cy="1407403"/>
-          </a:xfrm>
-          <a:prstGeom prst="bentConnector3">
-            <a:avLst>
-              <a:gd name="adj1" fmla="val -48099"/>
-            </a:avLst>
+          <a:xfrm>
+            <a:off x="4729207" y="3329953"/>
+            <a:ext cx="1461868" cy="497914"/>
+          </a:xfrm>
+          <a:prstGeom prst="straightConnector1">
+            <a:avLst/>
           </a:prstGeom>
-          <a:ln>
-            <a:solidFill>
-              <a:schemeClr val="tx1"/>
-            </a:solidFill>
-            <a:headEnd type="none" w="lg" len="med"/>
+          <a:ln w="38100">
+            <a:tailEnd type="triangle"/>
+          </a:ln>
+        </p:spPr>
+        <p:style>
+          <a:lnRef idx="1">
+            <a:schemeClr val="accent1"/>
+          </a:lnRef>
+          <a:fillRef idx="0">
+            <a:schemeClr val="accent1"/>
+          </a:fillRef>
+          <a:effectRef idx="0">
+            <a:schemeClr val="accent1"/>
+          </a:effectRef>
+          <a:fontRef idx="minor">
+            <a:schemeClr val="tx1"/>
+          </a:fontRef>
+        </p:style>
+      </p:cxnSp>
+      <p:sp>
+        <p:nvSpPr>
+          <p:cNvPr id="84" name="TextBox 83">
+            <a:extLst>
+              <a:ext uri="{FF2B5EF4-FFF2-40B4-BE49-F238E27FC236}">
+                <a16:creationId xmlns:a16="http://schemas.microsoft.com/office/drawing/2014/main" id="{B146BB65-6832-4ED8-B819-F5E6AD5F9162}"/>
+              </a:ext>
+            </a:extLst>
+          </p:cNvPr>
+          <p:cNvSpPr txBox="1"/>
+          <p:nvPr/>
+        </p:nvSpPr>
+        <p:spPr>
+          <a:xfrm>
+            <a:off x="3177040" y="6415806"/>
+            <a:ext cx="919226" cy="276999"/>
+          </a:xfrm>
+          <a:prstGeom prst="rect">
+            <a:avLst/>
+          </a:prstGeom>
+          <a:noFill/>
+        </p:spPr>
+        <p:txBody>
+          <a:bodyPr wrap="none" rtlCol="0">
+            <a:spAutoFit/>
+          </a:bodyPr>
+          <a:lstStyle/>
+          <a:p>
+            <a:pPr marL="0" marR="0" lvl="0" indent="0" algn="l" defTabSz="914400" rtl="0" eaLnBrk="1" fontAlgn="auto" latinLnBrk="0" hangingPunct="1">
+              <a:lnSpc>
+                <a:spcPct val="100000"/>
+              </a:lnSpc>
+              <a:spcBef>
+                <a:spcPts val="0"/>
+              </a:spcBef>
+              <a:spcAft>
+                <a:spcPts val="0"/>
+              </a:spcAft>
+              <a:buClrTx/>
+              <a:buSzTx/>
+              <a:buFontTx/>
+              <a:buNone/>
+              <a:tabLst/>
+              <a:defRPr/>
+            </a:pPr>
+            <a:r>
+              <a:rPr kumimoji="0" lang="en-US" sz="1200" b="0" i="0" u="none" strike="noStrike" kern="1200" cap="none" spc="0" normalizeH="0" baseline="0" noProof="0" dirty="0">
+                <a:ln>
+                  <a:noFill/>
+                </a:ln>
+                <a:solidFill>
+                  <a:prstClr val="black"/>
+                </a:solidFill>
+                <a:effectLst/>
+                <a:uLnTx/>
+                <a:uFillTx/>
+                <a:latin typeface="Calibri" panose="020F0502020204030204"/>
+                <a:ea typeface="+mn-ea"/>
+                <a:cs typeface="+mn-cs"/>
+              </a:rPr>
+              <a:t>Private </a:t>
+            </a:r>
+            <a:r>
+              <a:rPr kumimoji="0" lang="en-US" sz="1200" b="0" i="0" u="none" strike="noStrike" kern="1200" cap="none" spc="0" normalizeH="0" baseline="0" noProof="0" dirty="0" err="1">
+                <a:ln>
+                  <a:noFill/>
+                </a:ln>
+                <a:solidFill>
+                  <a:prstClr val="black"/>
+                </a:solidFill>
+                <a:effectLst/>
+                <a:uLnTx/>
+                <a:uFillTx/>
+                <a:latin typeface="Calibri" panose="020F0502020204030204"/>
+                <a:ea typeface="+mn-ea"/>
+                <a:cs typeface="+mn-cs"/>
+              </a:rPr>
+              <a:t>PyPi</a:t>
+            </a:r>
+            <a:endParaRPr kumimoji="0" lang="en-US" sz="1200" b="0" i="0" u="none" strike="noStrike" kern="1200" cap="none" spc="0" normalizeH="0" baseline="0" noProof="0" dirty="0">
+              <a:ln>
+                <a:noFill/>
+              </a:ln>
+              <a:solidFill>
+                <a:prstClr val="black"/>
+              </a:solidFill>
+              <a:effectLst/>
+              <a:uLnTx/>
+              <a:uFillTx/>
+              <a:latin typeface="Calibri" panose="020F0502020204030204"/>
+              <a:ea typeface="+mn-ea"/>
+              <a:cs typeface="+mn-cs"/>
+            </a:endParaRPr>
+          </a:p>
+        </p:txBody>
+      </p:sp>
+      <p:sp>
+        <p:nvSpPr>
+          <p:cNvPr id="85" name="TextBox 84">
+            <a:extLst>
+              <a:ext uri="{FF2B5EF4-FFF2-40B4-BE49-F238E27FC236}">
+                <a16:creationId xmlns:a16="http://schemas.microsoft.com/office/drawing/2014/main" id="{014B9ECC-789D-4AB7-8570-4D9CFD96B74D}"/>
+              </a:ext>
+            </a:extLst>
+          </p:cNvPr>
+          <p:cNvSpPr txBox="1"/>
+          <p:nvPr/>
+        </p:nvSpPr>
+        <p:spPr>
+          <a:xfrm>
+            <a:off x="4617353" y="6415806"/>
+            <a:ext cx="1095621" cy="276999"/>
+          </a:xfrm>
+          <a:prstGeom prst="rect">
+            <a:avLst/>
+          </a:prstGeom>
+          <a:noFill/>
+        </p:spPr>
+        <p:txBody>
+          <a:bodyPr wrap="none" rtlCol="0">
+            <a:spAutoFit/>
+          </a:bodyPr>
+          <a:lstStyle/>
+          <a:p>
+            <a:pPr marL="0" marR="0" lvl="0" indent="0" algn="l" defTabSz="914400" rtl="0" eaLnBrk="1" fontAlgn="auto" latinLnBrk="0" hangingPunct="1">
+              <a:lnSpc>
+                <a:spcPct val="100000"/>
+              </a:lnSpc>
+              <a:spcBef>
+                <a:spcPts val="0"/>
+              </a:spcBef>
+              <a:spcAft>
+                <a:spcPts val="0"/>
+              </a:spcAft>
+              <a:buClrTx/>
+              <a:buSzTx/>
+              <a:buFontTx/>
+              <a:buNone/>
+              <a:tabLst/>
+              <a:defRPr/>
+            </a:pPr>
+            <a:r>
+              <a:rPr kumimoji="0" lang="en-US" sz="1200" b="0" i="0" u="none" strike="noStrike" kern="1200" cap="none" spc="0" normalizeH="0" baseline="0" noProof="0" dirty="0">
+                <a:ln>
+                  <a:noFill/>
+                </a:ln>
+                <a:solidFill>
+                  <a:prstClr val="black"/>
+                </a:solidFill>
+                <a:effectLst/>
+                <a:uLnTx/>
+                <a:uFillTx/>
+                <a:latin typeface="Calibri" panose="020F0502020204030204"/>
+                <a:ea typeface="+mn-ea"/>
+                <a:cs typeface="+mn-cs"/>
+              </a:rPr>
+              <a:t>Azure Dev Ops</a:t>
+            </a:r>
+          </a:p>
+        </p:txBody>
+      </p:sp>
+      <p:sp>
+        <p:nvSpPr>
+          <p:cNvPr id="86" name="TextBox 85">
+            <a:extLst>
+              <a:ext uri="{FF2B5EF4-FFF2-40B4-BE49-F238E27FC236}">
+                <a16:creationId xmlns:a16="http://schemas.microsoft.com/office/drawing/2014/main" id="{3269465B-6AC1-424A-B937-40267424CBD5}"/>
+              </a:ext>
+            </a:extLst>
+          </p:cNvPr>
+          <p:cNvSpPr txBox="1"/>
+          <p:nvPr/>
+        </p:nvSpPr>
+        <p:spPr>
+          <a:xfrm>
+            <a:off x="5844209" y="6434460"/>
+            <a:ext cx="1153777" cy="276999"/>
+          </a:xfrm>
+          <a:prstGeom prst="rect">
+            <a:avLst/>
+          </a:prstGeom>
+          <a:noFill/>
+        </p:spPr>
+        <p:txBody>
+          <a:bodyPr wrap="none" rtlCol="0">
+            <a:spAutoFit/>
+          </a:bodyPr>
+          <a:lstStyle/>
+          <a:p>
+            <a:pPr marL="0" marR="0" lvl="0" indent="0" algn="l" defTabSz="914400" rtl="0" eaLnBrk="1" fontAlgn="auto" latinLnBrk="0" hangingPunct="1">
+              <a:lnSpc>
+                <a:spcPct val="100000"/>
+              </a:lnSpc>
+              <a:spcBef>
+                <a:spcPts val="0"/>
+              </a:spcBef>
+              <a:spcAft>
+                <a:spcPts val="0"/>
+              </a:spcAft>
+              <a:buClrTx/>
+              <a:buSzTx/>
+              <a:buFontTx/>
+              <a:buNone/>
+              <a:tabLst/>
+              <a:defRPr/>
+            </a:pPr>
+            <a:r>
+              <a:rPr kumimoji="0" lang="en-US" sz="1200" b="0" i="0" u="none" strike="noStrike" kern="1200" cap="none" spc="0" normalizeH="0" baseline="0" noProof="0" dirty="0">
+                <a:ln>
+                  <a:noFill/>
+                </a:ln>
+                <a:solidFill>
+                  <a:prstClr val="black"/>
+                </a:solidFill>
+                <a:effectLst/>
+                <a:uLnTx/>
+                <a:uFillTx/>
+                <a:latin typeface="Calibri" panose="020F0502020204030204"/>
+                <a:ea typeface="+mn-ea"/>
+                <a:cs typeface="+mn-cs"/>
+              </a:rPr>
+              <a:t>Azure Key Vault</a:t>
+            </a:r>
+          </a:p>
+        </p:txBody>
+      </p:sp>
+      <p:sp>
+        <p:nvSpPr>
+          <p:cNvPr id="87" name="TextBox 86">
+            <a:extLst>
+              <a:ext uri="{FF2B5EF4-FFF2-40B4-BE49-F238E27FC236}">
+                <a16:creationId xmlns:a16="http://schemas.microsoft.com/office/drawing/2014/main" id="{B63AEA31-6C4F-434C-BBDD-CCE32937A71C}"/>
+              </a:ext>
+            </a:extLst>
+          </p:cNvPr>
+          <p:cNvSpPr txBox="1"/>
+          <p:nvPr/>
+        </p:nvSpPr>
+        <p:spPr>
+          <a:xfrm>
+            <a:off x="7304814" y="6415806"/>
+            <a:ext cx="1328697" cy="276999"/>
+          </a:xfrm>
+          <a:prstGeom prst="rect">
+            <a:avLst/>
+          </a:prstGeom>
+          <a:noFill/>
+        </p:spPr>
+        <p:txBody>
+          <a:bodyPr wrap="none" rtlCol="0">
+            <a:spAutoFit/>
+          </a:bodyPr>
+          <a:lstStyle/>
+          <a:p>
+            <a:pPr marL="0" marR="0" lvl="0" indent="0" algn="l" defTabSz="914400" rtl="0" eaLnBrk="1" fontAlgn="auto" latinLnBrk="0" hangingPunct="1">
+              <a:lnSpc>
+                <a:spcPct val="100000"/>
+              </a:lnSpc>
+              <a:spcBef>
+                <a:spcPts val="0"/>
+              </a:spcBef>
+              <a:spcAft>
+                <a:spcPts val="0"/>
+              </a:spcAft>
+              <a:buClrTx/>
+              <a:buSzTx/>
+              <a:buFontTx/>
+              <a:buNone/>
+              <a:tabLst/>
+              <a:defRPr/>
+            </a:pPr>
+            <a:r>
+              <a:rPr kumimoji="0" lang="en-US" sz="1200" b="0" i="0" u="none" strike="noStrike" kern="1200" cap="none" spc="0" normalizeH="0" baseline="0" noProof="0" dirty="0">
+                <a:ln>
+                  <a:noFill/>
+                </a:ln>
+                <a:solidFill>
+                  <a:prstClr val="black"/>
+                </a:solidFill>
+                <a:effectLst/>
+                <a:uLnTx/>
+                <a:uFillTx/>
+                <a:latin typeface="Calibri" panose="020F0502020204030204"/>
+                <a:ea typeface="+mn-ea"/>
+                <a:cs typeface="+mn-cs"/>
+              </a:rPr>
+              <a:t>Container Registry</a:t>
+            </a:r>
+          </a:p>
+        </p:txBody>
+      </p:sp>
+      <p:cxnSp>
+        <p:nvCxnSpPr>
+          <p:cNvPr id="52" name="Straight Arrow Connector 51">
+            <a:extLst>
+              <a:ext uri="{FF2B5EF4-FFF2-40B4-BE49-F238E27FC236}">
+                <a16:creationId xmlns:a16="http://schemas.microsoft.com/office/drawing/2014/main" id="{D7B41D9C-FFB3-4482-BFC3-9754E93CFC88}"/>
+              </a:ext>
+            </a:extLst>
+          </p:cNvPr>
+          <p:cNvCxnSpPr>
+            <a:cxnSpLocks/>
+          </p:cNvCxnSpPr>
+          <p:nvPr/>
+        </p:nvCxnSpPr>
+        <p:spPr>
+          <a:xfrm>
+            <a:off x="4534531" y="4139137"/>
+            <a:ext cx="1561469" cy="346865"/>
+          </a:xfrm>
+          <a:prstGeom prst="straightConnector1">
+            <a:avLst/>
+          </a:prstGeom>
+          <a:ln w="38100">
             <a:tailEnd type="triangle"/>
           </a:ln>
         </p:spPr>
@@ -4565,35 +6938,31 @@
       </p:cxnSp>
       <p:cxnSp>
         <p:nvCxnSpPr>
-          <p:cNvPr id="105" name="Elbow Connector 104">
-            <a:extLst>
-              <a:ext uri="{FF2B5EF4-FFF2-40B4-BE49-F238E27FC236}">
-                <a16:creationId xmlns:a16="http://schemas.microsoft.com/office/drawing/2014/main" id="{C6BF0575-35AC-9D46-99ED-F8D363A4F369}"/>
+          <p:cNvPr id="30" name="Connector: Curved 29">
+            <a:extLst>
+              <a:ext uri="{FF2B5EF4-FFF2-40B4-BE49-F238E27FC236}">
+                <a16:creationId xmlns:a16="http://schemas.microsoft.com/office/drawing/2014/main" id="{69455C46-BA98-42C2-9BD9-BFFFE9109236}"/>
               </a:ext>
             </a:extLst>
           </p:cNvPr>
           <p:cNvCxnSpPr>
             <a:cxnSpLocks/>
-            <a:stCxn id="10" idx="3"/>
-            <a:endCxn id="68" idx="1"/>
+            <a:stCxn id="17" idx="1"/>
+            <a:endCxn id="1026" idx="1"/>
           </p:cNvCxnSpPr>
           <p:nvPr/>
         </p:nvCxnSpPr>
         <p:spPr>
-          <a:xfrm flipV="1">
-            <a:off x="5214216" y="3360149"/>
-            <a:ext cx="654044" cy="1407403"/>
-          </a:xfrm>
-          <a:prstGeom prst="bentConnector3">
+          <a:xfrm rot="10800000" flipH="1" flipV="1">
+            <a:off x="3437908" y="3086463"/>
+            <a:ext cx="116011" cy="949324"/>
+          </a:xfrm>
+          <a:prstGeom prst="curvedConnector3">
             <a:avLst>
-              <a:gd name="adj1" fmla="val 50000"/>
+              <a:gd name="adj1" fmla="val -197050"/>
             </a:avLst>
           </a:prstGeom>
           <a:ln>
-            <a:solidFill>
-              <a:schemeClr val="tx1"/>
-            </a:solidFill>
-            <a:headEnd type="none" w="lg" len="med"/>
             <a:tailEnd type="triangle"/>
           </a:ln>
         </p:spPr>
@@ -4612,106 +6981,33 @@
           </a:fontRef>
         </p:style>
       </p:cxnSp>
-      <p:pic>
-        <p:nvPicPr>
-          <p:cNvPr id="106" name="Picture 105" descr="Azure DevOps">
-            <a:extLst>
-              <a:ext uri="{FF2B5EF4-FFF2-40B4-BE49-F238E27FC236}">
-                <a16:creationId xmlns:a16="http://schemas.microsoft.com/office/drawing/2014/main" id="{005F0979-F5FC-E64F-869C-B614E53882D2}"/>
-              </a:ext>
-            </a:extLst>
-          </p:cNvPr>
-          <p:cNvPicPr>
-            <a:picLocks noChangeAspect="1"/>
-          </p:cNvPicPr>
-          <p:nvPr/>
-        </p:nvPicPr>
-        <p:blipFill>
-          <a:blip r:embed="rId2"/>
-          <a:stretch>
-            <a:fillRect/>
-          </a:stretch>
-        </p:blipFill>
-        <p:spPr>
-          <a:xfrm>
-            <a:off x="1420814" y="4528907"/>
-            <a:ext cx="477123" cy="477289"/>
-          </a:xfrm>
-          <a:prstGeom prst="rect">
-            <a:avLst/>
-          </a:prstGeom>
-        </p:spPr>
-      </p:pic>
-      <p:pic>
-        <p:nvPicPr>
-          <p:cNvPr id="122" name="Graphic 121" descr="Machine Learning Studio">
-            <a:extLst>
-              <a:ext uri="{FF2B5EF4-FFF2-40B4-BE49-F238E27FC236}">
-                <a16:creationId xmlns:a16="http://schemas.microsoft.com/office/drawing/2014/main" id="{53EA8C20-5D2A-CE4F-952E-47CBED7654E2}"/>
-              </a:ext>
-            </a:extLst>
-          </p:cNvPr>
-          <p:cNvPicPr>
-            <a:picLocks noChangeAspect="1"/>
-          </p:cNvPicPr>
-          <p:nvPr/>
-        </p:nvPicPr>
-        <p:blipFill>
-          <a:blip r:embed="rId5">
-            <a:extLst>
-              <a:ext uri="{28A0092B-C50C-407E-A947-70E740481C1C}">
-                <a14:useLocalDpi xmlns:a14="http://schemas.microsoft.com/office/drawing/2010/main" val="0"/>
-              </a:ext>
-              <a:ext uri="{96DAC541-7B7A-43D3-8B79-37D633B846F1}">
-                <asvg:svgBlip xmlns:asvg="http://schemas.microsoft.com/office/drawing/2016/SVG/main" r:embed="rId6"/>
-              </a:ext>
-            </a:extLst>
-          </a:blip>
-          <a:stretch>
-            <a:fillRect/>
-          </a:stretch>
-        </p:blipFill>
-        <p:spPr>
-          <a:xfrm>
-            <a:off x="1027629" y="3131374"/>
-            <a:ext cx="457550" cy="457550"/>
-          </a:xfrm>
-          <a:prstGeom prst="rect">
-            <a:avLst/>
-          </a:prstGeom>
-        </p:spPr>
-      </p:pic>
       <p:cxnSp>
         <p:nvCxnSpPr>
-          <p:cNvPr id="124" name="Elbow Connector 123">
-            <a:extLst>
-              <a:ext uri="{FF2B5EF4-FFF2-40B4-BE49-F238E27FC236}">
-                <a16:creationId xmlns:a16="http://schemas.microsoft.com/office/drawing/2014/main" id="{63D8E4DB-C2FF-6D43-A718-84EF73F66DEF}"/>
+          <p:cNvPr id="62" name="Connector: Curved 61">
+            <a:extLst>
+              <a:ext uri="{FF2B5EF4-FFF2-40B4-BE49-F238E27FC236}">
+                <a16:creationId xmlns:a16="http://schemas.microsoft.com/office/drawing/2014/main" id="{6E91A81E-7FE4-4890-8A9A-0503FD168723}"/>
               </a:ext>
             </a:extLst>
           </p:cNvPr>
           <p:cNvCxnSpPr>
             <a:cxnSpLocks/>
-            <a:stCxn id="17" idx="3"/>
-            <a:endCxn id="18" idx="1"/>
+            <a:stCxn id="1026" idx="3"/>
+            <a:endCxn id="17" idx="3"/>
           </p:cNvCxnSpPr>
           <p:nvPr/>
         </p:nvCxnSpPr>
         <p:spPr>
-          <a:xfrm>
-            <a:off x="3205427" y="3360149"/>
-            <a:ext cx="1075974" cy="0"/>
-          </a:xfrm>
-          <a:prstGeom prst="bentConnector3">
+          <a:xfrm flipV="1">
+            <a:off x="4308115" y="3086463"/>
+            <a:ext cx="49308" cy="949324"/>
+          </a:xfrm>
+          <a:prstGeom prst="curvedConnector3">
             <a:avLst>
-              <a:gd name="adj1" fmla="val 50000"/>
+              <a:gd name="adj1" fmla="val 563616"/>
             </a:avLst>
           </a:prstGeom>
           <a:ln>
-            <a:solidFill>
-              <a:schemeClr val="tx1"/>
-            </a:solidFill>
-            <a:headEnd type="none" w="lg" len="med"/>
             <a:tailEnd type="triangle"/>
           </a:ln>
         </p:spPr>
@@ -4730,1678 +7026,10 @@
           </a:fontRef>
         </p:style>
       </p:cxnSp>
-      <p:sp>
-        <p:nvSpPr>
-          <p:cNvPr id="137" name="TextBox 136">
-            <a:extLst>
-              <a:ext uri="{FF2B5EF4-FFF2-40B4-BE49-F238E27FC236}">
-                <a16:creationId xmlns:a16="http://schemas.microsoft.com/office/drawing/2014/main" id="{98C49975-2A04-A149-8ECE-7EA855D306D3}"/>
-              </a:ext>
-            </a:extLst>
-          </p:cNvPr>
-          <p:cNvSpPr txBox="1"/>
-          <p:nvPr/>
-        </p:nvSpPr>
-        <p:spPr>
-          <a:xfrm>
-            <a:off x="681470" y="1700052"/>
-            <a:ext cx="1162178" cy="323165"/>
-          </a:xfrm>
-          <a:prstGeom prst="rect">
-            <a:avLst/>
-          </a:prstGeom>
-          <a:noFill/>
-        </p:spPr>
-        <p:txBody>
-          <a:bodyPr wrap="none" lIns="0" tIns="0" rIns="0" bIns="0" rtlCol="0">
-            <a:spAutoFit/>
-          </a:bodyPr>
-          <a:lstStyle/>
-          <a:p>
-            <a:pPr algn="ctr"/>
-            <a:r>
-              <a:rPr lang="en-US" sz="1050" dirty="0">
-                <a:gradFill>
-                  <a:gsLst>
-                    <a:gs pos="2917">
-                      <a:schemeClr val="tx1"/>
-                    </a:gs>
-                    <a:gs pos="30000">
-                      <a:schemeClr val="tx1"/>
-                    </a:gs>
-                  </a:gsLst>
-                  <a:lin ang="5400000" scaled="0"/>
-                </a:gradFill>
-              </a:rPr>
-              <a:t>Data Generator</a:t>
-            </a:r>
-          </a:p>
-          <a:p>
-            <a:pPr algn="ctr"/>
-            <a:r>
-              <a:rPr lang="en-US" sz="1050" dirty="0">
-                <a:gradFill>
-                  <a:gsLst>
-                    <a:gs pos="2917">
-                      <a:schemeClr val="tx1"/>
-                    </a:gs>
-                    <a:gs pos="30000">
-                      <a:schemeClr val="tx1"/>
-                    </a:gs>
-                  </a:gsLst>
-                  <a:lin ang="5400000" scaled="0"/>
-                </a:gradFill>
-              </a:rPr>
-              <a:t>(Container Instances)</a:t>
-            </a:r>
-          </a:p>
-        </p:txBody>
-      </p:sp>
-      <p:sp>
-        <p:nvSpPr>
-          <p:cNvPr id="138" name="TextBox 137">
-            <a:extLst>
-              <a:ext uri="{FF2B5EF4-FFF2-40B4-BE49-F238E27FC236}">
-                <a16:creationId xmlns:a16="http://schemas.microsoft.com/office/drawing/2014/main" id="{C1E28AE9-2944-104B-80EC-4326F147EDC5}"/>
-              </a:ext>
-            </a:extLst>
-          </p:cNvPr>
-          <p:cNvSpPr txBox="1"/>
-          <p:nvPr/>
-        </p:nvSpPr>
-        <p:spPr>
-          <a:xfrm>
-            <a:off x="2627999" y="784440"/>
-            <a:ext cx="697307" cy="323165"/>
-          </a:xfrm>
-          <a:prstGeom prst="rect">
-            <a:avLst/>
-          </a:prstGeom>
-          <a:noFill/>
-        </p:spPr>
-        <p:txBody>
-          <a:bodyPr wrap="none" lIns="0" tIns="0" rIns="0" bIns="0" rtlCol="0">
-            <a:spAutoFit/>
-          </a:bodyPr>
-          <a:lstStyle/>
-          <a:p>
-            <a:pPr algn="ctr"/>
-            <a:r>
-              <a:rPr lang="en-US" sz="1050" dirty="0">
-                <a:gradFill>
-                  <a:gsLst>
-                    <a:gs pos="2917">
-                      <a:schemeClr val="tx1"/>
-                    </a:gs>
-                    <a:gs pos="30000">
-                      <a:schemeClr val="tx1"/>
-                    </a:gs>
-                  </a:gsLst>
-                  <a:lin ang="5400000" scaled="0"/>
-                </a:gradFill>
-              </a:rPr>
-              <a:t>Telemetry</a:t>
-            </a:r>
-          </a:p>
-          <a:p>
-            <a:pPr algn="ctr"/>
-            <a:r>
-              <a:rPr lang="en-US" sz="1050" dirty="0">
-                <a:gradFill>
-                  <a:gsLst>
-                    <a:gs pos="2917">
-                      <a:schemeClr val="tx1"/>
-                    </a:gs>
-                    <a:gs pos="30000">
-                      <a:schemeClr val="tx1"/>
-                    </a:gs>
-                  </a:gsLst>
-                  <a:lin ang="5400000" scaled="0"/>
-                </a:gradFill>
-              </a:rPr>
-              <a:t>(Event Hubs)</a:t>
-            </a:r>
-          </a:p>
-        </p:txBody>
-      </p:sp>
-      <p:sp>
-        <p:nvSpPr>
-          <p:cNvPr id="139" name="TextBox 138">
-            <a:extLst>
-              <a:ext uri="{FF2B5EF4-FFF2-40B4-BE49-F238E27FC236}">
-                <a16:creationId xmlns:a16="http://schemas.microsoft.com/office/drawing/2014/main" id="{EAEE28F1-3C00-CE43-B022-CA2E58227538}"/>
-              </a:ext>
-            </a:extLst>
-          </p:cNvPr>
-          <p:cNvSpPr txBox="1"/>
-          <p:nvPr/>
-        </p:nvSpPr>
-        <p:spPr>
-          <a:xfrm>
-            <a:off x="3177657" y="2410400"/>
-            <a:ext cx="775854" cy="323165"/>
-          </a:xfrm>
-          <a:prstGeom prst="rect">
-            <a:avLst/>
-          </a:prstGeom>
-          <a:noFill/>
-        </p:spPr>
-        <p:txBody>
-          <a:bodyPr wrap="none" lIns="0" tIns="0" rIns="0" bIns="0" rtlCol="0">
-            <a:spAutoFit/>
-          </a:bodyPr>
-          <a:lstStyle/>
-          <a:p>
-            <a:pPr algn="ctr"/>
-            <a:r>
-              <a:rPr lang="en-US" sz="1050" dirty="0">
-                <a:gradFill>
-                  <a:gsLst>
-                    <a:gs pos="2917">
-                      <a:schemeClr val="tx1"/>
-                    </a:gs>
-                    <a:gs pos="30000">
-                      <a:schemeClr val="tx1"/>
-                    </a:gs>
-                  </a:gsLst>
-                  <a:lin ang="5400000" scaled="0"/>
-                </a:gradFill>
-              </a:rPr>
-              <a:t>Telemetry</a:t>
-            </a:r>
-          </a:p>
-          <a:p>
-            <a:pPr algn="ctr"/>
-            <a:r>
-              <a:rPr lang="en-US" sz="1050" dirty="0">
-                <a:gradFill>
-                  <a:gsLst>
-                    <a:gs pos="2917">
-                      <a:schemeClr val="tx1"/>
-                    </a:gs>
-                    <a:gs pos="30000">
-                      <a:schemeClr val="tx1"/>
-                    </a:gs>
-                  </a:gsLst>
-                  <a:lin ang="5400000" scaled="0"/>
-                </a:gradFill>
-              </a:rPr>
-              <a:t>(Blob Storage)</a:t>
-            </a:r>
-          </a:p>
-        </p:txBody>
-      </p:sp>
-      <p:sp>
-        <p:nvSpPr>
-          <p:cNvPr id="141" name="TextBox 140">
-            <a:extLst>
-              <a:ext uri="{FF2B5EF4-FFF2-40B4-BE49-F238E27FC236}">
-                <a16:creationId xmlns:a16="http://schemas.microsoft.com/office/drawing/2014/main" id="{F4BB9F6A-B62E-4C40-96CA-E1B689AF9412}"/>
-              </a:ext>
-            </a:extLst>
-          </p:cNvPr>
-          <p:cNvSpPr txBox="1"/>
-          <p:nvPr/>
-        </p:nvSpPr>
-        <p:spPr>
-          <a:xfrm>
-            <a:off x="2450867" y="3621901"/>
-            <a:ext cx="1051570" cy="161583"/>
-          </a:xfrm>
-          <a:prstGeom prst="rect">
-            <a:avLst/>
-          </a:prstGeom>
-          <a:noFill/>
-        </p:spPr>
-        <p:txBody>
-          <a:bodyPr wrap="none" lIns="0" tIns="0" rIns="0" bIns="0" rtlCol="0">
-            <a:spAutoFit/>
-          </a:bodyPr>
-          <a:lstStyle/>
-          <a:p>
-            <a:pPr algn="ctr"/>
-            <a:r>
-              <a:rPr lang="en-US" sz="1050" dirty="0">
-                <a:gradFill>
-                  <a:gsLst>
-                    <a:gs pos="2917">
-                      <a:schemeClr val="tx1"/>
-                    </a:gs>
-                    <a:gs pos="30000">
-                      <a:schemeClr val="tx1"/>
-                    </a:gs>
-                  </a:gsLst>
-                  <a:lin ang="5400000" scaled="0"/>
-                </a:gradFill>
-              </a:rPr>
-              <a:t>Azure ML Compute</a:t>
-            </a:r>
-          </a:p>
-        </p:txBody>
-      </p:sp>
-      <p:sp>
-        <p:nvSpPr>
-          <p:cNvPr id="142" name="TextBox 141">
-            <a:extLst>
-              <a:ext uri="{FF2B5EF4-FFF2-40B4-BE49-F238E27FC236}">
-                <a16:creationId xmlns:a16="http://schemas.microsoft.com/office/drawing/2014/main" id="{0CC541A8-13A9-234C-BDCB-74CBD1248981}"/>
-              </a:ext>
-            </a:extLst>
-          </p:cNvPr>
-          <p:cNvSpPr txBox="1"/>
-          <p:nvPr/>
-        </p:nvSpPr>
-        <p:spPr>
-          <a:xfrm>
-            <a:off x="4022696" y="3621901"/>
-            <a:ext cx="955390" cy="161583"/>
-          </a:xfrm>
-          <a:prstGeom prst="rect">
-            <a:avLst/>
-          </a:prstGeom>
-          <a:noFill/>
-        </p:spPr>
-        <p:txBody>
-          <a:bodyPr wrap="none" lIns="0" tIns="0" rIns="0" bIns="0" rtlCol="0">
-            <a:spAutoFit/>
-          </a:bodyPr>
-          <a:lstStyle/>
-          <a:p>
-            <a:pPr algn="ctr"/>
-            <a:r>
-              <a:rPr lang="en-US" sz="1050" dirty="0">
-                <a:gradFill>
-                  <a:gsLst>
-                    <a:gs pos="2917">
-                      <a:schemeClr val="tx1"/>
-                    </a:gs>
-                    <a:gs pos="30000">
-                      <a:schemeClr val="tx1"/>
-                    </a:gs>
-                  </a:gsLst>
-                  <a:lin ang="5400000" scaled="0"/>
-                </a:gradFill>
-              </a:rPr>
-              <a:t>Azure ML Models</a:t>
-            </a:r>
-          </a:p>
-        </p:txBody>
-      </p:sp>
-      <p:sp>
-        <p:nvSpPr>
-          <p:cNvPr id="143" name="TextBox 142">
-            <a:extLst>
-              <a:ext uri="{FF2B5EF4-FFF2-40B4-BE49-F238E27FC236}">
-                <a16:creationId xmlns:a16="http://schemas.microsoft.com/office/drawing/2014/main" id="{C165C1E9-5724-EF47-A842-ADE673BDEB35}"/>
-              </a:ext>
-            </a:extLst>
-          </p:cNvPr>
-          <p:cNvSpPr txBox="1"/>
-          <p:nvPr/>
-        </p:nvSpPr>
-        <p:spPr>
-          <a:xfrm>
-            <a:off x="5709111" y="3621901"/>
-            <a:ext cx="775853" cy="323165"/>
-          </a:xfrm>
-          <a:prstGeom prst="rect">
-            <a:avLst/>
-          </a:prstGeom>
-          <a:noFill/>
-        </p:spPr>
-        <p:txBody>
-          <a:bodyPr wrap="none" lIns="0" tIns="0" rIns="0" bIns="0" rtlCol="0">
-            <a:spAutoFit/>
-          </a:bodyPr>
-          <a:lstStyle/>
-          <a:p>
-            <a:pPr algn="ctr"/>
-            <a:r>
-              <a:rPr lang="en-US" sz="1050" dirty="0">
-                <a:gradFill>
-                  <a:gsLst>
-                    <a:gs pos="2917">
-                      <a:schemeClr val="tx1"/>
-                    </a:gs>
-                    <a:gs pos="30000">
-                      <a:schemeClr val="tx1"/>
-                    </a:gs>
-                  </a:gsLst>
-                  <a:lin ang="5400000" scaled="0"/>
-                </a:gradFill>
-              </a:rPr>
-              <a:t>Models</a:t>
-            </a:r>
-            <a:br>
-              <a:rPr lang="en-US" sz="1050" dirty="0">
-                <a:gradFill>
-                  <a:gsLst>
-                    <a:gs pos="2917">
-                      <a:schemeClr val="tx1"/>
-                    </a:gs>
-                    <a:gs pos="30000">
-                      <a:schemeClr val="tx1"/>
-                    </a:gs>
-                  </a:gsLst>
-                  <a:lin ang="5400000" scaled="0"/>
-                </a:gradFill>
-              </a:rPr>
-            </a:br>
-            <a:r>
-              <a:rPr lang="en-US" sz="1050" dirty="0">
-                <a:gradFill>
-                  <a:gsLst>
-                    <a:gs pos="2917">
-                      <a:schemeClr val="tx1"/>
-                    </a:gs>
-                    <a:gs pos="30000">
-                      <a:schemeClr val="tx1"/>
-                    </a:gs>
-                  </a:gsLst>
-                  <a:lin ang="5400000" scaled="0"/>
-                </a:gradFill>
-              </a:rPr>
-              <a:t>(Blob Storage)</a:t>
-            </a:r>
-          </a:p>
-        </p:txBody>
-      </p:sp>
-      <p:sp>
-        <p:nvSpPr>
-          <p:cNvPr id="144" name="TextBox 143">
-            <a:extLst>
-              <a:ext uri="{FF2B5EF4-FFF2-40B4-BE49-F238E27FC236}">
-                <a16:creationId xmlns:a16="http://schemas.microsoft.com/office/drawing/2014/main" id="{F336DF4B-29C8-9B40-9291-1AAF7668974E}"/>
-              </a:ext>
-            </a:extLst>
-          </p:cNvPr>
-          <p:cNvSpPr txBox="1"/>
-          <p:nvPr/>
-        </p:nvSpPr>
-        <p:spPr>
-          <a:xfrm>
-            <a:off x="745843" y="3621901"/>
-            <a:ext cx="1037143" cy="161583"/>
-          </a:xfrm>
-          <a:prstGeom prst="rect">
-            <a:avLst/>
-          </a:prstGeom>
-          <a:noFill/>
-        </p:spPr>
-        <p:txBody>
-          <a:bodyPr wrap="none" lIns="0" tIns="0" rIns="0" bIns="0" rtlCol="0">
-            <a:spAutoFit/>
-          </a:bodyPr>
-          <a:lstStyle/>
-          <a:p>
-            <a:pPr algn="ctr"/>
-            <a:r>
-              <a:rPr lang="en-US" sz="1050" dirty="0">
-                <a:gradFill>
-                  <a:gsLst>
-                    <a:gs pos="2917">
-                      <a:schemeClr val="tx1"/>
-                    </a:gs>
-                    <a:gs pos="30000">
-                      <a:schemeClr val="tx1"/>
-                    </a:gs>
-                  </a:gsLst>
-                  <a:lin ang="5400000" scaled="0"/>
-                </a:gradFill>
-              </a:rPr>
-              <a:t>Azure ML Pipelines</a:t>
-            </a:r>
-          </a:p>
-        </p:txBody>
-      </p:sp>
-      <p:sp>
-        <p:nvSpPr>
-          <p:cNvPr id="145" name="TextBox 144">
-            <a:extLst>
-              <a:ext uri="{FF2B5EF4-FFF2-40B4-BE49-F238E27FC236}">
-                <a16:creationId xmlns:a16="http://schemas.microsoft.com/office/drawing/2014/main" id="{7FEC30DF-9DF5-DF4C-A99D-7C5B9EA78018}"/>
-              </a:ext>
-            </a:extLst>
-          </p:cNvPr>
-          <p:cNvSpPr txBox="1"/>
-          <p:nvPr/>
-        </p:nvSpPr>
-        <p:spPr>
-          <a:xfrm>
-            <a:off x="7582540" y="2828058"/>
-            <a:ext cx="697307" cy="323165"/>
-          </a:xfrm>
-          <a:prstGeom prst="rect">
-            <a:avLst/>
-          </a:prstGeom>
-          <a:noFill/>
-        </p:spPr>
-        <p:txBody>
-          <a:bodyPr wrap="none" lIns="0" tIns="0" rIns="0" bIns="0" rtlCol="0">
-            <a:spAutoFit/>
-          </a:bodyPr>
-          <a:lstStyle/>
-          <a:p>
-            <a:pPr algn="ctr"/>
-            <a:r>
-              <a:rPr lang="en-US" sz="1050" dirty="0">
-                <a:gradFill>
-                  <a:gsLst>
-                    <a:gs pos="2917">
-                      <a:schemeClr val="tx1"/>
-                    </a:gs>
-                    <a:gs pos="30000">
-                      <a:schemeClr val="tx1"/>
-                    </a:gs>
-                  </a:gsLst>
-                  <a:lin ang="5400000" scaled="0"/>
-                </a:gradFill>
-              </a:rPr>
-              <a:t>Predictions</a:t>
-            </a:r>
-            <a:br>
-              <a:rPr lang="en-US" sz="1050" dirty="0">
-                <a:gradFill>
-                  <a:gsLst>
-                    <a:gs pos="2917">
-                      <a:schemeClr val="tx1"/>
-                    </a:gs>
-                    <a:gs pos="30000">
-                      <a:schemeClr val="tx1"/>
-                    </a:gs>
-                  </a:gsLst>
-                  <a:lin ang="5400000" scaled="0"/>
-                </a:gradFill>
-              </a:rPr>
-            </a:br>
-            <a:r>
-              <a:rPr lang="en-US" sz="1050" dirty="0">
-                <a:gradFill>
-                  <a:gsLst>
-                    <a:gs pos="2917">
-                      <a:schemeClr val="tx1"/>
-                    </a:gs>
-                    <a:gs pos="30000">
-                      <a:schemeClr val="tx1"/>
-                    </a:gs>
-                  </a:gsLst>
-                  <a:lin ang="5400000" scaled="0"/>
-                </a:gradFill>
-              </a:rPr>
-              <a:t>(Event Hubs)</a:t>
-            </a:r>
-          </a:p>
-        </p:txBody>
-      </p:sp>
-      <p:sp>
-        <p:nvSpPr>
-          <p:cNvPr id="146" name="TextBox 145">
-            <a:extLst>
-              <a:ext uri="{FF2B5EF4-FFF2-40B4-BE49-F238E27FC236}">
-                <a16:creationId xmlns:a16="http://schemas.microsoft.com/office/drawing/2014/main" id="{DCA1D686-DAB7-4844-AEB6-A254998D8841}"/>
-              </a:ext>
-            </a:extLst>
-          </p:cNvPr>
-          <p:cNvSpPr txBox="1"/>
-          <p:nvPr/>
-        </p:nvSpPr>
-        <p:spPr>
-          <a:xfrm>
-            <a:off x="9602971" y="2828058"/>
-            <a:ext cx="775854" cy="323165"/>
-          </a:xfrm>
-          <a:prstGeom prst="rect">
-            <a:avLst/>
-          </a:prstGeom>
-          <a:noFill/>
-        </p:spPr>
-        <p:txBody>
-          <a:bodyPr wrap="none" lIns="0" tIns="0" rIns="0" bIns="0" rtlCol="0">
-            <a:spAutoFit/>
-          </a:bodyPr>
-          <a:lstStyle/>
-          <a:p>
-            <a:pPr algn="ctr"/>
-            <a:r>
-              <a:rPr lang="en-US" sz="1050" dirty="0">
-                <a:gradFill>
-                  <a:gsLst>
-                    <a:gs pos="2917">
-                      <a:schemeClr val="tx1"/>
-                    </a:gs>
-                    <a:gs pos="30000">
-                      <a:schemeClr val="tx1"/>
-                    </a:gs>
-                  </a:gsLst>
-                  <a:lin ang="5400000" scaled="0"/>
-                </a:gradFill>
-              </a:rPr>
-              <a:t>Predictions</a:t>
-            </a:r>
-            <a:br>
-              <a:rPr lang="en-US" sz="1050" dirty="0">
-                <a:gradFill>
-                  <a:gsLst>
-                    <a:gs pos="2917">
-                      <a:schemeClr val="tx1"/>
-                    </a:gs>
-                    <a:gs pos="30000">
-                      <a:schemeClr val="tx1"/>
-                    </a:gs>
-                  </a:gsLst>
-                  <a:lin ang="5400000" scaled="0"/>
-                </a:gradFill>
-              </a:rPr>
-            </a:br>
-            <a:r>
-              <a:rPr lang="en-US" sz="1050" dirty="0">
-                <a:gradFill>
-                  <a:gsLst>
-                    <a:gs pos="2917">
-                      <a:schemeClr val="tx1"/>
-                    </a:gs>
-                    <a:gs pos="30000">
-                      <a:schemeClr val="tx1"/>
-                    </a:gs>
-                  </a:gsLst>
-                  <a:lin ang="5400000" scaled="0"/>
-                </a:gradFill>
-              </a:rPr>
-              <a:t>(Blob Storage)</a:t>
-            </a:r>
-          </a:p>
-        </p:txBody>
-      </p:sp>
-      <p:sp>
-        <p:nvSpPr>
-          <p:cNvPr id="147" name="TextBox 146">
-            <a:extLst>
-              <a:ext uri="{FF2B5EF4-FFF2-40B4-BE49-F238E27FC236}">
-                <a16:creationId xmlns:a16="http://schemas.microsoft.com/office/drawing/2014/main" id="{141FCA56-AE2B-D847-86B1-B8F909B90B0D}"/>
-              </a:ext>
-            </a:extLst>
-          </p:cNvPr>
-          <p:cNvSpPr txBox="1"/>
-          <p:nvPr/>
-        </p:nvSpPr>
-        <p:spPr>
-          <a:xfrm>
-            <a:off x="7322969" y="236564"/>
-            <a:ext cx="831959" cy="323165"/>
-          </a:xfrm>
-          <a:prstGeom prst="rect">
-            <a:avLst/>
-          </a:prstGeom>
-          <a:noFill/>
-        </p:spPr>
-        <p:txBody>
-          <a:bodyPr wrap="none" lIns="0" tIns="0" rIns="0" bIns="0" rtlCol="0">
-            <a:spAutoFit/>
-          </a:bodyPr>
-          <a:lstStyle/>
-          <a:p>
-            <a:pPr algn="ctr"/>
-            <a:r>
-              <a:rPr lang="en-US" sz="1050" dirty="0">
-                <a:gradFill>
-                  <a:gsLst>
-                    <a:gs pos="2917">
-                      <a:schemeClr val="tx1"/>
-                    </a:gs>
-                    <a:gs pos="30000">
-                      <a:schemeClr val="tx1"/>
-                    </a:gs>
-                  </a:gsLst>
-                  <a:lin ang="5400000" scaled="0"/>
-                </a:gradFill>
-              </a:rPr>
-              <a:t>Predictions</a:t>
-            </a:r>
-            <a:br>
-              <a:rPr lang="en-US" sz="1050" dirty="0">
-                <a:gradFill>
-                  <a:gsLst>
-                    <a:gs pos="2917">
-                      <a:schemeClr val="tx1"/>
-                    </a:gs>
-                    <a:gs pos="30000">
-                      <a:schemeClr val="tx1"/>
-                    </a:gs>
-                  </a:gsLst>
-                  <a:lin ang="5400000" scaled="0"/>
-                </a:gradFill>
-              </a:rPr>
-            </a:br>
-            <a:r>
-              <a:rPr lang="en-US" sz="1050" dirty="0">
-                <a:gradFill>
-                  <a:gsLst>
-                    <a:gs pos="2917">
-                      <a:schemeClr val="tx1"/>
-                    </a:gs>
-                    <a:gs pos="30000">
-                      <a:schemeClr val="tx1"/>
-                    </a:gs>
-                  </a:gsLst>
-                  <a:lin ang="5400000" scaled="0"/>
-                </a:gradFill>
-              </a:rPr>
-              <a:t>(SQL Database)</a:t>
-            </a:r>
-          </a:p>
-        </p:txBody>
-      </p:sp>
-      <p:sp>
-        <p:nvSpPr>
-          <p:cNvPr id="148" name="TextBox 147">
-            <a:extLst>
-              <a:ext uri="{FF2B5EF4-FFF2-40B4-BE49-F238E27FC236}">
-                <a16:creationId xmlns:a16="http://schemas.microsoft.com/office/drawing/2014/main" id="{B4E18713-56E0-0446-BA3E-CDEC965EFDB1}"/>
-              </a:ext>
-            </a:extLst>
-          </p:cNvPr>
-          <p:cNvSpPr txBox="1"/>
-          <p:nvPr/>
-        </p:nvSpPr>
-        <p:spPr>
-          <a:xfrm>
-            <a:off x="7200045" y="1700052"/>
-            <a:ext cx="1417056" cy="161583"/>
-          </a:xfrm>
-          <a:prstGeom prst="rect">
-            <a:avLst/>
-          </a:prstGeom>
-          <a:noFill/>
-        </p:spPr>
-        <p:txBody>
-          <a:bodyPr wrap="none" lIns="0" tIns="0" rIns="0" bIns="0" rtlCol="0">
-            <a:spAutoFit/>
-          </a:bodyPr>
-          <a:lstStyle/>
-          <a:p>
-            <a:pPr algn="ctr"/>
-            <a:r>
-              <a:rPr lang="en-US" sz="1050" dirty="0">
-                <a:gradFill>
-                  <a:gsLst>
-                    <a:gs pos="2917">
-                      <a:schemeClr val="tx1"/>
-                    </a:gs>
-                    <a:gs pos="30000">
-                      <a:schemeClr val="tx1"/>
-                    </a:gs>
-                  </a:gsLst>
-                  <a:lin ang="5400000" scaled="0"/>
-                </a:gradFill>
-              </a:rPr>
-              <a:t>Telemetry (Table Storage)</a:t>
-            </a:r>
-          </a:p>
-        </p:txBody>
-      </p:sp>
-      <p:sp>
-        <p:nvSpPr>
-          <p:cNvPr id="149" name="TextBox 148">
-            <a:extLst>
-              <a:ext uri="{FF2B5EF4-FFF2-40B4-BE49-F238E27FC236}">
-                <a16:creationId xmlns:a16="http://schemas.microsoft.com/office/drawing/2014/main" id="{50219CB3-F9C0-EF42-849C-6B301C09E696}"/>
-              </a:ext>
-            </a:extLst>
-          </p:cNvPr>
-          <p:cNvSpPr txBox="1"/>
-          <p:nvPr/>
-        </p:nvSpPr>
-        <p:spPr>
-          <a:xfrm>
-            <a:off x="9762123" y="1700052"/>
-            <a:ext cx="508152" cy="161583"/>
-          </a:xfrm>
-          <a:prstGeom prst="rect">
-            <a:avLst/>
-          </a:prstGeom>
-          <a:noFill/>
-        </p:spPr>
-        <p:txBody>
-          <a:bodyPr wrap="none" lIns="0" tIns="0" rIns="0" bIns="0" rtlCol="0">
-            <a:spAutoFit/>
-          </a:bodyPr>
-          <a:lstStyle/>
-          <a:p>
-            <a:pPr algn="ctr"/>
-            <a:r>
-              <a:rPr lang="en-US" sz="1050" dirty="0">
-                <a:gradFill>
-                  <a:gsLst>
-                    <a:gs pos="2917">
-                      <a:schemeClr val="tx1"/>
-                    </a:gs>
-                    <a:gs pos="30000">
-                      <a:schemeClr val="tx1"/>
-                    </a:gs>
-                  </a:gsLst>
-                  <a:lin ang="5400000" scaled="0"/>
-                </a:gradFill>
-              </a:rPr>
-              <a:t>Web App</a:t>
-            </a:r>
-          </a:p>
-        </p:txBody>
-      </p:sp>
-      <p:sp>
-        <p:nvSpPr>
-          <p:cNvPr id="150" name="TextBox 149">
-            <a:extLst>
-              <a:ext uri="{FF2B5EF4-FFF2-40B4-BE49-F238E27FC236}">
-                <a16:creationId xmlns:a16="http://schemas.microsoft.com/office/drawing/2014/main" id="{96684046-BED9-CC4F-ADEF-1DDB9B045FAE}"/>
-              </a:ext>
-            </a:extLst>
-          </p:cNvPr>
-          <p:cNvSpPr txBox="1"/>
-          <p:nvPr/>
-        </p:nvSpPr>
-        <p:spPr>
-          <a:xfrm>
-            <a:off x="5581404" y="1700052"/>
-            <a:ext cx="1030731" cy="161583"/>
-          </a:xfrm>
-          <a:prstGeom prst="rect">
-            <a:avLst/>
-          </a:prstGeom>
-          <a:noFill/>
-        </p:spPr>
-        <p:txBody>
-          <a:bodyPr wrap="none" lIns="0" tIns="0" rIns="0" bIns="0" rtlCol="0">
-            <a:spAutoFit/>
-          </a:bodyPr>
-          <a:lstStyle/>
-          <a:p>
-            <a:pPr algn="ctr"/>
-            <a:r>
-              <a:rPr lang="en-US" sz="1050" dirty="0">
-                <a:gradFill>
-                  <a:gsLst>
-                    <a:gs pos="2917">
-                      <a:schemeClr val="tx1"/>
-                    </a:gs>
-                    <a:gs pos="30000">
-                      <a:schemeClr val="tx1"/>
-                    </a:gs>
-                  </a:gsLst>
-                  <a:lin ang="5400000" scaled="0"/>
-                </a:gradFill>
-              </a:rPr>
-              <a:t>Inference Function</a:t>
-            </a:r>
-          </a:p>
-        </p:txBody>
-      </p:sp>
-      <p:sp>
-        <p:nvSpPr>
-          <p:cNvPr id="151" name="TextBox 150">
-            <a:extLst>
-              <a:ext uri="{FF2B5EF4-FFF2-40B4-BE49-F238E27FC236}">
-                <a16:creationId xmlns:a16="http://schemas.microsoft.com/office/drawing/2014/main" id="{F6832B53-4EE6-0C43-BE5D-059ED5523CE0}"/>
-              </a:ext>
-            </a:extLst>
-          </p:cNvPr>
-          <p:cNvSpPr txBox="1"/>
-          <p:nvPr/>
-        </p:nvSpPr>
-        <p:spPr>
-          <a:xfrm>
-            <a:off x="1187294" y="5108561"/>
-            <a:ext cx="944169" cy="161583"/>
-          </a:xfrm>
-          <a:prstGeom prst="rect">
-            <a:avLst/>
-          </a:prstGeom>
-          <a:noFill/>
-        </p:spPr>
-        <p:txBody>
-          <a:bodyPr wrap="none" lIns="0" tIns="0" rIns="0" bIns="0" rtlCol="0">
-            <a:spAutoFit/>
-          </a:bodyPr>
-          <a:lstStyle/>
-          <a:p>
-            <a:pPr algn="ctr"/>
-            <a:r>
-              <a:rPr lang="en-US" sz="1050" dirty="0">
-                <a:gradFill>
-                  <a:gsLst>
-                    <a:gs pos="2917">
-                      <a:schemeClr val="tx1"/>
-                    </a:gs>
-                    <a:gs pos="30000">
-                      <a:schemeClr val="tx1"/>
-                    </a:gs>
-                  </a:gsLst>
-                  <a:lin ang="5400000" scaled="0"/>
-                </a:gradFill>
-              </a:rPr>
-              <a:t>DevOps Pipelines</a:t>
-            </a:r>
-          </a:p>
-        </p:txBody>
-      </p:sp>
-      <p:sp>
-        <p:nvSpPr>
-          <p:cNvPr id="152" name="TextBox 151">
-            <a:extLst>
-              <a:ext uri="{FF2B5EF4-FFF2-40B4-BE49-F238E27FC236}">
-                <a16:creationId xmlns:a16="http://schemas.microsoft.com/office/drawing/2014/main" id="{376668BA-9127-2B48-AB00-934A5C89E9D4}"/>
-              </a:ext>
-            </a:extLst>
-          </p:cNvPr>
-          <p:cNvSpPr txBox="1"/>
-          <p:nvPr/>
-        </p:nvSpPr>
-        <p:spPr>
-          <a:xfrm>
-            <a:off x="4297314" y="5123429"/>
-            <a:ext cx="1290418" cy="161583"/>
-          </a:xfrm>
-          <a:prstGeom prst="rect">
-            <a:avLst/>
-          </a:prstGeom>
-          <a:noFill/>
-        </p:spPr>
-        <p:txBody>
-          <a:bodyPr wrap="none" lIns="0" tIns="0" rIns="0" bIns="0" rtlCol="0">
-            <a:spAutoFit/>
-          </a:bodyPr>
-          <a:lstStyle/>
-          <a:p>
-            <a:pPr algn="ctr"/>
-            <a:r>
-              <a:rPr lang="en-US" sz="1050" dirty="0">
-                <a:gradFill>
-                  <a:gsLst>
-                    <a:gs pos="2917">
-                      <a:schemeClr val="tx1"/>
-                    </a:gs>
-                    <a:gs pos="30000">
-                      <a:schemeClr val="tx1"/>
-                    </a:gs>
-                  </a:gsLst>
-                  <a:lin ang="5400000" scaled="0"/>
-                </a:gradFill>
-              </a:rPr>
-              <a:t>ML Training Pipeline (3)</a:t>
-            </a:r>
-          </a:p>
-        </p:txBody>
-      </p:sp>
-      <p:cxnSp>
-        <p:nvCxnSpPr>
-          <p:cNvPr id="157" name="Elbow Connector 156">
-            <a:extLst>
-              <a:ext uri="{FF2B5EF4-FFF2-40B4-BE49-F238E27FC236}">
-                <a16:creationId xmlns:a16="http://schemas.microsoft.com/office/drawing/2014/main" id="{19D51EF8-E417-944F-9A55-64B87AEFE111}"/>
-              </a:ext>
-            </a:extLst>
-          </p:cNvPr>
-          <p:cNvCxnSpPr>
-            <a:cxnSpLocks/>
-            <a:stCxn id="10" idx="0"/>
-            <a:endCxn id="144" idx="2"/>
-          </p:cNvCxnSpPr>
-          <p:nvPr/>
-        </p:nvCxnSpPr>
-        <p:spPr>
-          <a:xfrm rot="16200000" flipV="1">
-            <a:off x="2747324" y="2300576"/>
-            <a:ext cx="745423" cy="3711240"/>
-          </a:xfrm>
-          <a:prstGeom prst="bentConnector3">
-            <a:avLst>
-              <a:gd name="adj1" fmla="val 50000"/>
-            </a:avLst>
-          </a:prstGeom>
-          <a:ln>
-            <a:solidFill>
-              <a:schemeClr val="tx1"/>
-            </a:solidFill>
-            <a:headEnd type="none" w="lg" len="med"/>
-            <a:tailEnd type="triangle"/>
-          </a:ln>
-        </p:spPr>
-        <p:style>
-          <a:lnRef idx="1">
-            <a:schemeClr val="accent1"/>
-          </a:lnRef>
-          <a:fillRef idx="0">
-            <a:schemeClr val="accent1"/>
-          </a:fillRef>
-          <a:effectRef idx="0">
-            <a:schemeClr val="accent1"/>
-          </a:effectRef>
-          <a:fontRef idx="minor">
-            <a:schemeClr val="tx1"/>
-          </a:fontRef>
-        </p:style>
-      </p:cxnSp>
-      <p:sp>
-        <p:nvSpPr>
-          <p:cNvPr id="180" name="TextBox 179">
-            <a:extLst>
-              <a:ext uri="{FF2B5EF4-FFF2-40B4-BE49-F238E27FC236}">
-                <a16:creationId xmlns:a16="http://schemas.microsoft.com/office/drawing/2014/main" id="{00E2BB3A-356C-F347-BC07-3A9CE5E75D6C}"/>
-              </a:ext>
-            </a:extLst>
-          </p:cNvPr>
-          <p:cNvSpPr txBox="1"/>
-          <p:nvPr/>
-        </p:nvSpPr>
-        <p:spPr>
-          <a:xfrm>
-            <a:off x="3030586" y="1950474"/>
-            <a:ext cx="421590" cy="161583"/>
-          </a:xfrm>
-          <a:prstGeom prst="rect">
-            <a:avLst/>
-          </a:prstGeom>
-          <a:noFill/>
-        </p:spPr>
-        <p:txBody>
-          <a:bodyPr wrap="none" lIns="0" tIns="0" rIns="0" bIns="0" rtlCol="0">
-            <a:spAutoFit/>
-          </a:bodyPr>
-          <a:lstStyle/>
-          <a:p>
-            <a:pPr algn="ctr"/>
-            <a:r>
-              <a:rPr lang="en-US" sz="1050" i="1" dirty="0">
-                <a:solidFill>
-                  <a:schemeClr val="bg1">
-                    <a:lumMod val="50000"/>
-                  </a:schemeClr>
-                </a:solidFill>
-              </a:rPr>
-              <a:t>capture</a:t>
-            </a:r>
-          </a:p>
-        </p:txBody>
-      </p:sp>
-      <p:sp>
-        <p:nvSpPr>
-          <p:cNvPr id="181" name="TextBox 180">
-            <a:extLst>
-              <a:ext uri="{FF2B5EF4-FFF2-40B4-BE49-F238E27FC236}">
-                <a16:creationId xmlns:a16="http://schemas.microsoft.com/office/drawing/2014/main" id="{3E12EB7E-0196-A44D-BF97-1DDF0F735375}"/>
-              </a:ext>
-            </a:extLst>
-          </p:cNvPr>
-          <p:cNvSpPr txBox="1"/>
-          <p:nvPr/>
-        </p:nvSpPr>
-        <p:spPr>
-          <a:xfrm>
-            <a:off x="2608664" y="3814189"/>
-            <a:ext cx="649217" cy="161583"/>
-          </a:xfrm>
-          <a:prstGeom prst="rect">
-            <a:avLst/>
-          </a:prstGeom>
-          <a:noFill/>
-        </p:spPr>
-        <p:txBody>
-          <a:bodyPr wrap="none" lIns="0" tIns="0" rIns="0" bIns="0" rtlCol="0">
-            <a:spAutoFit/>
-          </a:bodyPr>
-          <a:lstStyle/>
-          <a:p>
-            <a:pPr algn="ctr"/>
-            <a:r>
-              <a:rPr lang="en-US" sz="1050" i="1" dirty="0">
-                <a:solidFill>
-                  <a:schemeClr val="bg1">
-                    <a:lumMod val="50000"/>
-                  </a:schemeClr>
-                </a:solidFill>
-              </a:rPr>
-              <a:t>Train model</a:t>
-            </a:r>
-          </a:p>
-        </p:txBody>
-      </p:sp>
-      <p:sp>
-        <p:nvSpPr>
-          <p:cNvPr id="182" name="TextBox 181">
-            <a:extLst>
-              <a:ext uri="{FF2B5EF4-FFF2-40B4-BE49-F238E27FC236}">
-                <a16:creationId xmlns:a16="http://schemas.microsoft.com/office/drawing/2014/main" id="{C10106A7-AAAC-1340-960D-A0044D1D16FF}"/>
-              </a:ext>
-            </a:extLst>
-          </p:cNvPr>
-          <p:cNvSpPr txBox="1"/>
-          <p:nvPr/>
-        </p:nvSpPr>
-        <p:spPr>
-          <a:xfrm>
-            <a:off x="8135328" y="618741"/>
-            <a:ext cx="2176878" cy="161583"/>
-          </a:xfrm>
-          <a:prstGeom prst="rect">
-            <a:avLst/>
-          </a:prstGeom>
-          <a:noFill/>
-        </p:spPr>
-        <p:txBody>
-          <a:bodyPr wrap="none" lIns="0" tIns="0" rIns="0" bIns="0" rtlCol="0">
-            <a:spAutoFit/>
-          </a:bodyPr>
-          <a:lstStyle/>
-          <a:p>
-            <a:pPr algn="ctr"/>
-            <a:r>
-              <a:rPr lang="en-US" sz="1050" i="1" dirty="0">
-                <a:solidFill>
-                  <a:schemeClr val="bg1">
-                    <a:lumMod val="50000"/>
-                  </a:schemeClr>
-                </a:solidFill>
-              </a:rPr>
-              <a:t>Retrieve aggregate data for dashboards</a:t>
-            </a:r>
-          </a:p>
-        </p:txBody>
-      </p:sp>
-      <p:sp>
-        <p:nvSpPr>
-          <p:cNvPr id="183" name="TextBox 182">
-            <a:extLst>
-              <a:ext uri="{FF2B5EF4-FFF2-40B4-BE49-F238E27FC236}">
-                <a16:creationId xmlns:a16="http://schemas.microsoft.com/office/drawing/2014/main" id="{B704D34B-180C-684D-BF05-055664281F7B}"/>
-              </a:ext>
-            </a:extLst>
-          </p:cNvPr>
-          <p:cNvSpPr txBox="1"/>
-          <p:nvPr/>
-        </p:nvSpPr>
-        <p:spPr>
-          <a:xfrm>
-            <a:off x="8894623" y="1316942"/>
-            <a:ext cx="554639" cy="161583"/>
-          </a:xfrm>
-          <a:prstGeom prst="rect">
-            <a:avLst/>
-          </a:prstGeom>
-          <a:noFill/>
-        </p:spPr>
-        <p:txBody>
-          <a:bodyPr wrap="none" lIns="0" tIns="0" rIns="0" bIns="0" rtlCol="0">
-            <a:spAutoFit/>
-          </a:bodyPr>
-          <a:lstStyle/>
-          <a:p>
-            <a:pPr algn="ctr"/>
-            <a:r>
-              <a:rPr lang="en-US" sz="1050" i="1" dirty="0">
-                <a:solidFill>
-                  <a:schemeClr val="bg1">
-                    <a:lumMod val="50000"/>
-                  </a:schemeClr>
-                </a:solidFill>
-              </a:rPr>
-              <a:t>Drill down</a:t>
-            </a:r>
-          </a:p>
-        </p:txBody>
-      </p:sp>
-      <p:sp>
-        <p:nvSpPr>
-          <p:cNvPr id="184" name="TextBox 183">
-            <a:extLst>
-              <a:ext uri="{FF2B5EF4-FFF2-40B4-BE49-F238E27FC236}">
-                <a16:creationId xmlns:a16="http://schemas.microsoft.com/office/drawing/2014/main" id="{010BB5FD-1698-034A-B9AB-7E8190F4243F}"/>
-              </a:ext>
-            </a:extLst>
-          </p:cNvPr>
-          <p:cNvSpPr txBox="1"/>
-          <p:nvPr/>
-        </p:nvSpPr>
-        <p:spPr>
-          <a:xfrm>
-            <a:off x="8518193" y="1913462"/>
-            <a:ext cx="1243930" cy="161583"/>
-          </a:xfrm>
-          <a:prstGeom prst="rect">
-            <a:avLst/>
-          </a:prstGeom>
-          <a:noFill/>
-        </p:spPr>
-        <p:txBody>
-          <a:bodyPr wrap="none" lIns="0" tIns="0" rIns="0" bIns="0" rtlCol="0">
-            <a:spAutoFit/>
-          </a:bodyPr>
-          <a:lstStyle/>
-          <a:p>
-            <a:pPr algn="ctr"/>
-            <a:r>
-              <a:rPr lang="en-US" sz="1050" i="1" dirty="0" err="1">
-                <a:solidFill>
-                  <a:schemeClr val="bg1">
-                    <a:lumMod val="50000"/>
-                  </a:schemeClr>
-                </a:solidFill>
-              </a:rPr>
-              <a:t>Socket.io</a:t>
-            </a:r>
-            <a:r>
-              <a:rPr lang="en-US" sz="1050" i="1" dirty="0">
-                <a:solidFill>
-                  <a:schemeClr val="bg1">
-                    <a:lumMod val="50000"/>
-                  </a:schemeClr>
-                </a:solidFill>
-              </a:rPr>
-              <a:t> </a:t>
-            </a:r>
-            <a:r>
-              <a:rPr lang="en-US" sz="1050" i="1" dirty="0" err="1">
-                <a:solidFill>
-                  <a:schemeClr val="bg1">
-                    <a:lumMod val="50000"/>
-                  </a:schemeClr>
-                </a:solidFill>
-              </a:rPr>
-              <a:t>realtime</a:t>
-            </a:r>
-            <a:r>
-              <a:rPr lang="en-US" sz="1050" i="1" dirty="0">
-                <a:solidFill>
-                  <a:schemeClr val="bg1">
-                    <a:lumMod val="50000"/>
-                  </a:schemeClr>
-                </a:solidFill>
-              </a:rPr>
-              <a:t> feed</a:t>
-            </a:r>
-          </a:p>
-        </p:txBody>
-      </p:sp>
-      <p:sp>
-        <p:nvSpPr>
-          <p:cNvPr id="185" name="Rectangle 184">
-            <a:extLst>
-              <a:ext uri="{FF2B5EF4-FFF2-40B4-BE49-F238E27FC236}">
-                <a16:creationId xmlns:a16="http://schemas.microsoft.com/office/drawing/2014/main" id="{36274A46-12BD-9F4A-8CEC-CF5F641837BB}"/>
-              </a:ext>
-            </a:extLst>
-          </p:cNvPr>
-          <p:cNvSpPr/>
-          <p:nvPr/>
-        </p:nvSpPr>
-        <p:spPr bwMode="auto">
-          <a:xfrm>
-            <a:off x="7200045" y="2220523"/>
-            <a:ext cx="4613413" cy="1139626"/>
-          </a:xfrm>
-          <a:prstGeom prst="rect">
-            <a:avLst/>
-          </a:prstGeom>
-          <a:solidFill>
-            <a:schemeClr val="bg1">
-              <a:lumMod val="50000"/>
-              <a:alpha val="29804"/>
-            </a:schemeClr>
-          </a:solidFill>
-          <a:ln>
-            <a:noFill/>
-            <a:headEnd type="none" w="med" len="med"/>
-            <a:tailEnd type="none" w="med" len="med"/>
-          </a:ln>
-          <a:effectLst/>
-        </p:spPr>
-        <p:style>
-          <a:lnRef idx="1">
-            <a:schemeClr val="accent2"/>
-          </a:lnRef>
-          <a:fillRef idx="3">
-            <a:schemeClr val="accent2"/>
-          </a:fillRef>
-          <a:effectRef idx="2">
-            <a:schemeClr val="accent2"/>
-          </a:effectRef>
-          <a:fontRef idx="minor">
-            <a:schemeClr val="lt1"/>
-          </a:fontRef>
-        </p:style>
-        <p:txBody>
-          <a:bodyPr rot="0" spcFirstLastPara="0" vertOverflow="overflow" horzOverflow="overflow" vert="horz" wrap="square" lIns="182880" tIns="146304" rIns="182880" bIns="146304" numCol="1" spcCol="0" rtlCol="0" fromWordArt="0" anchor="t" anchorCtr="0" forceAA="0" compatLnSpc="1">
-            <a:prstTxWarp prst="textNoShape">
-              <a:avLst/>
-            </a:prstTxWarp>
-            <a:noAutofit/>
-          </a:bodyPr>
-          <a:lstStyle/>
-          <a:p>
-            <a:pPr algn="l" defTabSz="932472" fontAlgn="base">
-              <a:spcBef>
-                <a:spcPct val="0"/>
-              </a:spcBef>
-              <a:spcAft>
-                <a:spcPct val="0"/>
-              </a:spcAft>
-            </a:pPr>
-            <a:endParaRPr lang="en-US" sz="2000" dirty="0" err="1">
-              <a:gradFill>
-                <a:gsLst>
-                  <a:gs pos="0">
-                    <a:srgbClr val="FFFFFF"/>
-                  </a:gs>
-                  <a:gs pos="100000">
-                    <a:srgbClr val="FFFFFF"/>
-                  </a:gs>
-                </a:gsLst>
-                <a:lin ang="5400000" scaled="0"/>
-              </a:gradFill>
-              <a:ea typeface="Segoe UI" pitchFamily="34" charset="0"/>
-              <a:cs typeface="Segoe UI" pitchFamily="34" charset="0"/>
-            </a:endParaRPr>
-          </a:p>
-        </p:txBody>
-      </p:sp>
-      <p:sp>
-        <p:nvSpPr>
-          <p:cNvPr id="186" name="TextBox 185">
-            <a:extLst>
-              <a:ext uri="{FF2B5EF4-FFF2-40B4-BE49-F238E27FC236}">
-                <a16:creationId xmlns:a16="http://schemas.microsoft.com/office/drawing/2014/main" id="{2A5E8709-C479-C64E-9C66-B17008E5B0C5}"/>
-              </a:ext>
-            </a:extLst>
-          </p:cNvPr>
-          <p:cNvSpPr txBox="1"/>
-          <p:nvPr/>
-        </p:nvSpPr>
-        <p:spPr>
-          <a:xfrm>
-            <a:off x="10433954" y="3140412"/>
-            <a:ext cx="1125308" cy="161583"/>
-          </a:xfrm>
-          <a:prstGeom prst="rect">
-            <a:avLst/>
-          </a:prstGeom>
-          <a:noFill/>
-        </p:spPr>
-        <p:txBody>
-          <a:bodyPr wrap="none" lIns="0" tIns="0" rIns="0" bIns="0" rtlCol="0">
-            <a:spAutoFit/>
-          </a:bodyPr>
-          <a:lstStyle/>
-          <a:p>
-            <a:pPr algn="ctr"/>
-            <a:r>
-              <a:rPr lang="en-US" sz="1050" i="1" dirty="0">
-                <a:solidFill>
-                  <a:schemeClr val="bg1">
-                    <a:lumMod val="50000"/>
-                  </a:schemeClr>
-                </a:solidFill>
-              </a:rPr>
-              <a:t>Probably not needed</a:t>
-            </a:r>
-          </a:p>
-        </p:txBody>
-      </p:sp>
-      <p:sp>
-        <p:nvSpPr>
-          <p:cNvPr id="187" name="TextBox 186">
-            <a:extLst>
-              <a:ext uri="{FF2B5EF4-FFF2-40B4-BE49-F238E27FC236}">
-                <a16:creationId xmlns:a16="http://schemas.microsoft.com/office/drawing/2014/main" id="{D99C21E0-3C77-0649-BBC6-555922085B13}"/>
-              </a:ext>
-            </a:extLst>
-          </p:cNvPr>
-          <p:cNvSpPr txBox="1"/>
-          <p:nvPr/>
-        </p:nvSpPr>
-        <p:spPr>
-          <a:xfrm>
-            <a:off x="5587609" y="2718930"/>
-            <a:ext cx="447237" cy="323165"/>
-          </a:xfrm>
-          <a:prstGeom prst="rect">
-            <a:avLst/>
-          </a:prstGeom>
-          <a:noFill/>
-        </p:spPr>
-        <p:txBody>
-          <a:bodyPr wrap="none" lIns="0" tIns="0" rIns="0" bIns="0" rtlCol="0">
-            <a:spAutoFit/>
-          </a:bodyPr>
-          <a:lstStyle/>
-          <a:p>
-            <a:pPr algn="ctr"/>
-            <a:r>
-              <a:rPr lang="en-US" sz="1050" i="1" dirty="0">
-                <a:solidFill>
-                  <a:schemeClr val="bg1">
-                    <a:lumMod val="50000"/>
-                  </a:schemeClr>
-                </a:solidFill>
-              </a:rPr>
-              <a:t>Retrieve</a:t>
-            </a:r>
-            <a:br>
-              <a:rPr lang="en-US" sz="1050" i="1" dirty="0">
-                <a:solidFill>
-                  <a:schemeClr val="bg1">
-                    <a:lumMod val="50000"/>
-                  </a:schemeClr>
-                </a:solidFill>
-              </a:rPr>
-            </a:br>
-            <a:r>
-              <a:rPr lang="en-US" sz="1050" i="1" dirty="0">
-                <a:solidFill>
-                  <a:schemeClr val="bg1">
-                    <a:lumMod val="50000"/>
-                  </a:schemeClr>
-                </a:solidFill>
-              </a:rPr>
-              <a:t>model</a:t>
-            </a:r>
-          </a:p>
-        </p:txBody>
-      </p:sp>
-      <p:sp>
-        <p:nvSpPr>
-          <p:cNvPr id="188" name="TextBox 187">
-            <a:extLst>
-              <a:ext uri="{FF2B5EF4-FFF2-40B4-BE49-F238E27FC236}">
-                <a16:creationId xmlns:a16="http://schemas.microsoft.com/office/drawing/2014/main" id="{318C3889-1331-3F49-8442-9C35A80E519F}"/>
-              </a:ext>
-            </a:extLst>
-          </p:cNvPr>
-          <p:cNvSpPr txBox="1"/>
-          <p:nvPr/>
-        </p:nvSpPr>
-        <p:spPr>
-          <a:xfrm>
-            <a:off x="4568033" y="2217224"/>
-            <a:ext cx="149079" cy="161583"/>
-          </a:xfrm>
-          <a:prstGeom prst="rect">
-            <a:avLst/>
-          </a:prstGeom>
-          <a:noFill/>
-        </p:spPr>
-        <p:txBody>
-          <a:bodyPr wrap="none" lIns="0" tIns="0" rIns="0" bIns="0" rtlCol="0">
-            <a:spAutoFit/>
-          </a:bodyPr>
-          <a:lstStyle/>
-          <a:p>
-            <a:pPr algn="ctr"/>
-            <a:r>
-              <a:rPr lang="en-US" sz="1050" i="1" dirty="0">
-                <a:solidFill>
-                  <a:schemeClr val="bg1">
-                    <a:lumMod val="50000"/>
-                  </a:schemeClr>
-                </a:solidFill>
-              </a:rPr>
-              <a:t>(1)</a:t>
-            </a:r>
-          </a:p>
-        </p:txBody>
-      </p:sp>
-      <p:sp>
-        <p:nvSpPr>
-          <p:cNvPr id="189" name="TextBox 188">
-            <a:extLst>
-              <a:ext uri="{FF2B5EF4-FFF2-40B4-BE49-F238E27FC236}">
-                <a16:creationId xmlns:a16="http://schemas.microsoft.com/office/drawing/2014/main" id="{C0BEE124-480D-7248-B32E-BDA23F0279A3}"/>
-              </a:ext>
-            </a:extLst>
-          </p:cNvPr>
-          <p:cNvSpPr txBox="1"/>
-          <p:nvPr/>
-        </p:nvSpPr>
-        <p:spPr>
-          <a:xfrm>
-            <a:off x="7559746" y="3945066"/>
-            <a:ext cx="4253711" cy="2031325"/>
-          </a:xfrm>
-          <a:prstGeom prst="rect">
-            <a:avLst/>
-          </a:prstGeom>
-          <a:noFill/>
-        </p:spPr>
-        <p:txBody>
-          <a:bodyPr wrap="square" lIns="0" tIns="0" rIns="0" bIns="0" rtlCol="0">
-            <a:spAutoFit/>
-          </a:bodyPr>
-          <a:lstStyle/>
-          <a:p>
-            <a:pPr marL="228600" indent="-228600">
-              <a:buAutoNum type="arabicParenBoth"/>
-            </a:pPr>
-            <a:r>
-              <a:rPr lang="en-US" sz="1200" dirty="0">
-                <a:gradFill>
-                  <a:gsLst>
-                    <a:gs pos="2917">
-                      <a:schemeClr val="tx1"/>
-                    </a:gs>
-                    <a:gs pos="30000">
-                      <a:schemeClr val="tx1"/>
-                    </a:gs>
-                  </a:gsLst>
-                  <a:lin ang="5400000" scaled="0"/>
-                </a:gradFill>
-              </a:rPr>
-              <a:t>The AML SDK requires Reader access at subscription level to retrieve data from AML (access to the workspace is not enough). But we don’t want to grant the Function MSI privileges on the subscription, as that exceeds privileges given to a </a:t>
-            </a:r>
-            <a:r>
-              <a:rPr lang="en-US" sz="1200" dirty="0" err="1">
-                <a:gradFill>
-                  <a:gsLst>
-                    <a:gs pos="2917">
-                      <a:schemeClr val="tx1"/>
-                    </a:gs>
-                    <a:gs pos="30000">
-                      <a:schemeClr val="tx1"/>
-                    </a:gs>
-                  </a:gsLst>
-                  <a:lin ang="5400000" scaled="0"/>
-                </a:gradFill>
-              </a:rPr>
-              <a:t>devops</a:t>
-            </a:r>
-            <a:r>
-              <a:rPr lang="en-US" sz="1200" dirty="0">
-                <a:gradFill>
-                  <a:gsLst>
-                    <a:gs pos="2917">
-                      <a:schemeClr val="tx1"/>
-                    </a:gs>
-                    <a:gs pos="30000">
-                      <a:schemeClr val="tx1"/>
-                    </a:gs>
-                  </a:gsLst>
-                  <a:lin ang="5400000" scaled="0"/>
-                </a:gradFill>
-              </a:rPr>
-              <a:t> provisioning pipeline.</a:t>
-            </a:r>
-          </a:p>
-          <a:p>
-            <a:pPr marL="228600" indent="-228600">
-              <a:buAutoNum type="arabicParenBoth"/>
-            </a:pPr>
-            <a:r>
-              <a:rPr lang="en-US" sz="1200" dirty="0">
-                <a:gradFill>
-                  <a:gsLst>
-                    <a:gs pos="2917">
-                      <a:schemeClr val="tx1"/>
-                    </a:gs>
-                    <a:gs pos="30000">
-                      <a:schemeClr val="tx1"/>
-                    </a:gs>
-                  </a:gsLst>
-                  <a:lin ang="5400000" scaled="0"/>
-                </a:gradFill>
-              </a:rPr>
-              <a:t>Since the function cannot retrieve models in AML, the ML training pipeline synchronizes models from AML to blob storage. This means the training pipeline runs synchronously, and cannot scale to &gt;1 h training time (using agent pools).</a:t>
-            </a:r>
-          </a:p>
-          <a:p>
-            <a:pPr marL="228600" indent="-228600" algn="l">
-              <a:buAutoNum type="arabicParenBoth"/>
-            </a:pPr>
-            <a:r>
-              <a:rPr lang="en-US" sz="1200" dirty="0">
-                <a:gradFill>
-                  <a:gsLst>
-                    <a:gs pos="2917">
-                      <a:schemeClr val="tx1"/>
-                    </a:gs>
-                    <a:gs pos="30000">
-                      <a:schemeClr val="tx1"/>
-                    </a:gs>
-                  </a:gsLst>
-                  <a:lin ang="5400000" scaled="0"/>
-                </a:gradFill>
-              </a:rPr>
-              <a:t>There is currently no trigger in place to retrain the model periodically.</a:t>
-            </a:r>
-          </a:p>
-        </p:txBody>
-      </p:sp>
-      <p:cxnSp>
-        <p:nvCxnSpPr>
-          <p:cNvPr id="190" name="Elbow Connector 189">
-            <a:extLst>
-              <a:ext uri="{FF2B5EF4-FFF2-40B4-BE49-F238E27FC236}">
-                <a16:creationId xmlns:a16="http://schemas.microsoft.com/office/drawing/2014/main" id="{9E56DBAA-687B-324F-B30B-7D3ED1B09EE2}"/>
-              </a:ext>
-            </a:extLst>
-          </p:cNvPr>
-          <p:cNvCxnSpPr>
-            <a:cxnSpLocks/>
-            <a:stCxn id="150" idx="1"/>
-            <a:endCxn id="18" idx="0"/>
-          </p:cNvCxnSpPr>
-          <p:nvPr/>
-        </p:nvCxnSpPr>
-        <p:spPr>
-          <a:xfrm rot="10800000" flipV="1">
-            <a:off x="4510176" y="1780844"/>
-            <a:ext cx="1071228" cy="1350530"/>
-          </a:xfrm>
-          <a:prstGeom prst="bentConnector2">
-            <a:avLst/>
-          </a:prstGeom>
-          <a:ln>
-            <a:solidFill>
-              <a:schemeClr val="bg1">
-                <a:lumMod val="85000"/>
-              </a:schemeClr>
-            </a:solidFill>
-            <a:headEnd type="none" w="lg" len="med"/>
-            <a:tailEnd type="triangle"/>
-          </a:ln>
-        </p:spPr>
-        <p:style>
-          <a:lnRef idx="1">
-            <a:schemeClr val="accent1"/>
-          </a:lnRef>
-          <a:fillRef idx="0">
-            <a:schemeClr val="accent1"/>
-          </a:fillRef>
-          <a:effectRef idx="0">
-            <a:schemeClr val="accent1"/>
-          </a:effectRef>
-          <a:fontRef idx="minor">
-            <a:schemeClr val="tx1"/>
-          </a:fontRef>
-        </p:style>
-      </p:cxnSp>
-      <p:pic>
-        <p:nvPicPr>
-          <p:cNvPr id="194" name="Graphic 193" descr="No sign">
-            <a:extLst>
-              <a:ext uri="{FF2B5EF4-FFF2-40B4-BE49-F238E27FC236}">
-                <a16:creationId xmlns:a16="http://schemas.microsoft.com/office/drawing/2014/main" id="{82FB79EB-940D-2C4A-A616-0F6157B56738}"/>
-              </a:ext>
-            </a:extLst>
-          </p:cNvPr>
-          <p:cNvPicPr>
-            <a:picLocks noChangeAspect="1"/>
-          </p:cNvPicPr>
-          <p:nvPr/>
-        </p:nvPicPr>
-        <p:blipFill>
-          <a:blip r:embed="rId17">
-            <a:extLst>
-              <a:ext uri="{96DAC541-7B7A-43D3-8B79-37D633B846F1}">
-                <asvg:svgBlip xmlns:asvg="http://schemas.microsoft.com/office/drawing/2016/SVG/main" r:embed="rId18"/>
-              </a:ext>
-            </a:extLst>
-          </a:blip>
-          <a:stretch>
-            <a:fillRect/>
-          </a:stretch>
-        </p:blipFill>
-        <p:spPr>
-          <a:xfrm>
-            <a:off x="4300847" y="1731175"/>
-            <a:ext cx="438597" cy="438597"/>
-          </a:xfrm>
-          <a:prstGeom prst="rect">
-            <a:avLst/>
-          </a:prstGeom>
-        </p:spPr>
-      </p:pic>
-      <p:sp>
-        <p:nvSpPr>
-          <p:cNvPr id="195" name="TextBox 194">
-            <a:extLst>
-              <a:ext uri="{FF2B5EF4-FFF2-40B4-BE49-F238E27FC236}">
-                <a16:creationId xmlns:a16="http://schemas.microsoft.com/office/drawing/2014/main" id="{5ABFE79B-8AA0-5440-B4B7-23E8324A72A4}"/>
-              </a:ext>
-            </a:extLst>
-          </p:cNvPr>
-          <p:cNvSpPr txBox="1"/>
-          <p:nvPr/>
-        </p:nvSpPr>
-        <p:spPr>
-          <a:xfrm>
-            <a:off x="5664329" y="4124681"/>
-            <a:ext cx="149079" cy="161583"/>
-          </a:xfrm>
-          <a:prstGeom prst="rect">
-            <a:avLst/>
-          </a:prstGeom>
-          <a:noFill/>
-        </p:spPr>
-        <p:txBody>
-          <a:bodyPr wrap="square" lIns="0" tIns="0" rIns="0" bIns="0" rtlCol="0">
-            <a:spAutoFit/>
-          </a:bodyPr>
-          <a:lstStyle/>
-          <a:p>
-            <a:pPr algn="ctr"/>
-            <a:r>
-              <a:rPr lang="en-US" sz="1050" i="1" dirty="0">
-                <a:solidFill>
-                  <a:schemeClr val="bg1">
-                    <a:lumMod val="50000"/>
-                  </a:schemeClr>
-                </a:solidFill>
-              </a:rPr>
-              <a:t>(2)</a:t>
-            </a:r>
-          </a:p>
-        </p:txBody>
-      </p:sp>
     </p:spTree>
     <p:extLst>
       <p:ext uri="{BB962C8B-B14F-4D97-AF65-F5344CB8AC3E}">
-        <p14:creationId xmlns:p14="http://schemas.microsoft.com/office/powerpoint/2010/main" val="2872997561"/>
+        <p14:creationId xmlns:p14="http://schemas.microsoft.com/office/powerpoint/2010/main" val="65101785"/>
       </p:ext>
     </p:extLst>
   </p:cSld>
